--- a/apresentação/tumblr.pptx
+++ b/apresentação/tumblr.pptx
@@ -1,6 +1,6 @@
 
 <file path=ppt/presentation.xml><?xml version="1.0" encoding="utf-8"?>
-<p:presentation xmlns:a="http://schemas.openxmlformats.org/drawingml/2006/main" xmlns:p="http://schemas.openxmlformats.org/presentationml/2006/main" xmlns:r="http://schemas.openxmlformats.org/officeDocument/2006/relationships" xmlns:p14="http://schemas.microsoft.com/office/powerpoint/2010/main" xmlns:p15="http://schemas.microsoft.com/office/powerpoint/2012/main" xmlns:mc="http://schemas.openxmlformats.org/markup-compatibility/2006">
+<p:presentation xmlns:a="http://schemas.openxmlformats.org/drawingml/2006/main" xmlns:p="http://schemas.openxmlformats.org/presentationml/2006/main" xmlns:r="http://schemas.openxmlformats.org/officeDocument/2006/relationships">
   <p:sldMasterIdLst>
     <p:sldMasterId id="2147483648" r:id="rId2"/>
     <p:sldMasterId id="2147483661" r:id="rId3"/>
@@ -21,6 +21,7 @@
     <p:sldId id="265" r:id="rId14"/>
     <p:sldId id="266" r:id="rId15"/>
     <p:sldId id="267" r:id="rId16"/>
+    <p:sldId id="268" r:id="rId17"/>
   </p:sldIdLst>
   <p:sldSz cx="9144000" cy="6858000"/>
   <p:notesSz cx="6858000" cy="9144000"/>
@@ -28,7 +29,7 @@
 </file>
 
 <file path=ppt/notesMasters/notesMaster1.xml><?xml version="1.0" encoding="utf-8"?>
-<p:notesMaster xmlns:a="http://schemas.openxmlformats.org/drawingml/2006/main" xmlns:p="http://schemas.openxmlformats.org/presentationml/2006/main" xmlns:r="http://schemas.openxmlformats.org/officeDocument/2006/relationships" xmlns:p14="http://schemas.microsoft.com/office/powerpoint/2010/main" xmlns:p15="http://schemas.microsoft.com/office/powerpoint/2012/main" xmlns:mc="http://schemas.openxmlformats.org/markup-compatibility/2006">
+<p:notesMaster xmlns:a="http://schemas.openxmlformats.org/drawingml/2006/main" xmlns:p="http://schemas.openxmlformats.org/presentationml/2006/main" xmlns:r="http://schemas.openxmlformats.org/officeDocument/2006/relationships">
   <p:cSld>
     <p:spTree>
       <p:nvGrpSpPr>
@@ -67,30 +68,12 @@
           <a:bodyPr lIns="0" rIns="0" tIns="0" bIns="0"/>
           <a:p>
             <a:r>
-              <a:rPr b="0" lang="pt-BR" sz="2000" spc="-1" strike="noStrike">
-                <a:solidFill>
-                  <a:srgbClr val="000000"/>
-                </a:solidFill>
-                <a:uFill>
-                  <a:solidFill>
-                    <a:srgbClr val="ffffff"/>
-                  </a:solidFill>
-                </a:uFill>
+              <a:rPr lang="pt-BR" sz="2000">
                 <a:latin typeface="Arial"/>
               </a:rPr>
-              <a:t>Click to edit the notes format</a:t>
+              <a:t>Clique para editar o formato de notas</a:t>
             </a:r>
-            <a:endParaRPr b="0" lang="pt-BR" sz="2000" spc="-1" strike="noStrike">
-              <a:solidFill>
-                <a:srgbClr val="000000"/>
-              </a:solidFill>
-              <a:uFill>
-                <a:solidFill>
-                  <a:srgbClr val="ffffff"/>
-                </a:solidFill>
-              </a:uFill>
-              <a:latin typeface="Arial"/>
-            </a:endParaRPr>
+            <a:endParaRPr/>
           </a:p>
         </p:txBody>
       </p:sp>
@@ -117,30 +100,12 @@
           <a:bodyPr lIns="0" rIns="0" tIns="0" bIns="0"/>
           <a:p>
             <a:r>
-              <a:rPr b="0" lang="pt-BR" sz="1400" spc="-1" strike="noStrike">
-                <a:solidFill>
-                  <a:srgbClr val="000000"/>
-                </a:solidFill>
-                <a:uFill>
-                  <a:solidFill>
-                    <a:srgbClr val="ffffff"/>
-                  </a:solidFill>
-                </a:uFill>
+              <a:rPr lang="pt-BR" sz="1400">
                 <a:latin typeface="Times New Roman"/>
               </a:rPr>
-              <a:t>&lt;header&gt;</a:t>
+              <a:t>&lt;cabeçalho&gt;</a:t>
             </a:r>
-            <a:endParaRPr b="0" lang="pt-BR" sz="1400" spc="-1" strike="noStrike">
-              <a:solidFill>
-                <a:srgbClr val="000000"/>
-              </a:solidFill>
-              <a:uFill>
-                <a:solidFill>
-                  <a:srgbClr val="ffffff"/>
-                </a:solidFill>
-              </a:uFill>
-              <a:latin typeface="Times New Roman"/>
-            </a:endParaRPr>
+            <a:endParaRPr/>
           </a:p>
         </p:txBody>
       </p:sp>
@@ -168,30 +133,12 @@
           <a:p>
             <a:pPr algn="r"/>
             <a:r>
-              <a:rPr b="0" lang="pt-BR" sz="1400" spc="-1" strike="noStrike">
-                <a:solidFill>
-                  <a:srgbClr val="000000"/>
-                </a:solidFill>
-                <a:uFill>
-                  <a:solidFill>
-                    <a:srgbClr val="ffffff"/>
-                  </a:solidFill>
-                </a:uFill>
+              <a:rPr lang="pt-BR" sz="1400">
                 <a:latin typeface="Times New Roman"/>
               </a:rPr>
-              <a:t>&lt;date/time&gt;</a:t>
+              <a:t>&lt;data/hora&gt;</a:t>
             </a:r>
-            <a:endParaRPr b="0" lang="pt-BR" sz="1400" spc="-1" strike="noStrike">
-              <a:solidFill>
-                <a:srgbClr val="000000"/>
-              </a:solidFill>
-              <a:uFill>
-                <a:solidFill>
-                  <a:srgbClr val="ffffff"/>
-                </a:solidFill>
-              </a:uFill>
-              <a:latin typeface="Times New Roman"/>
-            </a:endParaRPr>
+            <a:endParaRPr/>
           </a:p>
         </p:txBody>
       </p:sp>
@@ -218,30 +165,12 @@
           <a:bodyPr lIns="0" rIns="0" tIns="0" bIns="0" anchor="b"/>
           <a:p>
             <a:r>
-              <a:rPr b="0" lang="pt-BR" sz="1400" spc="-1" strike="noStrike">
-                <a:solidFill>
-                  <a:srgbClr val="000000"/>
-                </a:solidFill>
-                <a:uFill>
-                  <a:solidFill>
-                    <a:srgbClr val="ffffff"/>
-                  </a:solidFill>
-                </a:uFill>
+              <a:rPr lang="pt-BR" sz="1400">
                 <a:latin typeface="Times New Roman"/>
               </a:rPr>
-              <a:t>&lt;footer&gt;</a:t>
+              <a:t>&lt;rodapé&gt;</a:t>
             </a:r>
-            <a:endParaRPr b="0" lang="pt-BR" sz="1400" spc="-1" strike="noStrike">
-              <a:solidFill>
-                <a:srgbClr val="000000"/>
-              </a:solidFill>
-              <a:uFill>
-                <a:solidFill>
-                  <a:srgbClr val="ffffff"/>
-                </a:solidFill>
-              </a:uFill>
-              <a:latin typeface="Times New Roman"/>
-            </a:endParaRPr>
+            <a:endParaRPr/>
           </a:p>
         </p:txBody>
       </p:sp>
@@ -268,31 +197,13 @@
           <a:bodyPr lIns="0" rIns="0" tIns="0" bIns="0" anchor="b"/>
           <a:p>
             <a:pPr algn="r"/>
-            <a:fld id="{89049E69-A8FA-4BB5-B26A-0DA62842B6C7}" type="slidenum">
-              <a:rPr b="0" lang="pt-BR" sz="1400" spc="-1" strike="noStrike">
-                <a:solidFill>
-                  <a:srgbClr val="000000"/>
-                </a:solidFill>
-                <a:uFill>
-                  <a:solidFill>
-                    <a:srgbClr val="ffffff"/>
-                  </a:solidFill>
-                </a:uFill>
+            <a:fld id="{9B3C7912-A00F-4DE6-8B98-01203C922C29}" type="slidenum">
+              <a:rPr lang="pt-BR" sz="1400">
                 <a:latin typeface="Times New Roman"/>
               </a:rPr>
-              <a:t>&lt;number&gt;</a:t>
+              <a:t>&lt;número&gt;</a:t>
             </a:fld>
-            <a:endParaRPr b="0" lang="pt-BR" sz="1400" spc="-1" strike="noStrike">
-              <a:solidFill>
-                <a:srgbClr val="000000"/>
-              </a:solidFill>
-              <a:uFill>
-                <a:solidFill>
-                  <a:srgbClr val="ffffff"/>
-                </a:solidFill>
-              </a:uFill>
-              <a:latin typeface="Times New Roman"/>
-            </a:endParaRPr>
+            <a:endParaRPr/>
           </a:p>
         </p:txBody>
       </p:sp>
@@ -303,7 +214,7 @@
 </file>
 
 <file path=ppt/notesSlides/notesSlide2.xml><?xml version="1.0" encoding="utf-8"?>
-<p:notes xmlns:a="http://schemas.openxmlformats.org/drawingml/2006/main" xmlns:p="http://schemas.openxmlformats.org/presentationml/2006/main" xmlns:r="http://schemas.openxmlformats.org/officeDocument/2006/relationships" xmlns:p14="http://schemas.microsoft.com/office/powerpoint/2010/main" xmlns:p15="http://schemas.microsoft.com/office/powerpoint/2012/main" xmlns:mc="http://schemas.openxmlformats.org/markup-compatibility/2006">
+<p:notes xmlns:a="http://schemas.openxmlformats.org/drawingml/2006/main" xmlns:p="http://schemas.openxmlformats.org/presentationml/2006/main" xmlns:r="http://schemas.openxmlformats.org/officeDocument/2006/relationships">
   <p:cSld>
     <p:spTree>
       <p:nvGrpSpPr>
@@ -321,7 +232,7 @@
       </p:grpSpPr>
       <p:sp>
         <p:nvSpPr>
-          <p:cNvPr id="117" name="PlaceHolder 1"/>
+          <p:cNvPr id="121" name="PlaceHolder 1"/>
           <p:cNvSpPr>
             <a:spLocks noGrp="1"/>
           </p:cNvSpPr>
@@ -332,7 +243,7 @@
         <p:spPr>
           <a:xfrm>
             <a:off x="685800" y="4343400"/>
-            <a:ext cx="5484960" cy="4113360"/>
+            <a:ext cx="5484600" cy="4113000"/>
           </a:xfrm>
           <a:prstGeom prst="rect">
             <a:avLst/>
@@ -341,30 +252,20 @@
         <p:txBody>
           <a:bodyPr lIns="0" rIns="0" tIns="0" bIns="0"/>
           <a:p>
-            <a:endParaRPr b="0" lang="pt-BR" sz="2000" spc="-1" strike="noStrike">
-              <a:solidFill>
-                <a:srgbClr val="000000"/>
-              </a:solidFill>
-              <a:uFill>
-                <a:solidFill>
-                  <a:srgbClr val="ffffff"/>
-                </a:solidFill>
-              </a:uFill>
-              <a:latin typeface="Arial"/>
-            </a:endParaRPr>
-          </a:p>
-        </p:txBody>
-      </p:sp>
-      <p:sp>
-        <p:nvSpPr>
-          <p:cNvPr id="118" name="CustomShape 2"/>
+            <a:endParaRPr/>
+          </a:p>
+        </p:txBody>
+      </p:sp>
+      <p:sp>
+        <p:nvSpPr>
+          <p:cNvPr id="122" name="CustomShape 2"/>
           <p:cNvSpPr/>
           <p:nvPr/>
         </p:nvSpPr>
         <p:spPr>
           <a:xfrm>
             <a:off x="3884760" y="8685360"/>
-            <a:ext cx="2970360" cy="455760"/>
+            <a:ext cx="2970000" cy="455400"/>
           </a:xfrm>
           <a:prstGeom prst="rect">
             <a:avLst/>
@@ -388,32 +289,17 @@
                 <a:spcPct val="100000"/>
               </a:lnSpc>
             </a:pPr>
-            <a:fld id="{F34A5833-8D85-41F1-AD7B-738180AFF315}" type="slidenum">
-              <a:rPr b="0" lang="pt-BR" sz="1200" spc="-1" strike="noStrike">
+            <a:fld id="{979F0B37-EDAB-4514-8338-1E7286AEA4A5}" type="slidenum">
+              <a:rPr lang="pt-BR" sz="1200" strike="noStrike">
                 <a:solidFill>
                   <a:srgbClr val="000000"/>
                 </a:solidFill>
-                <a:uFill>
-                  <a:solidFill>
-                    <a:srgbClr val="ffffff"/>
-                  </a:solidFill>
-                </a:uFill>
                 <a:latin typeface="+mn-lt"/>
                 <a:ea typeface="+mn-ea"/>
               </a:rPr>
-              <a:t>&lt;number&gt;</a:t>
+              <a:t>&lt;número&gt;</a:t>
             </a:fld>
-            <a:endParaRPr b="0" lang="pt-BR" sz="1800" spc="-1" strike="noStrike">
-              <a:solidFill>
-                <a:srgbClr val="000000"/>
-              </a:solidFill>
-              <a:uFill>
-                <a:solidFill>
-                  <a:srgbClr val="ffffff"/>
-                </a:solidFill>
-              </a:uFill>
-              <a:latin typeface="Arial"/>
-            </a:endParaRPr>
+            <a:endParaRPr/>
           </a:p>
         </p:txBody>
       </p:sp>
@@ -423,7 +309,7 @@
 </file>
 
 <file path=ppt/slideLayouts/slideLayout1.xml><?xml version="1.0" encoding="utf-8"?>
-<p:sldLayout xmlns:a="http://schemas.openxmlformats.org/drawingml/2006/main" xmlns:p="http://schemas.openxmlformats.org/presentationml/2006/main" xmlns:r="http://schemas.openxmlformats.org/officeDocument/2006/relationships" xmlns:p14="http://schemas.microsoft.com/office/powerpoint/2010/main" xmlns:p15="http://schemas.microsoft.com/office/powerpoint/2012/main" xmlns:mc="http://schemas.openxmlformats.org/markup-compatibility/2006" type="blank" preserve="1">
+<p:sldLayout xmlns:a="http://schemas.openxmlformats.org/drawingml/2006/main" xmlns:p="http://schemas.openxmlformats.org/presentationml/2006/main" xmlns:r="http://schemas.openxmlformats.org/officeDocument/2006/relationships" type="blank" preserve="1">
   <p:cSld name="Blank Slide">
     <p:spTree>
       <p:nvGrpSpPr>
@@ -445,7 +331,7 @@
 </file>
 
 <file path=ppt/slideLayouts/slideLayout10.xml><?xml version="1.0" encoding="utf-8"?>
-<p:sldLayout xmlns:a="http://schemas.openxmlformats.org/drawingml/2006/main" xmlns:p="http://schemas.openxmlformats.org/presentationml/2006/main" xmlns:r="http://schemas.openxmlformats.org/officeDocument/2006/relationships" xmlns:p14="http://schemas.microsoft.com/office/powerpoint/2010/main" xmlns:p15="http://schemas.microsoft.com/office/powerpoint/2012/main" xmlns:mc="http://schemas.openxmlformats.org/markup-compatibility/2006" type="objOverTx" preserve="1">
+<p:sldLayout xmlns:a="http://schemas.openxmlformats.org/drawingml/2006/main" xmlns:p="http://schemas.openxmlformats.org/presentationml/2006/main" xmlns:r="http://schemas.openxmlformats.org/officeDocument/2006/relationships" type="objOverTx" preserve="1">
   <p:cSld name="Title, Content over Content">
     <p:spTree>
       <p:nvGrpSpPr>
@@ -484,17 +370,7 @@
           <a:bodyPr lIns="0" rIns="0" tIns="0" bIns="0" anchor="ctr"/>
           <a:p>
             <a:pPr algn="ctr"/>
-            <a:endParaRPr b="0" lang="pt-BR" sz="4400" spc="-1" strike="noStrike">
-              <a:solidFill>
-                <a:srgbClr val="ffffff"/>
-              </a:solidFill>
-              <a:uFill>
-                <a:solidFill>
-                  <a:srgbClr val="ffffff"/>
-                </a:solidFill>
-              </a:uFill>
-              <a:latin typeface="Arial"/>
-            </a:endParaRPr>
+            <a:endParaRPr/>
           </a:p>
         </p:txBody>
       </p:sp>
@@ -520,17 +396,7 @@
         <p:txBody>
           <a:bodyPr lIns="0" rIns="0" tIns="0" bIns="0"/>
           <a:p>
-            <a:endParaRPr b="0" lang="pt-BR" sz="3200" spc="-1" strike="noStrike">
-              <a:solidFill>
-                <a:srgbClr val="ffffff"/>
-              </a:solidFill>
-              <a:uFill>
-                <a:solidFill>
-                  <a:srgbClr val="ffffff"/>
-                </a:solidFill>
-              </a:uFill>
-              <a:latin typeface="Arial"/>
-            </a:endParaRPr>
+            <a:endParaRPr/>
           </a:p>
         </p:txBody>
       </p:sp>
@@ -556,17 +422,7 @@
         <p:txBody>
           <a:bodyPr lIns="0" rIns="0" tIns="0" bIns="0"/>
           <a:p>
-            <a:endParaRPr b="0" lang="pt-BR" sz="3200" spc="-1" strike="noStrike">
-              <a:solidFill>
-                <a:srgbClr val="ffffff"/>
-              </a:solidFill>
-              <a:uFill>
-                <a:solidFill>
-                  <a:srgbClr val="ffffff"/>
-                </a:solidFill>
-              </a:uFill>
-              <a:latin typeface="Arial"/>
-            </a:endParaRPr>
+            <a:endParaRPr/>
           </a:p>
         </p:txBody>
       </p:sp>
@@ -576,7 +432,7 @@
 </file>
 
 <file path=ppt/slideLayouts/slideLayout11.xml><?xml version="1.0" encoding="utf-8"?>
-<p:sldLayout xmlns:a="http://schemas.openxmlformats.org/drawingml/2006/main" xmlns:p="http://schemas.openxmlformats.org/presentationml/2006/main" xmlns:r="http://schemas.openxmlformats.org/officeDocument/2006/relationships" xmlns:p14="http://schemas.microsoft.com/office/powerpoint/2010/main" xmlns:p15="http://schemas.microsoft.com/office/powerpoint/2012/main" xmlns:mc="http://schemas.openxmlformats.org/markup-compatibility/2006" type="fourObj" preserve="1">
+<p:sldLayout xmlns:a="http://schemas.openxmlformats.org/drawingml/2006/main" xmlns:p="http://schemas.openxmlformats.org/presentationml/2006/main" xmlns:r="http://schemas.openxmlformats.org/officeDocument/2006/relationships" type="fourObj" preserve="1">
   <p:cSld name="Title, 4 Content">
     <p:spTree>
       <p:nvGrpSpPr>
@@ -615,17 +471,7 @@
           <a:bodyPr lIns="0" rIns="0" tIns="0" bIns="0" anchor="ctr"/>
           <a:p>
             <a:pPr algn="ctr"/>
-            <a:endParaRPr b="0" lang="pt-BR" sz="4400" spc="-1" strike="noStrike">
-              <a:solidFill>
-                <a:srgbClr val="ffffff"/>
-              </a:solidFill>
-              <a:uFill>
-                <a:solidFill>
-                  <a:srgbClr val="ffffff"/>
-                </a:solidFill>
-              </a:uFill>
-              <a:latin typeface="Arial"/>
-            </a:endParaRPr>
+            <a:endParaRPr/>
           </a:p>
         </p:txBody>
       </p:sp>
@@ -651,17 +497,7 @@
         <p:txBody>
           <a:bodyPr lIns="0" rIns="0" tIns="0" bIns="0"/>
           <a:p>
-            <a:endParaRPr b="0" lang="pt-BR" sz="3200" spc="-1" strike="noStrike">
-              <a:solidFill>
-                <a:srgbClr val="ffffff"/>
-              </a:solidFill>
-              <a:uFill>
-                <a:solidFill>
-                  <a:srgbClr val="ffffff"/>
-                </a:solidFill>
-              </a:uFill>
-              <a:latin typeface="Arial"/>
-            </a:endParaRPr>
+            <a:endParaRPr/>
           </a:p>
         </p:txBody>
       </p:sp>
@@ -687,17 +523,7 @@
         <p:txBody>
           <a:bodyPr lIns="0" rIns="0" tIns="0" bIns="0"/>
           <a:p>
-            <a:endParaRPr b="0" lang="pt-BR" sz="3200" spc="-1" strike="noStrike">
-              <a:solidFill>
-                <a:srgbClr val="ffffff"/>
-              </a:solidFill>
-              <a:uFill>
-                <a:solidFill>
-                  <a:srgbClr val="ffffff"/>
-                </a:solidFill>
-              </a:uFill>
-              <a:latin typeface="Arial"/>
-            </a:endParaRPr>
+            <a:endParaRPr/>
           </a:p>
         </p:txBody>
       </p:sp>
@@ -723,17 +549,7 @@
         <p:txBody>
           <a:bodyPr lIns="0" rIns="0" tIns="0" bIns="0"/>
           <a:p>
-            <a:endParaRPr b="0" lang="pt-BR" sz="3200" spc="-1" strike="noStrike">
-              <a:solidFill>
-                <a:srgbClr val="ffffff"/>
-              </a:solidFill>
-              <a:uFill>
-                <a:solidFill>
-                  <a:srgbClr val="ffffff"/>
-                </a:solidFill>
-              </a:uFill>
-              <a:latin typeface="Arial"/>
-            </a:endParaRPr>
+            <a:endParaRPr/>
           </a:p>
         </p:txBody>
       </p:sp>
@@ -759,17 +575,7 @@
         <p:txBody>
           <a:bodyPr lIns="0" rIns="0" tIns="0" bIns="0"/>
           <a:p>
-            <a:endParaRPr b="0" lang="pt-BR" sz="3200" spc="-1" strike="noStrike">
-              <a:solidFill>
-                <a:srgbClr val="ffffff"/>
-              </a:solidFill>
-              <a:uFill>
-                <a:solidFill>
-                  <a:srgbClr val="ffffff"/>
-                </a:solidFill>
-              </a:uFill>
-              <a:latin typeface="Arial"/>
-            </a:endParaRPr>
+            <a:endParaRPr/>
           </a:p>
         </p:txBody>
       </p:sp>
@@ -779,7 +585,7 @@
 </file>
 
 <file path=ppt/slideLayouts/slideLayout12.xml><?xml version="1.0" encoding="utf-8"?>
-<p:sldLayout xmlns:a="http://schemas.openxmlformats.org/drawingml/2006/main" xmlns:p="http://schemas.openxmlformats.org/presentationml/2006/main" xmlns:r="http://schemas.openxmlformats.org/officeDocument/2006/relationships" xmlns:p14="http://schemas.microsoft.com/office/powerpoint/2010/main" xmlns:p15="http://schemas.microsoft.com/office/powerpoint/2012/main" xmlns:mc="http://schemas.openxmlformats.org/markup-compatibility/2006" type="blank" preserve="1">
+<p:sldLayout xmlns:a="http://schemas.openxmlformats.org/drawingml/2006/main" xmlns:p="http://schemas.openxmlformats.org/presentationml/2006/main" xmlns:r="http://schemas.openxmlformats.org/officeDocument/2006/relationships" type="blank" preserve="1">
   <p:cSld name="Title, 6 Content">
     <p:spTree>
       <p:nvGrpSpPr>
@@ -818,17 +624,7 @@
           <a:bodyPr lIns="0" rIns="0" tIns="0" bIns="0" anchor="ctr"/>
           <a:p>
             <a:pPr algn="ctr"/>
-            <a:endParaRPr b="0" lang="pt-BR" sz="4400" spc="-1" strike="noStrike">
-              <a:solidFill>
-                <a:srgbClr val="ffffff"/>
-              </a:solidFill>
-              <a:uFill>
-                <a:solidFill>
-                  <a:srgbClr val="ffffff"/>
-                </a:solidFill>
-              </a:uFill>
-              <a:latin typeface="Arial"/>
-            </a:endParaRPr>
+            <a:endParaRPr/>
           </a:p>
         </p:txBody>
       </p:sp>
@@ -854,17 +650,7 @@
         <p:txBody>
           <a:bodyPr lIns="0" rIns="0" tIns="0" bIns="0"/>
           <a:p>
-            <a:endParaRPr b="0" lang="pt-BR" sz="3200" spc="-1" strike="noStrike">
-              <a:solidFill>
-                <a:srgbClr val="ffffff"/>
-              </a:solidFill>
-              <a:uFill>
-                <a:solidFill>
-                  <a:srgbClr val="ffffff"/>
-                </a:solidFill>
-              </a:uFill>
-              <a:latin typeface="Arial"/>
-            </a:endParaRPr>
+            <a:endParaRPr/>
           </a:p>
         </p:txBody>
       </p:sp>
@@ -890,17 +676,7 @@
         <p:txBody>
           <a:bodyPr lIns="0" rIns="0" tIns="0" bIns="0"/>
           <a:p>
-            <a:endParaRPr b="0" lang="pt-BR" sz="3200" spc="-1" strike="noStrike">
-              <a:solidFill>
-                <a:srgbClr val="ffffff"/>
-              </a:solidFill>
-              <a:uFill>
-                <a:solidFill>
-                  <a:srgbClr val="ffffff"/>
-                </a:solidFill>
-              </a:uFill>
-              <a:latin typeface="Arial"/>
-            </a:endParaRPr>
+            <a:endParaRPr/>
           </a:p>
         </p:txBody>
       </p:sp>
@@ -956,7 +732,7 @@
 </file>
 
 <file path=ppt/slideLayouts/slideLayout13.xml><?xml version="1.0" encoding="utf-8"?>
-<p:sldLayout xmlns:a="http://schemas.openxmlformats.org/drawingml/2006/main" xmlns:p="http://schemas.openxmlformats.org/presentationml/2006/main" xmlns:r="http://schemas.openxmlformats.org/officeDocument/2006/relationships" xmlns:p14="http://schemas.microsoft.com/office/powerpoint/2010/main" xmlns:p15="http://schemas.microsoft.com/office/powerpoint/2012/main" xmlns:mc="http://schemas.openxmlformats.org/markup-compatibility/2006" type="blank" preserve="1">
+<p:sldLayout xmlns:a="http://schemas.openxmlformats.org/drawingml/2006/main" xmlns:p="http://schemas.openxmlformats.org/presentationml/2006/main" xmlns:r="http://schemas.openxmlformats.org/officeDocument/2006/relationships" type="blank" preserve="1">
   <p:cSld name="Blank Slide">
     <p:spTree>
       <p:nvGrpSpPr>
@@ -978,7 +754,7 @@
 </file>
 
 <file path=ppt/slideLayouts/slideLayout14.xml><?xml version="1.0" encoding="utf-8"?>
-<p:sldLayout xmlns:a="http://schemas.openxmlformats.org/drawingml/2006/main" xmlns:p="http://schemas.openxmlformats.org/presentationml/2006/main" xmlns:r="http://schemas.openxmlformats.org/officeDocument/2006/relationships" xmlns:p14="http://schemas.microsoft.com/office/powerpoint/2010/main" xmlns:p15="http://schemas.microsoft.com/office/powerpoint/2012/main" xmlns:mc="http://schemas.openxmlformats.org/markup-compatibility/2006" type="tx" preserve="1">
+<p:sldLayout xmlns:a="http://schemas.openxmlformats.org/drawingml/2006/main" xmlns:p="http://schemas.openxmlformats.org/presentationml/2006/main" xmlns:r="http://schemas.openxmlformats.org/officeDocument/2006/relationships" type="tx" preserve="1">
   <p:cSld name="Title Slide">
     <p:spTree>
       <p:nvGrpSpPr>
@@ -1017,17 +793,7 @@
           <a:bodyPr lIns="0" rIns="0" tIns="0" bIns="0" anchor="ctr"/>
           <a:p>
             <a:pPr algn="ctr"/>
-            <a:endParaRPr b="0" lang="pt-BR" sz="4400" spc="-1" strike="noStrike">
-              <a:solidFill>
-                <a:srgbClr val="ffffff"/>
-              </a:solidFill>
-              <a:uFill>
-                <a:solidFill>
-                  <a:srgbClr val="ffffff"/>
-                </a:solidFill>
-              </a:uFill>
-              <a:latin typeface="Arial"/>
-            </a:endParaRPr>
+            <a:endParaRPr/>
           </a:p>
         </p:txBody>
       </p:sp>
@@ -1054,17 +820,7 @@
           <a:bodyPr lIns="0" rIns="0" tIns="0" bIns="0" anchor="ctr"/>
           <a:p>
             <a:pPr algn="ctr"/>
-            <a:endParaRPr b="0" lang="pt-BR" sz="3200" spc="-1" strike="noStrike">
-              <a:solidFill>
-                <a:srgbClr val="ffffff"/>
-              </a:solidFill>
-              <a:uFill>
-                <a:solidFill>
-                  <a:srgbClr val="ffffff"/>
-                </a:solidFill>
-              </a:uFill>
-              <a:latin typeface="Arial"/>
-            </a:endParaRPr>
+            <a:endParaRPr/>
           </a:p>
         </p:txBody>
       </p:sp>
@@ -1074,7 +830,7 @@
 </file>
 
 <file path=ppt/slideLayouts/slideLayout15.xml><?xml version="1.0" encoding="utf-8"?>
-<p:sldLayout xmlns:a="http://schemas.openxmlformats.org/drawingml/2006/main" xmlns:p="http://schemas.openxmlformats.org/presentationml/2006/main" xmlns:r="http://schemas.openxmlformats.org/officeDocument/2006/relationships" xmlns:p14="http://schemas.microsoft.com/office/powerpoint/2010/main" xmlns:p15="http://schemas.microsoft.com/office/powerpoint/2012/main" xmlns:mc="http://schemas.openxmlformats.org/markup-compatibility/2006" type="obj" preserve="1">
+<p:sldLayout xmlns:a="http://schemas.openxmlformats.org/drawingml/2006/main" xmlns:p="http://schemas.openxmlformats.org/presentationml/2006/main" xmlns:r="http://schemas.openxmlformats.org/officeDocument/2006/relationships" type="obj" preserve="1">
   <p:cSld name="Title, Content">
     <p:spTree>
       <p:nvGrpSpPr>
@@ -1113,17 +869,7 @@
           <a:bodyPr lIns="0" rIns="0" tIns="0" bIns="0" anchor="ctr"/>
           <a:p>
             <a:pPr algn="ctr"/>
-            <a:endParaRPr b="0" lang="pt-BR" sz="4400" spc="-1" strike="noStrike">
-              <a:solidFill>
-                <a:srgbClr val="ffffff"/>
-              </a:solidFill>
-              <a:uFill>
-                <a:solidFill>
-                  <a:srgbClr val="ffffff"/>
-                </a:solidFill>
-              </a:uFill>
-              <a:latin typeface="Arial"/>
-            </a:endParaRPr>
+            <a:endParaRPr/>
           </a:p>
         </p:txBody>
       </p:sp>
@@ -1149,17 +895,7 @@
         <p:txBody>
           <a:bodyPr lIns="0" rIns="0" tIns="0" bIns="0"/>
           <a:p>
-            <a:endParaRPr b="0" lang="pt-BR" sz="3200" spc="-1" strike="noStrike">
-              <a:solidFill>
-                <a:srgbClr val="ffffff"/>
-              </a:solidFill>
-              <a:uFill>
-                <a:solidFill>
-                  <a:srgbClr val="ffffff"/>
-                </a:solidFill>
-              </a:uFill>
-              <a:latin typeface="Arial"/>
-            </a:endParaRPr>
+            <a:endParaRPr/>
           </a:p>
         </p:txBody>
       </p:sp>
@@ -1169,7 +905,7 @@
 </file>
 
 <file path=ppt/slideLayouts/slideLayout16.xml><?xml version="1.0" encoding="utf-8"?>
-<p:sldLayout xmlns:a="http://schemas.openxmlformats.org/drawingml/2006/main" xmlns:p="http://schemas.openxmlformats.org/presentationml/2006/main" xmlns:r="http://schemas.openxmlformats.org/officeDocument/2006/relationships" xmlns:p14="http://schemas.microsoft.com/office/powerpoint/2010/main" xmlns:p15="http://schemas.microsoft.com/office/powerpoint/2012/main" xmlns:mc="http://schemas.openxmlformats.org/markup-compatibility/2006" type="twoObj" preserve="1">
+<p:sldLayout xmlns:a="http://schemas.openxmlformats.org/drawingml/2006/main" xmlns:p="http://schemas.openxmlformats.org/presentationml/2006/main" xmlns:r="http://schemas.openxmlformats.org/officeDocument/2006/relationships" type="twoObj" preserve="1">
   <p:cSld name="Title, 2 Content">
     <p:spTree>
       <p:nvGrpSpPr>
@@ -1208,17 +944,7 @@
           <a:bodyPr lIns="0" rIns="0" tIns="0" bIns="0" anchor="ctr"/>
           <a:p>
             <a:pPr algn="ctr"/>
-            <a:endParaRPr b="0" lang="pt-BR" sz="4400" spc="-1" strike="noStrike">
-              <a:solidFill>
-                <a:srgbClr val="ffffff"/>
-              </a:solidFill>
-              <a:uFill>
-                <a:solidFill>
-                  <a:srgbClr val="ffffff"/>
-                </a:solidFill>
-              </a:uFill>
-              <a:latin typeface="Arial"/>
-            </a:endParaRPr>
+            <a:endParaRPr/>
           </a:p>
         </p:txBody>
       </p:sp>
@@ -1244,17 +970,7 @@
         <p:txBody>
           <a:bodyPr lIns="0" rIns="0" tIns="0" bIns="0"/>
           <a:p>
-            <a:endParaRPr b="0" lang="pt-BR" sz="3200" spc="-1" strike="noStrike">
-              <a:solidFill>
-                <a:srgbClr val="ffffff"/>
-              </a:solidFill>
-              <a:uFill>
-                <a:solidFill>
-                  <a:srgbClr val="ffffff"/>
-                </a:solidFill>
-              </a:uFill>
-              <a:latin typeface="Arial"/>
-            </a:endParaRPr>
+            <a:endParaRPr/>
           </a:p>
         </p:txBody>
       </p:sp>
@@ -1280,17 +996,7 @@
         <p:txBody>
           <a:bodyPr lIns="0" rIns="0" tIns="0" bIns="0"/>
           <a:p>
-            <a:endParaRPr b="0" lang="pt-BR" sz="3200" spc="-1" strike="noStrike">
-              <a:solidFill>
-                <a:srgbClr val="ffffff"/>
-              </a:solidFill>
-              <a:uFill>
-                <a:solidFill>
-                  <a:srgbClr val="ffffff"/>
-                </a:solidFill>
-              </a:uFill>
-              <a:latin typeface="Arial"/>
-            </a:endParaRPr>
+            <a:endParaRPr/>
           </a:p>
         </p:txBody>
       </p:sp>
@@ -1300,7 +1006,7 @@
 </file>
 
 <file path=ppt/slideLayouts/slideLayout17.xml><?xml version="1.0" encoding="utf-8"?>
-<p:sldLayout xmlns:a="http://schemas.openxmlformats.org/drawingml/2006/main" xmlns:p="http://schemas.openxmlformats.org/presentationml/2006/main" xmlns:r="http://schemas.openxmlformats.org/officeDocument/2006/relationships" xmlns:p14="http://schemas.microsoft.com/office/powerpoint/2010/main" xmlns:p15="http://schemas.microsoft.com/office/powerpoint/2012/main" xmlns:mc="http://schemas.openxmlformats.org/markup-compatibility/2006" type="titleOnly" preserve="1">
+<p:sldLayout xmlns:a="http://schemas.openxmlformats.org/drawingml/2006/main" xmlns:p="http://schemas.openxmlformats.org/presentationml/2006/main" xmlns:r="http://schemas.openxmlformats.org/officeDocument/2006/relationships" type="titleOnly" preserve="1">
   <p:cSld name="Title Only">
     <p:spTree>
       <p:nvGrpSpPr>
@@ -1339,17 +1045,7 @@
           <a:bodyPr lIns="0" rIns="0" tIns="0" bIns="0" anchor="ctr"/>
           <a:p>
             <a:pPr algn="ctr"/>
-            <a:endParaRPr b="0" lang="pt-BR" sz="4400" spc="-1" strike="noStrike">
-              <a:solidFill>
-                <a:srgbClr val="ffffff"/>
-              </a:solidFill>
-              <a:uFill>
-                <a:solidFill>
-                  <a:srgbClr val="ffffff"/>
-                </a:solidFill>
-              </a:uFill>
-              <a:latin typeface="Arial"/>
-            </a:endParaRPr>
+            <a:endParaRPr/>
           </a:p>
         </p:txBody>
       </p:sp>
@@ -1359,7 +1055,7 @@
 </file>
 
 <file path=ppt/slideLayouts/slideLayout18.xml><?xml version="1.0" encoding="utf-8"?>
-<p:sldLayout xmlns:a="http://schemas.openxmlformats.org/drawingml/2006/main" xmlns:p="http://schemas.openxmlformats.org/presentationml/2006/main" xmlns:r="http://schemas.openxmlformats.org/officeDocument/2006/relationships" xmlns:p14="http://schemas.microsoft.com/office/powerpoint/2010/main" xmlns:p15="http://schemas.microsoft.com/office/powerpoint/2012/main" xmlns:mc="http://schemas.openxmlformats.org/markup-compatibility/2006" type="objOnly" preserve="1">
+<p:sldLayout xmlns:a="http://schemas.openxmlformats.org/drawingml/2006/main" xmlns:p="http://schemas.openxmlformats.org/presentationml/2006/main" xmlns:r="http://schemas.openxmlformats.org/officeDocument/2006/relationships" type="objOnly" preserve="1">
   <p:cSld name="Centered Text">
     <p:spTree>
       <p:nvGrpSpPr>
@@ -1398,17 +1094,7 @@
           <a:bodyPr lIns="0" rIns="0" tIns="0" bIns="0" anchor="ctr"/>
           <a:p>
             <a:pPr algn="ctr"/>
-            <a:endParaRPr b="0" lang="pt-BR" sz="3200" spc="-1" strike="noStrike">
-              <a:solidFill>
-                <a:srgbClr val="ffffff"/>
-              </a:solidFill>
-              <a:uFill>
-                <a:solidFill>
-                  <a:srgbClr val="ffffff"/>
-                </a:solidFill>
-              </a:uFill>
-              <a:latin typeface="Arial"/>
-            </a:endParaRPr>
+            <a:endParaRPr/>
           </a:p>
         </p:txBody>
       </p:sp>
@@ -1418,7 +1104,7 @@
 </file>
 
 <file path=ppt/slideLayouts/slideLayout19.xml><?xml version="1.0" encoding="utf-8"?>
-<p:sldLayout xmlns:a="http://schemas.openxmlformats.org/drawingml/2006/main" xmlns:p="http://schemas.openxmlformats.org/presentationml/2006/main" xmlns:r="http://schemas.openxmlformats.org/officeDocument/2006/relationships" xmlns:p14="http://schemas.microsoft.com/office/powerpoint/2010/main" xmlns:p15="http://schemas.microsoft.com/office/powerpoint/2012/main" xmlns:mc="http://schemas.openxmlformats.org/markup-compatibility/2006" type="twoObjAndObj" preserve="1">
+<p:sldLayout xmlns:a="http://schemas.openxmlformats.org/drawingml/2006/main" xmlns:p="http://schemas.openxmlformats.org/presentationml/2006/main" xmlns:r="http://schemas.openxmlformats.org/officeDocument/2006/relationships" type="twoObjAndObj" preserve="1">
   <p:cSld name="Title, 2 Content and Content">
     <p:spTree>
       <p:nvGrpSpPr>
@@ -1457,17 +1143,7 @@
           <a:bodyPr lIns="0" rIns="0" tIns="0" bIns="0" anchor="ctr"/>
           <a:p>
             <a:pPr algn="ctr"/>
-            <a:endParaRPr b="0" lang="pt-BR" sz="4400" spc="-1" strike="noStrike">
-              <a:solidFill>
-                <a:srgbClr val="ffffff"/>
-              </a:solidFill>
-              <a:uFill>
-                <a:solidFill>
-                  <a:srgbClr val="ffffff"/>
-                </a:solidFill>
-              </a:uFill>
-              <a:latin typeface="Arial"/>
-            </a:endParaRPr>
+            <a:endParaRPr/>
           </a:p>
         </p:txBody>
       </p:sp>
@@ -1493,17 +1169,7 @@
         <p:txBody>
           <a:bodyPr lIns="0" rIns="0" tIns="0" bIns="0"/>
           <a:p>
-            <a:endParaRPr b="0" lang="pt-BR" sz="3200" spc="-1" strike="noStrike">
-              <a:solidFill>
-                <a:srgbClr val="ffffff"/>
-              </a:solidFill>
-              <a:uFill>
-                <a:solidFill>
-                  <a:srgbClr val="ffffff"/>
-                </a:solidFill>
-              </a:uFill>
-              <a:latin typeface="Arial"/>
-            </a:endParaRPr>
+            <a:endParaRPr/>
           </a:p>
         </p:txBody>
       </p:sp>
@@ -1529,17 +1195,7 @@
         <p:txBody>
           <a:bodyPr lIns="0" rIns="0" tIns="0" bIns="0"/>
           <a:p>
-            <a:endParaRPr b="0" lang="pt-BR" sz="3200" spc="-1" strike="noStrike">
-              <a:solidFill>
-                <a:srgbClr val="ffffff"/>
-              </a:solidFill>
-              <a:uFill>
-                <a:solidFill>
-                  <a:srgbClr val="ffffff"/>
-                </a:solidFill>
-              </a:uFill>
-              <a:latin typeface="Arial"/>
-            </a:endParaRPr>
+            <a:endParaRPr/>
           </a:p>
         </p:txBody>
       </p:sp>
@@ -1565,17 +1221,7 @@
         <p:txBody>
           <a:bodyPr lIns="0" rIns="0" tIns="0" bIns="0"/>
           <a:p>
-            <a:endParaRPr b="0" lang="pt-BR" sz="3200" spc="-1" strike="noStrike">
-              <a:solidFill>
-                <a:srgbClr val="ffffff"/>
-              </a:solidFill>
-              <a:uFill>
-                <a:solidFill>
-                  <a:srgbClr val="ffffff"/>
-                </a:solidFill>
-              </a:uFill>
-              <a:latin typeface="Arial"/>
-            </a:endParaRPr>
+            <a:endParaRPr/>
           </a:p>
         </p:txBody>
       </p:sp>
@@ -1585,7 +1231,7 @@
 </file>
 
 <file path=ppt/slideLayouts/slideLayout2.xml><?xml version="1.0" encoding="utf-8"?>
-<p:sldLayout xmlns:a="http://schemas.openxmlformats.org/drawingml/2006/main" xmlns:p="http://schemas.openxmlformats.org/presentationml/2006/main" xmlns:r="http://schemas.openxmlformats.org/officeDocument/2006/relationships" xmlns:p14="http://schemas.microsoft.com/office/powerpoint/2010/main" xmlns:p15="http://schemas.microsoft.com/office/powerpoint/2012/main" xmlns:mc="http://schemas.openxmlformats.org/markup-compatibility/2006" type="tx" preserve="1">
+<p:sldLayout xmlns:a="http://schemas.openxmlformats.org/drawingml/2006/main" xmlns:p="http://schemas.openxmlformats.org/presentationml/2006/main" xmlns:r="http://schemas.openxmlformats.org/officeDocument/2006/relationships" type="tx" preserve="1">
   <p:cSld name="Title Slide">
     <p:spTree>
       <p:nvGrpSpPr>
@@ -1624,17 +1270,7 @@
           <a:bodyPr lIns="0" rIns="0" tIns="0" bIns="0" anchor="ctr"/>
           <a:p>
             <a:pPr algn="ctr"/>
-            <a:endParaRPr b="0" lang="pt-BR" sz="4400" spc="-1" strike="noStrike">
-              <a:solidFill>
-                <a:srgbClr val="ffffff"/>
-              </a:solidFill>
-              <a:uFill>
-                <a:solidFill>
-                  <a:srgbClr val="ffffff"/>
-                </a:solidFill>
-              </a:uFill>
-              <a:latin typeface="Arial"/>
-            </a:endParaRPr>
+            <a:endParaRPr/>
           </a:p>
         </p:txBody>
       </p:sp>
@@ -1661,17 +1297,7 @@
           <a:bodyPr lIns="0" rIns="0" tIns="0" bIns="0" anchor="ctr"/>
           <a:p>
             <a:pPr algn="ctr"/>
-            <a:endParaRPr b="0" lang="pt-BR" sz="3200" spc="-1" strike="noStrike">
-              <a:solidFill>
-                <a:srgbClr val="ffffff"/>
-              </a:solidFill>
-              <a:uFill>
-                <a:solidFill>
-                  <a:srgbClr val="ffffff"/>
-                </a:solidFill>
-              </a:uFill>
-              <a:latin typeface="Arial"/>
-            </a:endParaRPr>
+            <a:endParaRPr/>
           </a:p>
         </p:txBody>
       </p:sp>
@@ -1681,7 +1307,7 @@
 </file>
 
 <file path=ppt/slideLayouts/slideLayout20.xml><?xml version="1.0" encoding="utf-8"?>
-<p:sldLayout xmlns:a="http://schemas.openxmlformats.org/drawingml/2006/main" xmlns:p="http://schemas.openxmlformats.org/presentationml/2006/main" xmlns:r="http://schemas.openxmlformats.org/officeDocument/2006/relationships" xmlns:p14="http://schemas.microsoft.com/office/powerpoint/2010/main" xmlns:p15="http://schemas.microsoft.com/office/powerpoint/2012/main" xmlns:mc="http://schemas.openxmlformats.org/markup-compatibility/2006" type="objAndTwoObj" preserve="1">
+<p:sldLayout xmlns:a="http://schemas.openxmlformats.org/drawingml/2006/main" xmlns:p="http://schemas.openxmlformats.org/presentationml/2006/main" xmlns:r="http://schemas.openxmlformats.org/officeDocument/2006/relationships" type="objAndTwoObj" preserve="1">
   <p:cSld name="Title Content and 2 Content">
     <p:spTree>
       <p:nvGrpSpPr>
@@ -1720,17 +1346,7 @@
           <a:bodyPr lIns="0" rIns="0" tIns="0" bIns="0" anchor="ctr"/>
           <a:p>
             <a:pPr algn="ctr"/>
-            <a:endParaRPr b="0" lang="pt-BR" sz="4400" spc="-1" strike="noStrike">
-              <a:solidFill>
-                <a:srgbClr val="ffffff"/>
-              </a:solidFill>
-              <a:uFill>
-                <a:solidFill>
-                  <a:srgbClr val="ffffff"/>
-                </a:solidFill>
-              </a:uFill>
-              <a:latin typeface="Arial"/>
-            </a:endParaRPr>
+            <a:endParaRPr/>
           </a:p>
         </p:txBody>
       </p:sp>
@@ -1756,17 +1372,7 @@
         <p:txBody>
           <a:bodyPr lIns="0" rIns="0" tIns="0" bIns="0"/>
           <a:p>
-            <a:endParaRPr b="0" lang="pt-BR" sz="3200" spc="-1" strike="noStrike">
-              <a:solidFill>
-                <a:srgbClr val="ffffff"/>
-              </a:solidFill>
-              <a:uFill>
-                <a:solidFill>
-                  <a:srgbClr val="ffffff"/>
-                </a:solidFill>
-              </a:uFill>
-              <a:latin typeface="Arial"/>
-            </a:endParaRPr>
+            <a:endParaRPr/>
           </a:p>
         </p:txBody>
       </p:sp>
@@ -1792,17 +1398,7 @@
         <p:txBody>
           <a:bodyPr lIns="0" rIns="0" tIns="0" bIns="0"/>
           <a:p>
-            <a:endParaRPr b="0" lang="pt-BR" sz="3200" spc="-1" strike="noStrike">
-              <a:solidFill>
-                <a:srgbClr val="ffffff"/>
-              </a:solidFill>
-              <a:uFill>
-                <a:solidFill>
-                  <a:srgbClr val="ffffff"/>
-                </a:solidFill>
-              </a:uFill>
-              <a:latin typeface="Arial"/>
-            </a:endParaRPr>
+            <a:endParaRPr/>
           </a:p>
         </p:txBody>
       </p:sp>
@@ -1828,17 +1424,7 @@
         <p:txBody>
           <a:bodyPr lIns="0" rIns="0" tIns="0" bIns="0"/>
           <a:p>
-            <a:endParaRPr b="0" lang="pt-BR" sz="3200" spc="-1" strike="noStrike">
-              <a:solidFill>
-                <a:srgbClr val="ffffff"/>
-              </a:solidFill>
-              <a:uFill>
-                <a:solidFill>
-                  <a:srgbClr val="ffffff"/>
-                </a:solidFill>
-              </a:uFill>
-              <a:latin typeface="Arial"/>
-            </a:endParaRPr>
+            <a:endParaRPr/>
           </a:p>
         </p:txBody>
       </p:sp>
@@ -1848,7 +1434,7 @@
 </file>
 
 <file path=ppt/slideLayouts/slideLayout21.xml><?xml version="1.0" encoding="utf-8"?>
-<p:sldLayout xmlns:a="http://schemas.openxmlformats.org/drawingml/2006/main" xmlns:p="http://schemas.openxmlformats.org/presentationml/2006/main" xmlns:r="http://schemas.openxmlformats.org/officeDocument/2006/relationships" xmlns:p14="http://schemas.microsoft.com/office/powerpoint/2010/main" xmlns:p15="http://schemas.microsoft.com/office/powerpoint/2012/main" xmlns:mc="http://schemas.openxmlformats.org/markup-compatibility/2006" type="twoObjOverTx" preserve="1">
+<p:sldLayout xmlns:a="http://schemas.openxmlformats.org/drawingml/2006/main" xmlns:p="http://schemas.openxmlformats.org/presentationml/2006/main" xmlns:r="http://schemas.openxmlformats.org/officeDocument/2006/relationships" type="twoObjOverTx" preserve="1">
   <p:cSld name="Title, 2 Content over Content">
     <p:spTree>
       <p:nvGrpSpPr>
@@ -1887,17 +1473,7 @@
           <a:bodyPr lIns="0" rIns="0" tIns="0" bIns="0" anchor="ctr"/>
           <a:p>
             <a:pPr algn="ctr"/>
-            <a:endParaRPr b="0" lang="pt-BR" sz="4400" spc="-1" strike="noStrike">
-              <a:solidFill>
-                <a:srgbClr val="ffffff"/>
-              </a:solidFill>
-              <a:uFill>
-                <a:solidFill>
-                  <a:srgbClr val="ffffff"/>
-                </a:solidFill>
-              </a:uFill>
-              <a:latin typeface="Arial"/>
-            </a:endParaRPr>
+            <a:endParaRPr/>
           </a:p>
         </p:txBody>
       </p:sp>
@@ -1923,17 +1499,7 @@
         <p:txBody>
           <a:bodyPr lIns="0" rIns="0" tIns="0" bIns="0"/>
           <a:p>
-            <a:endParaRPr b="0" lang="pt-BR" sz="3200" spc="-1" strike="noStrike">
-              <a:solidFill>
-                <a:srgbClr val="ffffff"/>
-              </a:solidFill>
-              <a:uFill>
-                <a:solidFill>
-                  <a:srgbClr val="ffffff"/>
-                </a:solidFill>
-              </a:uFill>
-              <a:latin typeface="Arial"/>
-            </a:endParaRPr>
+            <a:endParaRPr/>
           </a:p>
         </p:txBody>
       </p:sp>
@@ -1959,17 +1525,7 @@
         <p:txBody>
           <a:bodyPr lIns="0" rIns="0" tIns="0" bIns="0"/>
           <a:p>
-            <a:endParaRPr b="0" lang="pt-BR" sz="3200" spc="-1" strike="noStrike">
-              <a:solidFill>
-                <a:srgbClr val="ffffff"/>
-              </a:solidFill>
-              <a:uFill>
-                <a:solidFill>
-                  <a:srgbClr val="ffffff"/>
-                </a:solidFill>
-              </a:uFill>
-              <a:latin typeface="Arial"/>
-            </a:endParaRPr>
+            <a:endParaRPr/>
           </a:p>
         </p:txBody>
       </p:sp>
@@ -1995,17 +1551,7 @@
         <p:txBody>
           <a:bodyPr lIns="0" rIns="0" tIns="0" bIns="0"/>
           <a:p>
-            <a:endParaRPr b="0" lang="pt-BR" sz="3200" spc="-1" strike="noStrike">
-              <a:solidFill>
-                <a:srgbClr val="ffffff"/>
-              </a:solidFill>
-              <a:uFill>
-                <a:solidFill>
-                  <a:srgbClr val="ffffff"/>
-                </a:solidFill>
-              </a:uFill>
-              <a:latin typeface="Arial"/>
-            </a:endParaRPr>
+            <a:endParaRPr/>
           </a:p>
         </p:txBody>
       </p:sp>
@@ -2015,7 +1561,7 @@
 </file>
 
 <file path=ppt/slideLayouts/slideLayout22.xml><?xml version="1.0" encoding="utf-8"?>
-<p:sldLayout xmlns:a="http://schemas.openxmlformats.org/drawingml/2006/main" xmlns:p="http://schemas.openxmlformats.org/presentationml/2006/main" xmlns:r="http://schemas.openxmlformats.org/officeDocument/2006/relationships" xmlns:p14="http://schemas.microsoft.com/office/powerpoint/2010/main" xmlns:p15="http://schemas.microsoft.com/office/powerpoint/2012/main" xmlns:mc="http://schemas.openxmlformats.org/markup-compatibility/2006" type="objOverTx" preserve="1">
+<p:sldLayout xmlns:a="http://schemas.openxmlformats.org/drawingml/2006/main" xmlns:p="http://schemas.openxmlformats.org/presentationml/2006/main" xmlns:r="http://schemas.openxmlformats.org/officeDocument/2006/relationships" type="objOverTx" preserve="1">
   <p:cSld name="Title, Content over Content">
     <p:spTree>
       <p:nvGrpSpPr>
@@ -2054,17 +1600,7 @@
           <a:bodyPr lIns="0" rIns="0" tIns="0" bIns="0" anchor="ctr"/>
           <a:p>
             <a:pPr algn="ctr"/>
-            <a:endParaRPr b="0" lang="pt-BR" sz="4400" spc="-1" strike="noStrike">
-              <a:solidFill>
-                <a:srgbClr val="ffffff"/>
-              </a:solidFill>
-              <a:uFill>
-                <a:solidFill>
-                  <a:srgbClr val="ffffff"/>
-                </a:solidFill>
-              </a:uFill>
-              <a:latin typeface="Arial"/>
-            </a:endParaRPr>
+            <a:endParaRPr/>
           </a:p>
         </p:txBody>
       </p:sp>
@@ -2090,17 +1626,7 @@
         <p:txBody>
           <a:bodyPr lIns="0" rIns="0" tIns="0" bIns="0"/>
           <a:p>
-            <a:endParaRPr b="0" lang="pt-BR" sz="3200" spc="-1" strike="noStrike">
-              <a:solidFill>
-                <a:srgbClr val="ffffff"/>
-              </a:solidFill>
-              <a:uFill>
-                <a:solidFill>
-                  <a:srgbClr val="ffffff"/>
-                </a:solidFill>
-              </a:uFill>
-              <a:latin typeface="Arial"/>
-            </a:endParaRPr>
+            <a:endParaRPr/>
           </a:p>
         </p:txBody>
       </p:sp>
@@ -2126,17 +1652,7 @@
         <p:txBody>
           <a:bodyPr lIns="0" rIns="0" tIns="0" bIns="0"/>
           <a:p>
-            <a:endParaRPr b="0" lang="pt-BR" sz="3200" spc="-1" strike="noStrike">
-              <a:solidFill>
-                <a:srgbClr val="ffffff"/>
-              </a:solidFill>
-              <a:uFill>
-                <a:solidFill>
-                  <a:srgbClr val="ffffff"/>
-                </a:solidFill>
-              </a:uFill>
-              <a:latin typeface="Arial"/>
-            </a:endParaRPr>
+            <a:endParaRPr/>
           </a:p>
         </p:txBody>
       </p:sp>
@@ -2146,7 +1662,7 @@
 </file>
 
 <file path=ppt/slideLayouts/slideLayout23.xml><?xml version="1.0" encoding="utf-8"?>
-<p:sldLayout xmlns:a="http://schemas.openxmlformats.org/drawingml/2006/main" xmlns:p="http://schemas.openxmlformats.org/presentationml/2006/main" xmlns:r="http://schemas.openxmlformats.org/officeDocument/2006/relationships" xmlns:p14="http://schemas.microsoft.com/office/powerpoint/2010/main" xmlns:p15="http://schemas.microsoft.com/office/powerpoint/2012/main" xmlns:mc="http://schemas.openxmlformats.org/markup-compatibility/2006" type="fourObj" preserve="1">
+<p:sldLayout xmlns:a="http://schemas.openxmlformats.org/drawingml/2006/main" xmlns:p="http://schemas.openxmlformats.org/presentationml/2006/main" xmlns:r="http://schemas.openxmlformats.org/officeDocument/2006/relationships" type="fourObj" preserve="1">
   <p:cSld name="Title, 4 Content">
     <p:spTree>
       <p:nvGrpSpPr>
@@ -2185,17 +1701,7 @@
           <a:bodyPr lIns="0" rIns="0" tIns="0" bIns="0" anchor="ctr"/>
           <a:p>
             <a:pPr algn="ctr"/>
-            <a:endParaRPr b="0" lang="pt-BR" sz="4400" spc="-1" strike="noStrike">
-              <a:solidFill>
-                <a:srgbClr val="ffffff"/>
-              </a:solidFill>
-              <a:uFill>
-                <a:solidFill>
-                  <a:srgbClr val="ffffff"/>
-                </a:solidFill>
-              </a:uFill>
-              <a:latin typeface="Arial"/>
-            </a:endParaRPr>
+            <a:endParaRPr/>
           </a:p>
         </p:txBody>
       </p:sp>
@@ -2221,17 +1727,7 @@
         <p:txBody>
           <a:bodyPr lIns="0" rIns="0" tIns="0" bIns="0"/>
           <a:p>
-            <a:endParaRPr b="0" lang="pt-BR" sz="3200" spc="-1" strike="noStrike">
-              <a:solidFill>
-                <a:srgbClr val="ffffff"/>
-              </a:solidFill>
-              <a:uFill>
-                <a:solidFill>
-                  <a:srgbClr val="ffffff"/>
-                </a:solidFill>
-              </a:uFill>
-              <a:latin typeface="Arial"/>
-            </a:endParaRPr>
+            <a:endParaRPr/>
           </a:p>
         </p:txBody>
       </p:sp>
@@ -2257,17 +1753,7 @@
         <p:txBody>
           <a:bodyPr lIns="0" rIns="0" tIns="0" bIns="0"/>
           <a:p>
-            <a:endParaRPr b="0" lang="pt-BR" sz="3200" spc="-1" strike="noStrike">
-              <a:solidFill>
-                <a:srgbClr val="ffffff"/>
-              </a:solidFill>
-              <a:uFill>
-                <a:solidFill>
-                  <a:srgbClr val="ffffff"/>
-                </a:solidFill>
-              </a:uFill>
-              <a:latin typeface="Arial"/>
-            </a:endParaRPr>
+            <a:endParaRPr/>
           </a:p>
         </p:txBody>
       </p:sp>
@@ -2293,17 +1779,7 @@
         <p:txBody>
           <a:bodyPr lIns="0" rIns="0" tIns="0" bIns="0"/>
           <a:p>
-            <a:endParaRPr b="0" lang="pt-BR" sz="3200" spc="-1" strike="noStrike">
-              <a:solidFill>
-                <a:srgbClr val="ffffff"/>
-              </a:solidFill>
-              <a:uFill>
-                <a:solidFill>
-                  <a:srgbClr val="ffffff"/>
-                </a:solidFill>
-              </a:uFill>
-              <a:latin typeface="Arial"/>
-            </a:endParaRPr>
+            <a:endParaRPr/>
           </a:p>
         </p:txBody>
       </p:sp>
@@ -2329,17 +1805,7 @@
         <p:txBody>
           <a:bodyPr lIns="0" rIns="0" tIns="0" bIns="0"/>
           <a:p>
-            <a:endParaRPr b="0" lang="pt-BR" sz="3200" spc="-1" strike="noStrike">
-              <a:solidFill>
-                <a:srgbClr val="ffffff"/>
-              </a:solidFill>
-              <a:uFill>
-                <a:solidFill>
-                  <a:srgbClr val="ffffff"/>
-                </a:solidFill>
-              </a:uFill>
-              <a:latin typeface="Arial"/>
-            </a:endParaRPr>
+            <a:endParaRPr/>
           </a:p>
         </p:txBody>
       </p:sp>
@@ -2349,7 +1815,7 @@
 </file>
 
 <file path=ppt/slideLayouts/slideLayout24.xml><?xml version="1.0" encoding="utf-8"?>
-<p:sldLayout xmlns:a="http://schemas.openxmlformats.org/drawingml/2006/main" xmlns:p="http://schemas.openxmlformats.org/presentationml/2006/main" xmlns:r="http://schemas.openxmlformats.org/officeDocument/2006/relationships" xmlns:p14="http://schemas.microsoft.com/office/powerpoint/2010/main" xmlns:p15="http://schemas.microsoft.com/office/powerpoint/2012/main" xmlns:mc="http://schemas.openxmlformats.org/markup-compatibility/2006" type="blank" preserve="1">
+<p:sldLayout xmlns:a="http://schemas.openxmlformats.org/drawingml/2006/main" xmlns:p="http://schemas.openxmlformats.org/presentationml/2006/main" xmlns:r="http://schemas.openxmlformats.org/officeDocument/2006/relationships" type="blank" preserve="1">
   <p:cSld name="Title, 6 Content">
     <p:spTree>
       <p:nvGrpSpPr>
@@ -2388,17 +1854,7 @@
           <a:bodyPr lIns="0" rIns="0" tIns="0" bIns="0" anchor="ctr"/>
           <a:p>
             <a:pPr algn="ctr"/>
-            <a:endParaRPr b="0" lang="pt-BR" sz="4400" spc="-1" strike="noStrike">
-              <a:solidFill>
-                <a:srgbClr val="ffffff"/>
-              </a:solidFill>
-              <a:uFill>
-                <a:solidFill>
-                  <a:srgbClr val="ffffff"/>
-                </a:solidFill>
-              </a:uFill>
-              <a:latin typeface="Arial"/>
-            </a:endParaRPr>
+            <a:endParaRPr/>
           </a:p>
         </p:txBody>
       </p:sp>
@@ -2424,17 +1880,7 @@
         <p:txBody>
           <a:bodyPr lIns="0" rIns="0" tIns="0" bIns="0"/>
           <a:p>
-            <a:endParaRPr b="0" lang="pt-BR" sz="3200" spc="-1" strike="noStrike">
-              <a:solidFill>
-                <a:srgbClr val="ffffff"/>
-              </a:solidFill>
-              <a:uFill>
-                <a:solidFill>
-                  <a:srgbClr val="ffffff"/>
-                </a:solidFill>
-              </a:uFill>
-              <a:latin typeface="Arial"/>
-            </a:endParaRPr>
+            <a:endParaRPr/>
           </a:p>
         </p:txBody>
       </p:sp>
@@ -2460,17 +1906,7 @@
         <p:txBody>
           <a:bodyPr lIns="0" rIns="0" tIns="0" bIns="0"/>
           <a:p>
-            <a:endParaRPr b="0" lang="pt-BR" sz="3200" spc="-1" strike="noStrike">
-              <a:solidFill>
-                <a:srgbClr val="ffffff"/>
-              </a:solidFill>
-              <a:uFill>
-                <a:solidFill>
-                  <a:srgbClr val="ffffff"/>
-                </a:solidFill>
-              </a:uFill>
-              <a:latin typeface="Arial"/>
-            </a:endParaRPr>
+            <a:endParaRPr/>
           </a:p>
         </p:txBody>
       </p:sp>
@@ -2526,7 +1962,7 @@
 </file>
 
 <file path=ppt/slideLayouts/slideLayout3.xml><?xml version="1.0" encoding="utf-8"?>
-<p:sldLayout xmlns:a="http://schemas.openxmlformats.org/drawingml/2006/main" xmlns:p="http://schemas.openxmlformats.org/presentationml/2006/main" xmlns:r="http://schemas.openxmlformats.org/officeDocument/2006/relationships" xmlns:p14="http://schemas.microsoft.com/office/powerpoint/2010/main" xmlns:p15="http://schemas.microsoft.com/office/powerpoint/2012/main" xmlns:mc="http://schemas.openxmlformats.org/markup-compatibility/2006" type="obj" preserve="1">
+<p:sldLayout xmlns:a="http://schemas.openxmlformats.org/drawingml/2006/main" xmlns:p="http://schemas.openxmlformats.org/presentationml/2006/main" xmlns:r="http://schemas.openxmlformats.org/officeDocument/2006/relationships" type="obj" preserve="1">
   <p:cSld name="Title, Content">
     <p:spTree>
       <p:nvGrpSpPr>
@@ -2565,17 +2001,7 @@
           <a:bodyPr lIns="0" rIns="0" tIns="0" bIns="0" anchor="ctr"/>
           <a:p>
             <a:pPr algn="ctr"/>
-            <a:endParaRPr b="0" lang="pt-BR" sz="4400" spc="-1" strike="noStrike">
-              <a:solidFill>
-                <a:srgbClr val="ffffff"/>
-              </a:solidFill>
-              <a:uFill>
-                <a:solidFill>
-                  <a:srgbClr val="ffffff"/>
-                </a:solidFill>
-              </a:uFill>
-              <a:latin typeface="Arial"/>
-            </a:endParaRPr>
+            <a:endParaRPr/>
           </a:p>
         </p:txBody>
       </p:sp>
@@ -2601,17 +2027,7 @@
         <p:txBody>
           <a:bodyPr lIns="0" rIns="0" tIns="0" bIns="0"/>
           <a:p>
-            <a:endParaRPr b="0" lang="pt-BR" sz="3200" spc="-1" strike="noStrike">
-              <a:solidFill>
-                <a:srgbClr val="ffffff"/>
-              </a:solidFill>
-              <a:uFill>
-                <a:solidFill>
-                  <a:srgbClr val="ffffff"/>
-                </a:solidFill>
-              </a:uFill>
-              <a:latin typeface="Arial"/>
-            </a:endParaRPr>
+            <a:endParaRPr/>
           </a:p>
         </p:txBody>
       </p:sp>
@@ -2621,7 +2037,7 @@
 </file>
 
 <file path=ppt/slideLayouts/slideLayout4.xml><?xml version="1.0" encoding="utf-8"?>
-<p:sldLayout xmlns:a="http://schemas.openxmlformats.org/drawingml/2006/main" xmlns:p="http://schemas.openxmlformats.org/presentationml/2006/main" xmlns:r="http://schemas.openxmlformats.org/officeDocument/2006/relationships" xmlns:p14="http://schemas.microsoft.com/office/powerpoint/2010/main" xmlns:p15="http://schemas.microsoft.com/office/powerpoint/2012/main" xmlns:mc="http://schemas.openxmlformats.org/markup-compatibility/2006" type="twoObj" preserve="1">
+<p:sldLayout xmlns:a="http://schemas.openxmlformats.org/drawingml/2006/main" xmlns:p="http://schemas.openxmlformats.org/presentationml/2006/main" xmlns:r="http://schemas.openxmlformats.org/officeDocument/2006/relationships" type="twoObj" preserve="1">
   <p:cSld name="Title, 2 Content">
     <p:spTree>
       <p:nvGrpSpPr>
@@ -2660,17 +2076,7 @@
           <a:bodyPr lIns="0" rIns="0" tIns="0" bIns="0" anchor="ctr"/>
           <a:p>
             <a:pPr algn="ctr"/>
-            <a:endParaRPr b="0" lang="pt-BR" sz="4400" spc="-1" strike="noStrike">
-              <a:solidFill>
-                <a:srgbClr val="ffffff"/>
-              </a:solidFill>
-              <a:uFill>
-                <a:solidFill>
-                  <a:srgbClr val="ffffff"/>
-                </a:solidFill>
-              </a:uFill>
-              <a:latin typeface="Arial"/>
-            </a:endParaRPr>
+            <a:endParaRPr/>
           </a:p>
         </p:txBody>
       </p:sp>
@@ -2696,17 +2102,7 @@
         <p:txBody>
           <a:bodyPr lIns="0" rIns="0" tIns="0" bIns="0"/>
           <a:p>
-            <a:endParaRPr b="0" lang="pt-BR" sz="3200" spc="-1" strike="noStrike">
-              <a:solidFill>
-                <a:srgbClr val="ffffff"/>
-              </a:solidFill>
-              <a:uFill>
-                <a:solidFill>
-                  <a:srgbClr val="ffffff"/>
-                </a:solidFill>
-              </a:uFill>
-              <a:latin typeface="Arial"/>
-            </a:endParaRPr>
+            <a:endParaRPr/>
           </a:p>
         </p:txBody>
       </p:sp>
@@ -2732,17 +2128,7 @@
         <p:txBody>
           <a:bodyPr lIns="0" rIns="0" tIns="0" bIns="0"/>
           <a:p>
-            <a:endParaRPr b="0" lang="pt-BR" sz="3200" spc="-1" strike="noStrike">
-              <a:solidFill>
-                <a:srgbClr val="ffffff"/>
-              </a:solidFill>
-              <a:uFill>
-                <a:solidFill>
-                  <a:srgbClr val="ffffff"/>
-                </a:solidFill>
-              </a:uFill>
-              <a:latin typeface="Arial"/>
-            </a:endParaRPr>
+            <a:endParaRPr/>
           </a:p>
         </p:txBody>
       </p:sp>
@@ -2752,7 +2138,7 @@
 </file>
 
 <file path=ppt/slideLayouts/slideLayout5.xml><?xml version="1.0" encoding="utf-8"?>
-<p:sldLayout xmlns:a="http://schemas.openxmlformats.org/drawingml/2006/main" xmlns:p="http://schemas.openxmlformats.org/presentationml/2006/main" xmlns:r="http://schemas.openxmlformats.org/officeDocument/2006/relationships" xmlns:p14="http://schemas.microsoft.com/office/powerpoint/2010/main" xmlns:p15="http://schemas.microsoft.com/office/powerpoint/2012/main" xmlns:mc="http://schemas.openxmlformats.org/markup-compatibility/2006" type="titleOnly" preserve="1">
+<p:sldLayout xmlns:a="http://schemas.openxmlformats.org/drawingml/2006/main" xmlns:p="http://schemas.openxmlformats.org/presentationml/2006/main" xmlns:r="http://schemas.openxmlformats.org/officeDocument/2006/relationships" type="titleOnly" preserve="1">
   <p:cSld name="Title Only">
     <p:spTree>
       <p:nvGrpSpPr>
@@ -2791,17 +2177,7 @@
           <a:bodyPr lIns="0" rIns="0" tIns="0" bIns="0" anchor="ctr"/>
           <a:p>
             <a:pPr algn="ctr"/>
-            <a:endParaRPr b="0" lang="pt-BR" sz="4400" spc="-1" strike="noStrike">
-              <a:solidFill>
-                <a:srgbClr val="ffffff"/>
-              </a:solidFill>
-              <a:uFill>
-                <a:solidFill>
-                  <a:srgbClr val="ffffff"/>
-                </a:solidFill>
-              </a:uFill>
-              <a:latin typeface="Arial"/>
-            </a:endParaRPr>
+            <a:endParaRPr/>
           </a:p>
         </p:txBody>
       </p:sp>
@@ -2811,7 +2187,7 @@
 </file>
 
 <file path=ppt/slideLayouts/slideLayout6.xml><?xml version="1.0" encoding="utf-8"?>
-<p:sldLayout xmlns:a="http://schemas.openxmlformats.org/drawingml/2006/main" xmlns:p="http://schemas.openxmlformats.org/presentationml/2006/main" xmlns:r="http://schemas.openxmlformats.org/officeDocument/2006/relationships" xmlns:p14="http://schemas.microsoft.com/office/powerpoint/2010/main" xmlns:p15="http://schemas.microsoft.com/office/powerpoint/2012/main" xmlns:mc="http://schemas.openxmlformats.org/markup-compatibility/2006" type="objOnly" preserve="1">
+<p:sldLayout xmlns:a="http://schemas.openxmlformats.org/drawingml/2006/main" xmlns:p="http://schemas.openxmlformats.org/presentationml/2006/main" xmlns:r="http://schemas.openxmlformats.org/officeDocument/2006/relationships" type="objOnly" preserve="1">
   <p:cSld name="Centered Text">
     <p:spTree>
       <p:nvGrpSpPr>
@@ -2850,17 +2226,7 @@
           <a:bodyPr lIns="0" rIns="0" tIns="0" bIns="0" anchor="ctr"/>
           <a:p>
             <a:pPr algn="ctr"/>
-            <a:endParaRPr b="0" lang="pt-BR" sz="3200" spc="-1" strike="noStrike">
-              <a:solidFill>
-                <a:srgbClr val="ffffff"/>
-              </a:solidFill>
-              <a:uFill>
-                <a:solidFill>
-                  <a:srgbClr val="ffffff"/>
-                </a:solidFill>
-              </a:uFill>
-              <a:latin typeface="Arial"/>
-            </a:endParaRPr>
+            <a:endParaRPr/>
           </a:p>
         </p:txBody>
       </p:sp>
@@ -2870,7 +2236,7 @@
 </file>
 
 <file path=ppt/slideLayouts/slideLayout7.xml><?xml version="1.0" encoding="utf-8"?>
-<p:sldLayout xmlns:a="http://schemas.openxmlformats.org/drawingml/2006/main" xmlns:p="http://schemas.openxmlformats.org/presentationml/2006/main" xmlns:r="http://schemas.openxmlformats.org/officeDocument/2006/relationships" xmlns:p14="http://schemas.microsoft.com/office/powerpoint/2010/main" xmlns:p15="http://schemas.microsoft.com/office/powerpoint/2012/main" xmlns:mc="http://schemas.openxmlformats.org/markup-compatibility/2006" type="twoObjAndObj" preserve="1">
+<p:sldLayout xmlns:a="http://schemas.openxmlformats.org/drawingml/2006/main" xmlns:p="http://schemas.openxmlformats.org/presentationml/2006/main" xmlns:r="http://schemas.openxmlformats.org/officeDocument/2006/relationships" type="twoObjAndObj" preserve="1">
   <p:cSld name="Title, 2 Content and Content">
     <p:spTree>
       <p:nvGrpSpPr>
@@ -2909,17 +2275,7 @@
           <a:bodyPr lIns="0" rIns="0" tIns="0" bIns="0" anchor="ctr"/>
           <a:p>
             <a:pPr algn="ctr"/>
-            <a:endParaRPr b="0" lang="pt-BR" sz="4400" spc="-1" strike="noStrike">
-              <a:solidFill>
-                <a:srgbClr val="ffffff"/>
-              </a:solidFill>
-              <a:uFill>
-                <a:solidFill>
-                  <a:srgbClr val="ffffff"/>
-                </a:solidFill>
-              </a:uFill>
-              <a:latin typeface="Arial"/>
-            </a:endParaRPr>
+            <a:endParaRPr/>
           </a:p>
         </p:txBody>
       </p:sp>
@@ -2945,17 +2301,7 @@
         <p:txBody>
           <a:bodyPr lIns="0" rIns="0" tIns="0" bIns="0"/>
           <a:p>
-            <a:endParaRPr b="0" lang="pt-BR" sz="3200" spc="-1" strike="noStrike">
-              <a:solidFill>
-                <a:srgbClr val="ffffff"/>
-              </a:solidFill>
-              <a:uFill>
-                <a:solidFill>
-                  <a:srgbClr val="ffffff"/>
-                </a:solidFill>
-              </a:uFill>
-              <a:latin typeface="Arial"/>
-            </a:endParaRPr>
+            <a:endParaRPr/>
           </a:p>
         </p:txBody>
       </p:sp>
@@ -2981,17 +2327,7 @@
         <p:txBody>
           <a:bodyPr lIns="0" rIns="0" tIns="0" bIns="0"/>
           <a:p>
-            <a:endParaRPr b="0" lang="pt-BR" sz="3200" spc="-1" strike="noStrike">
-              <a:solidFill>
-                <a:srgbClr val="ffffff"/>
-              </a:solidFill>
-              <a:uFill>
-                <a:solidFill>
-                  <a:srgbClr val="ffffff"/>
-                </a:solidFill>
-              </a:uFill>
-              <a:latin typeface="Arial"/>
-            </a:endParaRPr>
+            <a:endParaRPr/>
           </a:p>
         </p:txBody>
       </p:sp>
@@ -3017,17 +2353,7 @@
         <p:txBody>
           <a:bodyPr lIns="0" rIns="0" tIns="0" bIns="0"/>
           <a:p>
-            <a:endParaRPr b="0" lang="pt-BR" sz="3200" spc="-1" strike="noStrike">
-              <a:solidFill>
-                <a:srgbClr val="ffffff"/>
-              </a:solidFill>
-              <a:uFill>
-                <a:solidFill>
-                  <a:srgbClr val="ffffff"/>
-                </a:solidFill>
-              </a:uFill>
-              <a:latin typeface="Arial"/>
-            </a:endParaRPr>
+            <a:endParaRPr/>
           </a:p>
         </p:txBody>
       </p:sp>
@@ -3037,7 +2363,7 @@
 </file>
 
 <file path=ppt/slideLayouts/slideLayout8.xml><?xml version="1.0" encoding="utf-8"?>
-<p:sldLayout xmlns:a="http://schemas.openxmlformats.org/drawingml/2006/main" xmlns:p="http://schemas.openxmlformats.org/presentationml/2006/main" xmlns:r="http://schemas.openxmlformats.org/officeDocument/2006/relationships" xmlns:p14="http://schemas.microsoft.com/office/powerpoint/2010/main" xmlns:p15="http://schemas.microsoft.com/office/powerpoint/2012/main" xmlns:mc="http://schemas.openxmlformats.org/markup-compatibility/2006" type="objAndTwoObj" preserve="1">
+<p:sldLayout xmlns:a="http://schemas.openxmlformats.org/drawingml/2006/main" xmlns:p="http://schemas.openxmlformats.org/presentationml/2006/main" xmlns:r="http://schemas.openxmlformats.org/officeDocument/2006/relationships" type="objAndTwoObj" preserve="1">
   <p:cSld name="Title Content and 2 Content">
     <p:spTree>
       <p:nvGrpSpPr>
@@ -3076,17 +2402,7 @@
           <a:bodyPr lIns="0" rIns="0" tIns="0" bIns="0" anchor="ctr"/>
           <a:p>
             <a:pPr algn="ctr"/>
-            <a:endParaRPr b="0" lang="pt-BR" sz="4400" spc="-1" strike="noStrike">
-              <a:solidFill>
-                <a:srgbClr val="ffffff"/>
-              </a:solidFill>
-              <a:uFill>
-                <a:solidFill>
-                  <a:srgbClr val="ffffff"/>
-                </a:solidFill>
-              </a:uFill>
-              <a:latin typeface="Arial"/>
-            </a:endParaRPr>
+            <a:endParaRPr/>
           </a:p>
         </p:txBody>
       </p:sp>
@@ -3112,17 +2428,7 @@
         <p:txBody>
           <a:bodyPr lIns="0" rIns="0" tIns="0" bIns="0"/>
           <a:p>
-            <a:endParaRPr b="0" lang="pt-BR" sz="3200" spc="-1" strike="noStrike">
-              <a:solidFill>
-                <a:srgbClr val="ffffff"/>
-              </a:solidFill>
-              <a:uFill>
-                <a:solidFill>
-                  <a:srgbClr val="ffffff"/>
-                </a:solidFill>
-              </a:uFill>
-              <a:latin typeface="Arial"/>
-            </a:endParaRPr>
+            <a:endParaRPr/>
           </a:p>
         </p:txBody>
       </p:sp>
@@ -3148,17 +2454,7 @@
         <p:txBody>
           <a:bodyPr lIns="0" rIns="0" tIns="0" bIns="0"/>
           <a:p>
-            <a:endParaRPr b="0" lang="pt-BR" sz="3200" spc="-1" strike="noStrike">
-              <a:solidFill>
-                <a:srgbClr val="ffffff"/>
-              </a:solidFill>
-              <a:uFill>
-                <a:solidFill>
-                  <a:srgbClr val="ffffff"/>
-                </a:solidFill>
-              </a:uFill>
-              <a:latin typeface="Arial"/>
-            </a:endParaRPr>
+            <a:endParaRPr/>
           </a:p>
         </p:txBody>
       </p:sp>
@@ -3184,17 +2480,7 @@
         <p:txBody>
           <a:bodyPr lIns="0" rIns="0" tIns="0" bIns="0"/>
           <a:p>
-            <a:endParaRPr b="0" lang="pt-BR" sz="3200" spc="-1" strike="noStrike">
-              <a:solidFill>
-                <a:srgbClr val="ffffff"/>
-              </a:solidFill>
-              <a:uFill>
-                <a:solidFill>
-                  <a:srgbClr val="ffffff"/>
-                </a:solidFill>
-              </a:uFill>
-              <a:latin typeface="Arial"/>
-            </a:endParaRPr>
+            <a:endParaRPr/>
           </a:p>
         </p:txBody>
       </p:sp>
@@ -3204,7 +2490,7 @@
 </file>
 
 <file path=ppt/slideLayouts/slideLayout9.xml><?xml version="1.0" encoding="utf-8"?>
-<p:sldLayout xmlns:a="http://schemas.openxmlformats.org/drawingml/2006/main" xmlns:p="http://schemas.openxmlformats.org/presentationml/2006/main" xmlns:r="http://schemas.openxmlformats.org/officeDocument/2006/relationships" xmlns:p14="http://schemas.microsoft.com/office/powerpoint/2010/main" xmlns:p15="http://schemas.microsoft.com/office/powerpoint/2012/main" xmlns:mc="http://schemas.openxmlformats.org/markup-compatibility/2006" type="twoObjOverTx" preserve="1">
+<p:sldLayout xmlns:a="http://schemas.openxmlformats.org/drawingml/2006/main" xmlns:p="http://schemas.openxmlformats.org/presentationml/2006/main" xmlns:r="http://schemas.openxmlformats.org/officeDocument/2006/relationships" type="twoObjOverTx" preserve="1">
   <p:cSld name="Title, 2 Content over Content">
     <p:spTree>
       <p:nvGrpSpPr>
@@ -3243,17 +2529,7 @@
           <a:bodyPr lIns="0" rIns="0" tIns="0" bIns="0" anchor="ctr"/>
           <a:p>
             <a:pPr algn="ctr"/>
-            <a:endParaRPr b="0" lang="pt-BR" sz="4400" spc="-1" strike="noStrike">
-              <a:solidFill>
-                <a:srgbClr val="ffffff"/>
-              </a:solidFill>
-              <a:uFill>
-                <a:solidFill>
-                  <a:srgbClr val="ffffff"/>
-                </a:solidFill>
-              </a:uFill>
-              <a:latin typeface="Arial"/>
-            </a:endParaRPr>
+            <a:endParaRPr/>
           </a:p>
         </p:txBody>
       </p:sp>
@@ -3279,17 +2555,7 @@
         <p:txBody>
           <a:bodyPr lIns="0" rIns="0" tIns="0" bIns="0"/>
           <a:p>
-            <a:endParaRPr b="0" lang="pt-BR" sz="3200" spc="-1" strike="noStrike">
-              <a:solidFill>
-                <a:srgbClr val="ffffff"/>
-              </a:solidFill>
-              <a:uFill>
-                <a:solidFill>
-                  <a:srgbClr val="ffffff"/>
-                </a:solidFill>
-              </a:uFill>
-              <a:latin typeface="Arial"/>
-            </a:endParaRPr>
+            <a:endParaRPr/>
           </a:p>
         </p:txBody>
       </p:sp>
@@ -3315,17 +2581,7 @@
         <p:txBody>
           <a:bodyPr lIns="0" rIns="0" tIns="0" bIns="0"/>
           <a:p>
-            <a:endParaRPr b="0" lang="pt-BR" sz="3200" spc="-1" strike="noStrike">
-              <a:solidFill>
-                <a:srgbClr val="ffffff"/>
-              </a:solidFill>
-              <a:uFill>
-                <a:solidFill>
-                  <a:srgbClr val="ffffff"/>
-                </a:solidFill>
-              </a:uFill>
-              <a:latin typeface="Arial"/>
-            </a:endParaRPr>
+            <a:endParaRPr/>
           </a:p>
         </p:txBody>
       </p:sp>
@@ -3351,17 +2607,7 @@
         <p:txBody>
           <a:bodyPr lIns="0" rIns="0" tIns="0" bIns="0"/>
           <a:p>
-            <a:endParaRPr b="0" lang="pt-BR" sz="3200" spc="-1" strike="noStrike">
-              <a:solidFill>
-                <a:srgbClr val="ffffff"/>
-              </a:solidFill>
-              <a:uFill>
-                <a:solidFill>
-                  <a:srgbClr val="ffffff"/>
-                </a:solidFill>
-              </a:uFill>
-              <a:latin typeface="Arial"/>
-            </a:endParaRPr>
+            <a:endParaRPr/>
           </a:p>
         </p:txBody>
       </p:sp>
@@ -3371,7 +2617,7 @@
 </file>
 
 <file path=ppt/slideMasters/slideMaster1.xml><?xml version="1.0" encoding="utf-8"?>
-<p:sldMaster xmlns:a="http://schemas.openxmlformats.org/drawingml/2006/main" xmlns:p="http://schemas.openxmlformats.org/presentationml/2006/main" xmlns:r="http://schemas.openxmlformats.org/officeDocument/2006/relationships" xmlns:p14="http://schemas.microsoft.com/office/powerpoint/2010/main" xmlns:p15="http://schemas.microsoft.com/office/powerpoint/2012/main" xmlns:mc="http://schemas.openxmlformats.org/markup-compatibility/2006">
+<p:sldMaster xmlns:a="http://schemas.openxmlformats.org/drawingml/2006/main" xmlns:p="http://schemas.openxmlformats.org/presentationml/2006/main" xmlns:r="http://schemas.openxmlformats.org/officeDocument/2006/relationships">
   <p:cSld>
     <p:bg>
       <p:bgPr>
@@ -3406,7 +2652,7 @@
         <p:spPr>
           <a:xfrm>
             <a:off x="0" y="0"/>
-            <a:ext cx="9142560" cy="6856560"/>
+            <a:ext cx="9142200" cy="6856200"/>
           </a:xfrm>
           <a:prstGeom prst="rect">
             <a:avLst/>
@@ -3454,8 +2700,8 @@
         </p:nvSpPr>
         <p:spPr>
           <a:xfrm rot="19724400">
-            <a:off x="1371960" y="1038600"/>
-            <a:ext cx="7239240" cy="5705640"/>
+            <a:off x="1371600" y="1038600"/>
+            <a:ext cx="7238880" cy="5705280"/>
           </a:xfrm>
           <a:prstGeom prst="ellipse">
             <a:avLst/>
@@ -3475,7 +2721,7 @@
                 </a:schemeClr>
               </a:gs>
             </a:gsLst>
-            <a:lin ang="10800000"/>
+            <a:lin ang="0"/>
           </a:gradFill>
           <a:ln>
             <a:noFill/>
@@ -3505,7 +2751,7 @@
         <p:spPr>
           <a:xfrm rot="17656800">
             <a:off x="-273960" y="1166040"/>
-            <a:ext cx="5537160" cy="4479120"/>
+            <a:ext cx="5536800" cy="4478760"/>
           </a:xfrm>
           <a:prstGeom prst="ellipse">
             <a:avLst/>
@@ -3525,7 +2771,7 @@
                 </a:schemeClr>
               </a:gs>
             </a:gsLst>
-            <a:lin ang="10800000"/>
+            <a:lin ang="0"/>
           </a:gradFill>
           <a:ln>
             <a:noFill/>
@@ -3554,8 +2800,8 @@
         </p:nvSpPr>
         <p:spPr>
           <a:xfrm rot="19724400">
-            <a:off x="3277080" y="117000"/>
-            <a:ext cx="6477840" cy="4753440"/>
+            <a:off x="3276720" y="117000"/>
+            <a:ext cx="6477480" cy="4753080"/>
           </a:xfrm>
           <a:prstGeom prst="ellipse">
             <a:avLst/>
@@ -3575,7 +2821,7 @@
                 </a:schemeClr>
               </a:gs>
             </a:gsLst>
-            <a:lin ang="10800000"/>
+            <a:lin ang="0"/>
           </a:gradFill>
           <a:ln>
             <a:noFill/>
@@ -3605,7 +2851,7 @@
         <p:spPr>
           <a:xfrm>
             <a:off x="1828800" y="3164400"/>
-            <a:ext cx="455760" cy="1023120"/>
+            <a:ext cx="455400" cy="1022760"/>
           </a:xfrm>
           <a:prstGeom prst="rect">
             <a:avLst/>
@@ -3630,31 +2876,16 @@
               </a:lnSpc>
             </a:pPr>
             <a:r>
-              <a:rPr b="0" lang="pt-BR" sz="6600" spc="-1" strike="noStrike">
+              <a:rPr lang="pt-BR" sz="6600" strike="noStrike">
                 <a:solidFill>
                   <a:srgbClr val="ffffff"/>
                 </a:solidFill>
-                <a:uFill>
-                  <a:solidFill>
-                    <a:srgbClr val="ffffff"/>
-                  </a:solidFill>
-                </a:uFill>
                 <a:latin typeface="Palatino Linotype"/>
                 <a:ea typeface="DejaVu Sans"/>
               </a:rPr>
               <a:t>{</a:t>
             </a:r>
-            <a:endParaRPr b="0" lang="pt-BR" sz="1800" spc="-1" strike="noStrike">
-              <a:solidFill>
-                <a:srgbClr val="ffffff"/>
-              </a:solidFill>
-              <a:uFill>
-                <a:solidFill>
-                  <a:srgbClr val="ffffff"/>
-                </a:solidFill>
-              </a:uFill>
-              <a:latin typeface="Arial"/>
-            </a:endParaRPr>
+            <a:endParaRPr/>
           </a:p>
         </p:txBody>
       </p:sp>
@@ -3682,30 +2913,12 @@
           <a:p>
             <a:pPr algn="ctr"/>
             <a:r>
-              <a:rPr b="0" lang="pt-BR" sz="4400" spc="-1" strike="noStrike">
-                <a:solidFill>
-                  <a:srgbClr val="ffffff"/>
-                </a:solidFill>
-                <a:uFill>
-                  <a:solidFill>
-                    <a:srgbClr val="ffffff"/>
-                  </a:solidFill>
-                </a:uFill>
+              <a:rPr lang="pt-BR" sz="4400">
                 <a:latin typeface="Arial"/>
               </a:rPr>
-              <a:t>Click to edit the title text format</a:t>
+              <a:t>Clique para editar o formato do texto do título</a:t>
             </a:r>
-            <a:endParaRPr b="0" lang="pt-BR" sz="4400" spc="-1" strike="noStrike">
-              <a:solidFill>
-                <a:srgbClr val="ffffff"/>
-              </a:solidFill>
-              <a:uFill>
-                <a:solidFill>
-                  <a:srgbClr val="ffffff"/>
-                </a:solidFill>
-              </a:uFill>
-              <a:latin typeface="Arial"/>
-            </a:endParaRPr>
+            <a:endParaRPr/>
           </a:p>
         </p:txBody>
       </p:sp>
@@ -3731,249 +2944,102 @@
         <p:txBody>
           <a:bodyPr lIns="0" rIns="0" tIns="0" bIns="0"/>
           <a:p>
-            <a:pPr marL="432000" indent="-324000">
-              <a:buClr>
-                <a:srgbClr val="ffffff"/>
-              </a:buClr>
+            <a:pPr>
               <a:buSzPct val="45000"/>
-              <a:buFont typeface="Wingdings" charset="2"/>
+              <a:buFont typeface="StarSymbol"/>
               <a:buChar char=""/>
             </a:pPr>
             <a:r>
-              <a:rPr b="0" lang="pt-BR" sz="3200" spc="-1" strike="noStrike">
-                <a:solidFill>
-                  <a:srgbClr val="ffffff"/>
-                </a:solidFill>
-                <a:uFill>
-                  <a:solidFill>
-                    <a:srgbClr val="ffffff"/>
-                  </a:solidFill>
-                </a:uFill>
+              <a:rPr lang="pt-BR" sz="3200">
                 <a:latin typeface="Arial"/>
               </a:rPr>
-              <a:t>Click to edit the outline text format</a:t>
+              <a:t>Clique para editar o formato do texto da estrutura de tópicos</a:t>
             </a:r>
-            <a:endParaRPr b="0" lang="pt-BR" sz="3200" spc="-1" strike="noStrike">
-              <a:solidFill>
-                <a:srgbClr val="ffffff"/>
-              </a:solidFill>
-              <a:uFill>
-                <a:solidFill>
-                  <a:srgbClr val="ffffff"/>
-                </a:solidFill>
-              </a:uFill>
-              <a:latin typeface="Arial"/>
-            </a:endParaRPr>
-          </a:p>
-          <a:p>
-            <a:pPr lvl="1" marL="864000" indent="-324000">
-              <a:buClr>
-                <a:srgbClr val="ffffff"/>
-              </a:buClr>
+            <a:endParaRPr/>
+          </a:p>
+          <a:p>
+            <a:pPr lvl="1">
               <a:buSzPct val="75000"/>
-              <a:buFont typeface="Symbol" charset="2"/>
+              <a:buFont typeface="StarSymbol"/>
               <a:buChar char=""/>
             </a:pPr>
             <a:r>
-              <a:rPr b="0" lang="pt-BR" sz="2800" spc="-1" strike="noStrike">
-                <a:solidFill>
-                  <a:srgbClr val="ffffff"/>
-                </a:solidFill>
-                <a:uFill>
-                  <a:solidFill>
-                    <a:srgbClr val="ffffff"/>
-                  </a:solidFill>
-                </a:uFill>
+              <a:rPr lang="pt-BR" sz="2800">
                 <a:latin typeface="Arial"/>
               </a:rPr>
-              <a:t>Second Outline Level</a:t>
+              <a:t>2.º Nível da estrutura de tópicos</a:t>
             </a:r>
-            <a:endParaRPr b="0" lang="pt-BR" sz="2800" spc="-1" strike="noStrike">
-              <a:solidFill>
-                <a:srgbClr val="ffffff"/>
-              </a:solidFill>
-              <a:uFill>
-                <a:solidFill>
-                  <a:srgbClr val="ffffff"/>
-                </a:solidFill>
-              </a:uFill>
-              <a:latin typeface="Arial"/>
-            </a:endParaRPr>
-          </a:p>
-          <a:p>
-            <a:pPr lvl="2" marL="1296000" indent="-288000">
-              <a:buClr>
-                <a:srgbClr val="ffffff"/>
-              </a:buClr>
+            <a:endParaRPr/>
+          </a:p>
+          <a:p>
+            <a:pPr lvl="2">
               <a:buSzPct val="45000"/>
-              <a:buFont typeface="Wingdings" charset="2"/>
+              <a:buFont typeface="StarSymbol"/>
               <a:buChar char=""/>
             </a:pPr>
             <a:r>
-              <a:rPr b="0" lang="pt-BR" sz="2400" spc="-1" strike="noStrike">
-                <a:solidFill>
-                  <a:srgbClr val="ffffff"/>
-                </a:solidFill>
-                <a:uFill>
-                  <a:solidFill>
-                    <a:srgbClr val="ffffff"/>
-                  </a:solidFill>
-                </a:uFill>
+              <a:rPr lang="pt-BR" sz="2400">
                 <a:latin typeface="Arial"/>
               </a:rPr>
-              <a:t>Third Outline Level</a:t>
+              <a:t>3.º Nível da estrutura de tópicos</a:t>
             </a:r>
-            <a:endParaRPr b="0" lang="pt-BR" sz="2400" spc="-1" strike="noStrike">
-              <a:solidFill>
-                <a:srgbClr val="ffffff"/>
-              </a:solidFill>
-              <a:uFill>
-                <a:solidFill>
-                  <a:srgbClr val="ffffff"/>
-                </a:solidFill>
-              </a:uFill>
-              <a:latin typeface="Arial"/>
-            </a:endParaRPr>
-          </a:p>
-          <a:p>
-            <a:pPr lvl="3" marL="1728000" indent="-216000">
-              <a:buClr>
-                <a:srgbClr val="ffffff"/>
-              </a:buClr>
+            <a:endParaRPr/>
+          </a:p>
+          <a:p>
+            <a:pPr lvl="3">
               <a:buSzPct val="75000"/>
-              <a:buFont typeface="Symbol" charset="2"/>
+              <a:buFont typeface="StarSymbol"/>
               <a:buChar char=""/>
             </a:pPr>
             <a:r>
-              <a:rPr b="0" lang="pt-BR" sz="2000" spc="-1" strike="noStrike">
-                <a:solidFill>
-                  <a:srgbClr val="ffffff"/>
-                </a:solidFill>
-                <a:uFill>
-                  <a:solidFill>
-                    <a:srgbClr val="ffffff"/>
-                  </a:solidFill>
-                </a:uFill>
+              <a:rPr lang="pt-BR" sz="2000">
                 <a:latin typeface="Arial"/>
               </a:rPr>
-              <a:t>Fourth Outline Level</a:t>
+              <a:t>4.º Nível da estrutura de tópicos</a:t>
             </a:r>
-            <a:endParaRPr b="0" lang="pt-BR" sz="2000" spc="-1" strike="noStrike">
-              <a:solidFill>
-                <a:srgbClr val="ffffff"/>
-              </a:solidFill>
-              <a:uFill>
-                <a:solidFill>
-                  <a:srgbClr val="ffffff"/>
-                </a:solidFill>
-              </a:uFill>
-              <a:latin typeface="Arial"/>
-            </a:endParaRPr>
-          </a:p>
-          <a:p>
-            <a:pPr lvl="4" marL="2160000" indent="-216000">
-              <a:buClr>
-                <a:srgbClr val="ffffff"/>
-              </a:buClr>
+            <a:endParaRPr/>
+          </a:p>
+          <a:p>
+            <a:pPr lvl="4">
               <a:buSzPct val="45000"/>
-              <a:buFont typeface="Wingdings" charset="2"/>
+              <a:buFont typeface="StarSymbol"/>
               <a:buChar char=""/>
             </a:pPr>
             <a:r>
-              <a:rPr b="0" lang="pt-BR" sz="2000" spc="-1" strike="noStrike">
-                <a:solidFill>
-                  <a:srgbClr val="ffffff"/>
-                </a:solidFill>
-                <a:uFill>
-                  <a:solidFill>
-                    <a:srgbClr val="ffffff"/>
-                  </a:solidFill>
-                </a:uFill>
+              <a:rPr lang="pt-BR" sz="2000">
                 <a:latin typeface="Arial"/>
               </a:rPr>
-              <a:t>Fifth Outline Level</a:t>
+              <a:t>5.º Nível da estrutura de tópicos</a:t>
             </a:r>
-            <a:endParaRPr b="0" lang="pt-BR" sz="2000" spc="-1" strike="noStrike">
-              <a:solidFill>
-                <a:srgbClr val="ffffff"/>
-              </a:solidFill>
-              <a:uFill>
-                <a:solidFill>
-                  <a:srgbClr val="ffffff"/>
-                </a:solidFill>
-              </a:uFill>
-              <a:latin typeface="Arial"/>
-            </a:endParaRPr>
-          </a:p>
-          <a:p>
-            <a:pPr lvl="5" marL="2592000" indent="-216000">
-              <a:buClr>
-                <a:srgbClr val="ffffff"/>
-              </a:buClr>
+            <a:endParaRPr/>
+          </a:p>
+          <a:p>
+            <a:pPr lvl="5">
               <a:buSzPct val="45000"/>
-              <a:buFont typeface="Wingdings" charset="2"/>
+              <a:buFont typeface="StarSymbol"/>
               <a:buChar char=""/>
             </a:pPr>
             <a:r>
-              <a:rPr b="0" lang="pt-BR" sz="2000" spc="-1" strike="noStrike">
-                <a:solidFill>
-                  <a:srgbClr val="ffffff"/>
-                </a:solidFill>
-                <a:uFill>
-                  <a:solidFill>
-                    <a:srgbClr val="ffffff"/>
-                  </a:solidFill>
-                </a:uFill>
+              <a:rPr lang="pt-BR" sz="2000">
                 <a:latin typeface="Arial"/>
               </a:rPr>
-              <a:t>Sixth Outline Level</a:t>
+              <a:t>6.º Nível da estrutura de tópicos</a:t>
             </a:r>
-            <a:endParaRPr b="0" lang="pt-BR" sz="2000" spc="-1" strike="noStrike">
-              <a:solidFill>
-                <a:srgbClr val="ffffff"/>
-              </a:solidFill>
-              <a:uFill>
-                <a:solidFill>
-                  <a:srgbClr val="ffffff"/>
-                </a:solidFill>
-              </a:uFill>
-              <a:latin typeface="Arial"/>
-            </a:endParaRPr>
-          </a:p>
-          <a:p>
-            <a:pPr lvl="6" marL="3024000" indent="-216000">
-              <a:buClr>
-                <a:srgbClr val="ffffff"/>
-              </a:buClr>
+            <a:endParaRPr/>
+          </a:p>
+          <a:p>
+            <a:pPr lvl="6">
               <a:buSzPct val="45000"/>
-              <a:buFont typeface="Wingdings" charset="2"/>
+              <a:buFont typeface="StarSymbol"/>
               <a:buChar char=""/>
             </a:pPr>
             <a:r>
-              <a:rPr b="0" lang="pt-BR" sz="2000" spc="-1" strike="noStrike">
-                <a:solidFill>
-                  <a:srgbClr val="ffffff"/>
-                </a:solidFill>
-                <a:uFill>
-                  <a:solidFill>
-                    <a:srgbClr val="ffffff"/>
-                  </a:solidFill>
-                </a:uFill>
+              <a:rPr lang="pt-BR" sz="2000">
                 <a:latin typeface="Arial"/>
               </a:rPr>
-              <a:t>Seventh Outline Level</a:t>
+              <a:t>7.º Nível da estrutura de tópicos</a:t>
             </a:r>
-            <a:endParaRPr b="0" lang="pt-BR" sz="2000" spc="-1" strike="noStrike">
-              <a:solidFill>
-                <a:srgbClr val="ffffff"/>
-              </a:solidFill>
-              <a:uFill>
-                <a:solidFill>
-                  <a:srgbClr val="ffffff"/>
-                </a:solidFill>
-              </a:uFill>
-              <a:latin typeface="Arial"/>
-            </a:endParaRPr>
+            <a:endParaRPr/>
           </a:p>
         </p:txBody>
       </p:sp>
@@ -3998,7 +3064,7 @@
 </file>
 
 <file path=ppt/slideMasters/slideMaster2.xml><?xml version="1.0" encoding="utf-8"?>
-<p:sldMaster xmlns:a="http://schemas.openxmlformats.org/drawingml/2006/main" xmlns:p="http://schemas.openxmlformats.org/presentationml/2006/main" xmlns:r="http://schemas.openxmlformats.org/officeDocument/2006/relationships" xmlns:p14="http://schemas.microsoft.com/office/powerpoint/2010/main" xmlns:p15="http://schemas.microsoft.com/office/powerpoint/2012/main" xmlns:mc="http://schemas.openxmlformats.org/markup-compatibility/2006">
+<p:sldMaster xmlns:a="http://schemas.openxmlformats.org/drawingml/2006/main" xmlns:p="http://schemas.openxmlformats.org/presentationml/2006/main" xmlns:r="http://schemas.openxmlformats.org/officeDocument/2006/relationships">
   <p:cSld>
     <p:bg>
       <p:bgPr>
@@ -4033,7 +3099,7 @@
         <p:spPr>
           <a:xfrm>
             <a:off x="0" y="0"/>
-            <a:ext cx="9142560" cy="6856560"/>
+            <a:ext cx="9142200" cy="6856200"/>
           </a:xfrm>
           <a:prstGeom prst="rect">
             <a:avLst/>
@@ -4081,8 +3147,8 @@
         </p:nvSpPr>
         <p:spPr>
           <a:xfrm rot="19724400">
-            <a:off x="1371960" y="1038600"/>
-            <a:ext cx="7239240" cy="5705640"/>
+            <a:off x="1371600" y="1038600"/>
+            <a:ext cx="7238880" cy="5705280"/>
           </a:xfrm>
           <a:prstGeom prst="ellipse">
             <a:avLst/>
@@ -4102,7 +3168,7 @@
                 </a:schemeClr>
               </a:gs>
             </a:gsLst>
-            <a:lin ang="10800000"/>
+            <a:lin ang="0"/>
           </a:gradFill>
           <a:ln>
             <a:noFill/>
@@ -4132,7 +3198,7 @@
         <p:spPr>
           <a:xfrm rot="17656800">
             <a:off x="-273960" y="1166040"/>
-            <a:ext cx="5537160" cy="4479120"/>
+            <a:ext cx="5536800" cy="4478760"/>
           </a:xfrm>
           <a:prstGeom prst="ellipse">
             <a:avLst/>
@@ -4152,7 +3218,7 @@
                 </a:schemeClr>
               </a:gs>
             </a:gsLst>
-            <a:lin ang="10800000"/>
+            <a:lin ang="0"/>
           </a:gradFill>
           <a:ln>
             <a:noFill/>
@@ -4181,8 +3247,8 @@
         </p:nvSpPr>
         <p:spPr>
           <a:xfrm rot="19724400">
-            <a:off x="3277080" y="117000"/>
-            <a:ext cx="6477840" cy="4753440"/>
+            <a:off x="3276720" y="117000"/>
+            <a:ext cx="6477480" cy="4753080"/>
           </a:xfrm>
           <a:prstGeom prst="ellipse">
             <a:avLst/>
@@ -4202,7 +3268,7 @@
                 </a:schemeClr>
               </a:gs>
             </a:gsLst>
-            <a:lin ang="10800000"/>
+            <a:lin ang="0"/>
           </a:gradFill>
           <a:ln>
             <a:noFill/>
@@ -4247,30 +3313,12 @@
           <a:p>
             <a:pPr algn="ctr"/>
             <a:r>
-              <a:rPr b="0" lang="pt-BR" sz="4400" spc="-1" strike="noStrike">
-                <a:solidFill>
-                  <a:srgbClr val="ffffff"/>
-                </a:solidFill>
-                <a:uFill>
-                  <a:solidFill>
-                    <a:srgbClr val="ffffff"/>
-                  </a:solidFill>
-                </a:uFill>
+              <a:rPr lang="pt-BR" sz="4400">
                 <a:latin typeface="Arial"/>
               </a:rPr>
-              <a:t>Click to edit the title text format</a:t>
+              <a:t>Clique para editar o formato do texto do título</a:t>
             </a:r>
-            <a:endParaRPr b="0" lang="pt-BR" sz="4400" spc="-1" strike="noStrike">
-              <a:solidFill>
-                <a:srgbClr val="ffffff"/>
-              </a:solidFill>
-              <a:uFill>
-                <a:solidFill>
-                  <a:srgbClr val="ffffff"/>
-                </a:solidFill>
-              </a:uFill>
-              <a:latin typeface="Arial"/>
-            </a:endParaRPr>
+            <a:endParaRPr/>
           </a:p>
         </p:txBody>
       </p:sp>
@@ -4296,249 +3344,102 @@
         <p:txBody>
           <a:bodyPr lIns="0" rIns="0" tIns="0" bIns="0"/>
           <a:p>
-            <a:pPr marL="432000" indent="-324000">
-              <a:buClr>
-                <a:srgbClr val="ffffff"/>
-              </a:buClr>
+            <a:pPr>
               <a:buSzPct val="45000"/>
-              <a:buFont typeface="Wingdings" charset="2"/>
+              <a:buFont typeface="StarSymbol"/>
               <a:buChar char=""/>
             </a:pPr>
             <a:r>
-              <a:rPr b="0" lang="pt-BR" sz="3200" spc="-1" strike="noStrike">
-                <a:solidFill>
-                  <a:srgbClr val="ffffff"/>
-                </a:solidFill>
-                <a:uFill>
-                  <a:solidFill>
-                    <a:srgbClr val="ffffff"/>
-                  </a:solidFill>
-                </a:uFill>
+              <a:rPr lang="pt-BR" sz="3200">
                 <a:latin typeface="Arial"/>
               </a:rPr>
-              <a:t>Click to edit the outline text format</a:t>
+              <a:t>Clique para editar o formato do texto da estrutura de tópicos</a:t>
             </a:r>
-            <a:endParaRPr b="0" lang="pt-BR" sz="3200" spc="-1" strike="noStrike">
-              <a:solidFill>
-                <a:srgbClr val="ffffff"/>
-              </a:solidFill>
-              <a:uFill>
-                <a:solidFill>
-                  <a:srgbClr val="ffffff"/>
-                </a:solidFill>
-              </a:uFill>
-              <a:latin typeface="Arial"/>
-            </a:endParaRPr>
-          </a:p>
-          <a:p>
-            <a:pPr lvl="1" marL="864000" indent="-324000">
-              <a:buClr>
-                <a:srgbClr val="ffffff"/>
-              </a:buClr>
+            <a:endParaRPr/>
+          </a:p>
+          <a:p>
+            <a:pPr lvl="1">
               <a:buSzPct val="75000"/>
-              <a:buFont typeface="Symbol" charset="2"/>
+              <a:buFont typeface="StarSymbol"/>
               <a:buChar char=""/>
             </a:pPr>
             <a:r>
-              <a:rPr b="0" lang="pt-BR" sz="2800" spc="-1" strike="noStrike">
-                <a:solidFill>
-                  <a:srgbClr val="ffffff"/>
-                </a:solidFill>
-                <a:uFill>
-                  <a:solidFill>
-                    <a:srgbClr val="ffffff"/>
-                  </a:solidFill>
-                </a:uFill>
+              <a:rPr lang="pt-BR" sz="2800">
                 <a:latin typeface="Arial"/>
               </a:rPr>
-              <a:t>Second Outline Level</a:t>
+              <a:t>2.º Nível da estrutura de tópicos</a:t>
             </a:r>
-            <a:endParaRPr b="0" lang="pt-BR" sz="2800" spc="-1" strike="noStrike">
-              <a:solidFill>
-                <a:srgbClr val="ffffff"/>
-              </a:solidFill>
-              <a:uFill>
-                <a:solidFill>
-                  <a:srgbClr val="ffffff"/>
-                </a:solidFill>
-              </a:uFill>
-              <a:latin typeface="Arial"/>
-            </a:endParaRPr>
-          </a:p>
-          <a:p>
-            <a:pPr lvl="2" marL="1296000" indent="-288000">
-              <a:buClr>
-                <a:srgbClr val="ffffff"/>
-              </a:buClr>
+            <a:endParaRPr/>
+          </a:p>
+          <a:p>
+            <a:pPr lvl="2">
               <a:buSzPct val="45000"/>
-              <a:buFont typeface="Wingdings" charset="2"/>
+              <a:buFont typeface="StarSymbol"/>
               <a:buChar char=""/>
             </a:pPr>
             <a:r>
-              <a:rPr b="0" lang="pt-BR" sz="2400" spc="-1" strike="noStrike">
-                <a:solidFill>
-                  <a:srgbClr val="ffffff"/>
-                </a:solidFill>
-                <a:uFill>
-                  <a:solidFill>
-                    <a:srgbClr val="ffffff"/>
-                  </a:solidFill>
-                </a:uFill>
+              <a:rPr lang="pt-BR" sz="2400">
                 <a:latin typeface="Arial"/>
               </a:rPr>
-              <a:t>Third Outline Level</a:t>
+              <a:t>3.º Nível da estrutura de tópicos</a:t>
             </a:r>
-            <a:endParaRPr b="0" lang="pt-BR" sz="2400" spc="-1" strike="noStrike">
-              <a:solidFill>
-                <a:srgbClr val="ffffff"/>
-              </a:solidFill>
-              <a:uFill>
-                <a:solidFill>
-                  <a:srgbClr val="ffffff"/>
-                </a:solidFill>
-              </a:uFill>
-              <a:latin typeface="Arial"/>
-            </a:endParaRPr>
-          </a:p>
-          <a:p>
-            <a:pPr lvl="3" marL="1728000" indent="-216000">
-              <a:buClr>
-                <a:srgbClr val="ffffff"/>
-              </a:buClr>
+            <a:endParaRPr/>
+          </a:p>
+          <a:p>
+            <a:pPr lvl="3">
               <a:buSzPct val="75000"/>
-              <a:buFont typeface="Symbol" charset="2"/>
+              <a:buFont typeface="StarSymbol"/>
               <a:buChar char=""/>
             </a:pPr>
             <a:r>
-              <a:rPr b="0" lang="pt-BR" sz="2000" spc="-1" strike="noStrike">
-                <a:solidFill>
-                  <a:srgbClr val="ffffff"/>
-                </a:solidFill>
-                <a:uFill>
-                  <a:solidFill>
-                    <a:srgbClr val="ffffff"/>
-                  </a:solidFill>
-                </a:uFill>
+              <a:rPr lang="pt-BR" sz="2000">
                 <a:latin typeface="Arial"/>
               </a:rPr>
-              <a:t>Fourth Outline Level</a:t>
+              <a:t>4.º Nível da estrutura de tópicos</a:t>
             </a:r>
-            <a:endParaRPr b="0" lang="pt-BR" sz="2000" spc="-1" strike="noStrike">
-              <a:solidFill>
-                <a:srgbClr val="ffffff"/>
-              </a:solidFill>
-              <a:uFill>
-                <a:solidFill>
-                  <a:srgbClr val="ffffff"/>
-                </a:solidFill>
-              </a:uFill>
-              <a:latin typeface="Arial"/>
-            </a:endParaRPr>
-          </a:p>
-          <a:p>
-            <a:pPr lvl="4" marL="2160000" indent="-216000">
-              <a:buClr>
-                <a:srgbClr val="ffffff"/>
-              </a:buClr>
+            <a:endParaRPr/>
+          </a:p>
+          <a:p>
+            <a:pPr lvl="4">
               <a:buSzPct val="45000"/>
-              <a:buFont typeface="Wingdings" charset="2"/>
+              <a:buFont typeface="StarSymbol"/>
               <a:buChar char=""/>
             </a:pPr>
             <a:r>
-              <a:rPr b="0" lang="pt-BR" sz="2000" spc="-1" strike="noStrike">
-                <a:solidFill>
-                  <a:srgbClr val="ffffff"/>
-                </a:solidFill>
-                <a:uFill>
-                  <a:solidFill>
-                    <a:srgbClr val="ffffff"/>
-                  </a:solidFill>
-                </a:uFill>
+              <a:rPr lang="pt-BR" sz="2000">
                 <a:latin typeface="Arial"/>
               </a:rPr>
-              <a:t>Fifth Outline Level</a:t>
+              <a:t>5.º Nível da estrutura de tópicos</a:t>
             </a:r>
-            <a:endParaRPr b="0" lang="pt-BR" sz="2000" spc="-1" strike="noStrike">
-              <a:solidFill>
-                <a:srgbClr val="ffffff"/>
-              </a:solidFill>
-              <a:uFill>
-                <a:solidFill>
-                  <a:srgbClr val="ffffff"/>
-                </a:solidFill>
-              </a:uFill>
-              <a:latin typeface="Arial"/>
-            </a:endParaRPr>
-          </a:p>
-          <a:p>
-            <a:pPr lvl="5" marL="2592000" indent="-216000">
-              <a:buClr>
-                <a:srgbClr val="ffffff"/>
-              </a:buClr>
+            <a:endParaRPr/>
+          </a:p>
+          <a:p>
+            <a:pPr lvl="5">
               <a:buSzPct val="45000"/>
-              <a:buFont typeface="Wingdings" charset="2"/>
+              <a:buFont typeface="StarSymbol"/>
               <a:buChar char=""/>
             </a:pPr>
             <a:r>
-              <a:rPr b="0" lang="pt-BR" sz="2000" spc="-1" strike="noStrike">
-                <a:solidFill>
-                  <a:srgbClr val="ffffff"/>
-                </a:solidFill>
-                <a:uFill>
-                  <a:solidFill>
-                    <a:srgbClr val="ffffff"/>
-                  </a:solidFill>
-                </a:uFill>
+              <a:rPr lang="pt-BR" sz="2000">
                 <a:latin typeface="Arial"/>
               </a:rPr>
-              <a:t>Sixth Outline Level</a:t>
+              <a:t>6.º Nível da estrutura de tópicos</a:t>
             </a:r>
-            <a:endParaRPr b="0" lang="pt-BR" sz="2000" spc="-1" strike="noStrike">
-              <a:solidFill>
-                <a:srgbClr val="ffffff"/>
-              </a:solidFill>
-              <a:uFill>
-                <a:solidFill>
-                  <a:srgbClr val="ffffff"/>
-                </a:solidFill>
-              </a:uFill>
-              <a:latin typeface="Arial"/>
-            </a:endParaRPr>
-          </a:p>
-          <a:p>
-            <a:pPr lvl="6" marL="3024000" indent="-216000">
-              <a:buClr>
-                <a:srgbClr val="ffffff"/>
-              </a:buClr>
+            <a:endParaRPr/>
+          </a:p>
+          <a:p>
+            <a:pPr lvl="6">
               <a:buSzPct val="45000"/>
-              <a:buFont typeface="Wingdings" charset="2"/>
+              <a:buFont typeface="StarSymbol"/>
               <a:buChar char=""/>
             </a:pPr>
             <a:r>
-              <a:rPr b="0" lang="pt-BR" sz="2000" spc="-1" strike="noStrike">
-                <a:solidFill>
-                  <a:srgbClr val="ffffff"/>
-                </a:solidFill>
-                <a:uFill>
-                  <a:solidFill>
-                    <a:srgbClr val="ffffff"/>
-                  </a:solidFill>
-                </a:uFill>
+              <a:rPr lang="pt-BR" sz="2000">
                 <a:latin typeface="Arial"/>
               </a:rPr>
-              <a:t>Seventh Outline Level</a:t>
+              <a:t>7.º Nível da estrutura de tópicos</a:t>
             </a:r>
-            <a:endParaRPr b="0" lang="pt-BR" sz="2000" spc="-1" strike="noStrike">
-              <a:solidFill>
-                <a:srgbClr val="ffffff"/>
-              </a:solidFill>
-              <a:uFill>
-                <a:solidFill>
-                  <a:srgbClr val="ffffff"/>
-                </a:solidFill>
-              </a:uFill>
-              <a:latin typeface="Arial"/>
-            </a:endParaRPr>
+            <a:endParaRPr/>
           </a:p>
         </p:txBody>
       </p:sp>
@@ -4563,7 +3464,7 @@
 </file>
 
 <file path=ppt/slides/slide1.xml><?xml version="1.0" encoding="utf-8"?>
-<p:sld xmlns:a="http://schemas.openxmlformats.org/drawingml/2006/main" xmlns:p="http://schemas.openxmlformats.org/presentationml/2006/main" xmlns:r="http://schemas.openxmlformats.org/officeDocument/2006/relationships" xmlns:p14="http://schemas.microsoft.com/office/powerpoint/2010/main" xmlns:p15="http://schemas.microsoft.com/office/powerpoint/2012/main" xmlns:mc="http://schemas.openxmlformats.org/markup-compatibility/2006">
+<p:sld xmlns:a="http://schemas.openxmlformats.org/drawingml/2006/main" xmlns:p="http://schemas.openxmlformats.org/presentationml/2006/main" xmlns:r="http://schemas.openxmlformats.org/officeDocument/2006/relationships">
   <p:cSld>
     <p:spTree>
       <p:nvGrpSpPr>
@@ -4588,7 +3489,7 @@
         <p:spPr>
           <a:xfrm>
             <a:off x="777240" y="1219320"/>
-            <a:ext cx="7542360" cy="2151360"/>
+            <a:ext cx="7542000" cy="2151000"/>
           </a:xfrm>
           <a:prstGeom prst="rect">
             <a:avLst/>
@@ -4614,7 +3515,7 @@
         <p:spPr>
           <a:xfrm>
             <a:off x="2133720" y="3375360"/>
-            <a:ext cx="6170760" cy="684360"/>
+            <a:ext cx="6170400" cy="684000"/>
           </a:xfrm>
           <a:prstGeom prst="rect">
             <a:avLst/>
@@ -4639,8 +3540,8 @@
         </p:nvSpPr>
         <p:spPr>
           <a:xfrm>
-            <a:off x="-32040" y="-110160"/>
-            <a:ext cx="9142560" cy="6856560"/>
+            <a:off x="1800" y="0"/>
+            <a:ext cx="9142200" cy="6856200"/>
           </a:xfrm>
           <a:prstGeom prst="rect">
             <a:avLst/>
@@ -4676,32 +3577,25 @@
                 <a:spcPct val="100000"/>
               </a:lnSpc>
             </a:pPr>
+            <a:endParaRPr/>
+          </a:p>
+          <a:p>
+            <a:pPr algn="ctr">
+              <a:lnSpc>
+                <a:spcPct val="100000"/>
+              </a:lnSpc>
+            </a:pPr>
             <a:r>
-              <a:rPr b="0" i="1" lang="pt-BR" sz="7200" spc="-1" strike="noStrike">
+              <a:rPr i="1" lang="pt-BR" sz="7200" strike="noStrike">
                 <a:solidFill>
                   <a:srgbClr val="ffffff"/>
                 </a:solidFill>
-                <a:uFill>
-                  <a:solidFill>
-                    <a:srgbClr val="ffffff"/>
-                  </a:solidFill>
-                </a:uFill>
                 <a:latin typeface="Palatino Linotype"/>
                 <a:ea typeface="DejaVu Sans"/>
               </a:rPr>
               <a:t>Tumblr</a:t>
             </a:r>
-            <a:endParaRPr b="0" lang="pt-BR" sz="1800" spc="-1" strike="noStrike">
-              <a:solidFill>
-                <a:srgbClr val="ffffff"/>
-              </a:solidFill>
-              <a:uFill>
-                <a:solidFill>
-                  <a:srgbClr val="ffffff"/>
-                </a:solidFill>
-              </a:uFill>
-              <a:latin typeface="Arial"/>
-            </a:endParaRPr>
+            <a:endParaRPr/>
           </a:p>
         </p:txBody>
       </p:sp>
@@ -4714,7 +3608,7 @@
         <p:spPr>
           <a:xfrm>
             <a:off x="155520" y="-144360"/>
-            <a:ext cx="303480" cy="303480"/>
+            <a:ext cx="303120" cy="303120"/>
           </a:xfrm>
           <a:prstGeom prst="rect">
             <a:avLst/>
@@ -4744,7 +3638,7 @@
         <p:spPr>
           <a:xfrm>
             <a:off x="3142800" y="168120"/>
-            <a:ext cx="2856240" cy="2856240"/>
+            <a:ext cx="2855880" cy="2855880"/>
           </a:xfrm>
           <a:prstGeom prst="rect">
             <a:avLst/>
@@ -4787,7 +3681,7 @@
 </file>
 
 <file path=ppt/slides/slide10.xml><?xml version="1.0" encoding="utf-8"?>
-<p:sld xmlns:a="http://schemas.openxmlformats.org/drawingml/2006/main" xmlns:p="http://schemas.openxmlformats.org/presentationml/2006/main" xmlns:r="http://schemas.openxmlformats.org/officeDocument/2006/relationships" xmlns:p14="http://schemas.microsoft.com/office/powerpoint/2010/main" xmlns:p15="http://schemas.microsoft.com/office/powerpoint/2012/main" xmlns:mc="http://schemas.openxmlformats.org/markup-compatibility/2006">
+<p:sld xmlns:a="http://schemas.openxmlformats.org/drawingml/2006/main" xmlns:p="http://schemas.openxmlformats.org/presentationml/2006/main" xmlns:r="http://schemas.openxmlformats.org/officeDocument/2006/relationships">
   <p:cSld>
     <p:spTree>
       <p:nvGrpSpPr>
@@ -4805,14 +3699,14 @@
       </p:grpSpPr>
       <p:sp>
         <p:nvSpPr>
-          <p:cNvPr id="111" name="CustomShape 1"/>
+          <p:cNvPr id="112" name="CustomShape 1"/>
           <p:cNvSpPr/>
           <p:nvPr/>
         </p:nvSpPr>
         <p:spPr>
           <a:xfrm>
             <a:off x="2133720" y="685800"/>
-            <a:ext cx="6094440" cy="3656160"/>
+            <a:ext cx="6094080" cy="3655800"/>
           </a:xfrm>
           <a:prstGeom prst="rect">
             <a:avLst/>
@@ -4831,134 +3725,38 @@
         <p:txBody>
           <a:bodyPr lIns="90000" rIns="90000" tIns="45000" bIns="45000" anchor="ctr"/>
           <a:p>
-            <a:pPr marL="274320" indent="-254520">
+            <a:pPr>
               <a:lnSpc>
                 <a:spcPct val="100000"/>
               </a:lnSpc>
-              <a:buClr>
-                <a:srgbClr val="ffffff"/>
-              </a:buClr>
               <a:buSzPct val="60000"/>
               <a:buFont typeface="Wingdings" charset="2"/>
               <a:buChar char=""/>
             </a:pPr>
             <a:r>
-              <a:rPr b="0" lang="pt-BR" sz="2100" spc="-1" strike="noStrike">
+              <a:rPr lang="pt-BR" sz="2100" strike="noStrike">
                 <a:solidFill>
                   <a:srgbClr val="ffffff"/>
                 </a:solidFill>
-                <a:uFill>
-                  <a:solidFill>
-                    <a:srgbClr val="ffffff"/>
-                  </a:solidFill>
-                </a:uFill>
                 <a:latin typeface="Palatino Linotype"/>
                 <a:ea typeface="DejaVu Sans"/>
               </a:rPr>
-              <a:t>O Tumblr é também, uma ótima rede social para achar blogs/grupos de estudo.</a:t>
+              <a:t>Os gifs começaram a ganhar fama no tumblr junto com os blogs, e os criadores de conteúdo tendo uma chance de expor seu trabalho nessa plataforma. (ainda que hoje em dia existem outras plataformas para isso como dribbble, devianART, Dunked entre outros.)</a:t>
             </a:r>
-            <a:endParaRPr b="0" lang="pt-BR" sz="1800" spc="-1" strike="noStrike">
-              <a:solidFill>
-                <a:srgbClr val="ffffff"/>
-              </a:solidFill>
-              <a:uFill>
-                <a:solidFill>
-                  <a:srgbClr val="ffffff"/>
-                </a:solidFill>
-              </a:uFill>
-              <a:latin typeface="Arial"/>
-            </a:endParaRPr>
-          </a:p>
-          <a:p>
-            <a:pPr marL="274320" indent="-254520">
-              <a:lnSpc>
-                <a:spcPct val="100000"/>
-              </a:lnSpc>
-              <a:buClr>
-                <a:srgbClr val="ffffff"/>
-              </a:buClr>
-              <a:buSzPct val="60000"/>
-              <a:buFont typeface="Wingdings" charset="2"/>
-              <a:buChar char=""/>
-            </a:pPr>
-            <a:r>
-              <a:rPr b="0" lang="pt-BR" sz="2100" spc="-1" strike="noStrike">
-                <a:solidFill>
-                  <a:srgbClr val="ffffff"/>
-                </a:solidFill>
-                <a:uFill>
-                  <a:solidFill>
-                    <a:srgbClr val="ffffff"/>
-                  </a:solidFill>
-                </a:uFill>
-                <a:latin typeface="Palatino Linotype"/>
-                <a:ea typeface="DejaVu Sans"/>
-              </a:rPr>
-              <a:t> </a:t>
-            </a:r>
-            <a:endParaRPr b="0" lang="pt-BR" sz="1800" spc="-1" strike="noStrike">
-              <a:solidFill>
-                <a:srgbClr val="ffffff"/>
-              </a:solidFill>
-              <a:uFill>
-                <a:solidFill>
-                  <a:srgbClr val="ffffff"/>
-                </a:solidFill>
-              </a:uFill>
-              <a:latin typeface="Arial"/>
-            </a:endParaRPr>
-          </a:p>
-          <a:p>
-            <a:pPr marL="274320" indent="-254520">
-              <a:lnSpc>
-                <a:spcPct val="100000"/>
-              </a:lnSpc>
-              <a:buClr>
-                <a:srgbClr val="ffffff"/>
-              </a:buClr>
-              <a:buSzPct val="60000"/>
-              <a:buFont typeface="Wingdings" charset="2"/>
-              <a:buChar char=""/>
-            </a:pPr>
-            <a:r>
-              <a:rPr b="0" lang="pt-BR" sz="2100" spc="-1" strike="noStrike">
-                <a:solidFill>
-                  <a:srgbClr val="ffffff"/>
-                </a:solidFill>
-                <a:uFill>
-                  <a:solidFill>
-                    <a:srgbClr val="ffffff"/>
-                  </a:solidFill>
-                </a:uFill>
-                <a:latin typeface="Palatino Linotype"/>
-                <a:ea typeface="DejaVu Sans"/>
-              </a:rPr>
-              <a:t>E os grupos tendem a serem mais sérios e amigáveis… em geral um ótimo lugar para fazer amigos, e compartilhar ideias.</a:t>
-            </a:r>
-            <a:endParaRPr b="0" lang="pt-BR" sz="1800" spc="-1" strike="noStrike">
-              <a:solidFill>
-                <a:srgbClr val="ffffff"/>
-              </a:solidFill>
-              <a:uFill>
-                <a:solidFill>
-                  <a:srgbClr val="ffffff"/>
-                </a:solidFill>
-              </a:uFill>
-              <a:latin typeface="Arial"/>
-            </a:endParaRPr>
-          </a:p>
-        </p:txBody>
-      </p:sp>
-      <p:sp>
-        <p:nvSpPr>
-          <p:cNvPr id="112" name="CustomShape 2"/>
+            <a:endParaRPr/>
+          </a:p>
+        </p:txBody>
+      </p:sp>
+      <p:sp>
+        <p:nvSpPr>
+          <p:cNvPr id="113" name="CustomShape 2"/>
           <p:cNvSpPr/>
           <p:nvPr/>
         </p:nvSpPr>
         <p:spPr>
           <a:xfrm>
             <a:off x="777240" y="4876920"/>
-            <a:ext cx="7542360" cy="912960"/>
+            <a:ext cx="7542000" cy="912600"/>
           </a:xfrm>
           <a:prstGeom prst="rect">
             <a:avLst/>
@@ -4983,31 +3781,16 @@
               </a:lnSpc>
             </a:pPr>
             <a:r>
-              <a:rPr b="0" lang="pt-BR" sz="4900" spc="-1" strike="noStrike">
+              <a:rPr lang="pt-BR" sz="4900" strike="noStrike">
                 <a:solidFill>
                   <a:srgbClr val="ffffff"/>
                 </a:solidFill>
-                <a:uFill>
-                  <a:solidFill>
-                    <a:srgbClr val="ffffff"/>
-                  </a:solidFill>
-                </a:uFill>
                 <a:latin typeface="Palatino Linotype"/>
                 <a:ea typeface="DejaVu Sans"/>
               </a:rPr>
               <a:t>*+curiosidades</a:t>
             </a:r>
-            <a:endParaRPr b="0" lang="pt-BR" sz="1800" spc="-1" strike="noStrike">
-              <a:solidFill>
-                <a:srgbClr val="ffffff"/>
-              </a:solidFill>
-              <a:uFill>
-                <a:solidFill>
-                  <a:srgbClr val="ffffff"/>
-                </a:solidFill>
-              </a:uFill>
-              <a:latin typeface="Arial"/>
-            </a:endParaRPr>
+            <a:endParaRPr/>
           </a:p>
         </p:txBody>
       </p:sp>
@@ -5044,7 +3827,7 @@
 </file>
 
 <file path=ppt/slides/slide11.xml><?xml version="1.0" encoding="utf-8"?>
-<p:sld xmlns:a="http://schemas.openxmlformats.org/drawingml/2006/main" xmlns:p="http://schemas.openxmlformats.org/presentationml/2006/main" xmlns:r="http://schemas.openxmlformats.org/officeDocument/2006/relationships" xmlns:p14="http://schemas.microsoft.com/office/powerpoint/2010/main" xmlns:p15="http://schemas.microsoft.com/office/powerpoint/2012/main" xmlns:mc="http://schemas.openxmlformats.org/markup-compatibility/2006">
+<p:sld xmlns:a="http://schemas.openxmlformats.org/drawingml/2006/main" xmlns:p="http://schemas.openxmlformats.org/presentationml/2006/main" xmlns:r="http://schemas.openxmlformats.org/officeDocument/2006/relationships">
   <p:cSld>
     <p:spTree>
       <p:nvGrpSpPr>
@@ -5062,14 +3845,14 @@
       </p:grpSpPr>
       <p:sp>
         <p:nvSpPr>
-          <p:cNvPr id="113" name="CustomShape 1"/>
+          <p:cNvPr id="114" name="CustomShape 1"/>
           <p:cNvSpPr/>
           <p:nvPr/>
         </p:nvSpPr>
         <p:spPr>
           <a:xfrm>
             <a:off x="2133720" y="685800"/>
-            <a:ext cx="6094440" cy="3656160"/>
+            <a:ext cx="6094080" cy="3655800"/>
           </a:xfrm>
           <a:prstGeom prst="rect">
             <a:avLst/>
@@ -5088,56 +3871,59 @@
         <p:txBody>
           <a:bodyPr lIns="90000" rIns="90000" tIns="45000" bIns="45000" anchor="ctr"/>
           <a:p>
-            <a:pPr marL="274320" indent="-254520">
+            <a:pPr>
               <a:lnSpc>
                 <a:spcPct val="100000"/>
               </a:lnSpc>
-              <a:buClr>
-                <a:srgbClr val="ffffff"/>
-              </a:buClr>
               <a:buSzPct val="60000"/>
               <a:buFont typeface="Wingdings" charset="2"/>
               <a:buChar char=""/>
             </a:pPr>
             <a:r>
-              <a:rPr b="0" lang="pt-BR" sz="2100" spc="-1" strike="noStrike">
+              <a:rPr lang="pt-BR" sz="2100" strike="noStrike">
                 <a:solidFill>
                   <a:srgbClr val="ffffff"/>
                 </a:solidFill>
-                <a:uFill>
-                  <a:solidFill>
-                    <a:srgbClr val="ffffff"/>
-                  </a:solidFill>
-                </a:uFill>
                 <a:latin typeface="Palatino Linotype"/>
                 <a:ea typeface="DejaVu Sans"/>
               </a:rPr>
-              <a:t>Talvez após o escandalo do facebook algumas pessoas migrem para o tumblr / twitter, aumentando a visibilidade dessas redes sociais diferentes e mudando um pouco a rotina, o monopólio que o facebook tem se tornado.</a:t>
+              <a:t>O Tumblr é também, uma ótima rede social para achar blogs/grupos de estudo. </a:t>
             </a:r>
-            <a:endParaRPr b="0" lang="pt-BR" sz="1800" spc="-1" strike="noStrike">
-              <a:solidFill>
-                <a:srgbClr val="ffffff"/>
-              </a:solidFill>
-              <a:uFill>
+            <a:endParaRPr/>
+          </a:p>
+          <a:p>
+            <a:pPr>
+              <a:lnSpc>
+                <a:spcPct val="100000"/>
+              </a:lnSpc>
+              <a:buSzPct val="60000"/>
+              <a:buFont typeface="Wingdings" charset="2"/>
+              <a:buChar char=""/>
+            </a:pPr>
+            <a:r>
+              <a:rPr lang="pt-BR" sz="2100" strike="noStrike">
                 <a:solidFill>
                   <a:srgbClr val="ffffff"/>
                 </a:solidFill>
-              </a:uFill>
-              <a:latin typeface="Arial"/>
-            </a:endParaRPr>
-          </a:p>
-        </p:txBody>
-      </p:sp>
-      <p:sp>
-        <p:nvSpPr>
-          <p:cNvPr id="114" name="CustomShape 2"/>
+                <a:latin typeface="Palatino Linotype"/>
+                <a:ea typeface="DejaVu Sans"/>
+              </a:rPr>
+              <a:t>E os grupos tendem a serem mais sérios e amigáveis… em geral um ótimo lugar para fazer amigos, e compartilhar ideias.</a:t>
+            </a:r>
+            <a:endParaRPr/>
+          </a:p>
+        </p:txBody>
+      </p:sp>
+      <p:sp>
+        <p:nvSpPr>
+          <p:cNvPr id="115" name="CustomShape 2"/>
           <p:cNvSpPr/>
           <p:nvPr/>
         </p:nvSpPr>
         <p:spPr>
           <a:xfrm>
             <a:off x="777240" y="4876920"/>
-            <a:ext cx="7542360" cy="912960"/>
+            <a:ext cx="7542000" cy="912600"/>
           </a:xfrm>
           <a:prstGeom prst="rect">
             <a:avLst/>
@@ -5162,31 +3948,16 @@
               </a:lnSpc>
             </a:pPr>
             <a:r>
-              <a:rPr b="0" lang="pt-BR" sz="4900" spc="-1" strike="noStrike">
+              <a:rPr lang="pt-BR" sz="4900" strike="noStrike">
                 <a:solidFill>
                   <a:srgbClr val="ffffff"/>
                 </a:solidFill>
-                <a:uFill>
-                  <a:solidFill>
-                    <a:srgbClr val="ffffff"/>
-                  </a:solidFill>
-                </a:uFill>
                 <a:latin typeface="Palatino Linotype"/>
                 <a:ea typeface="DejaVu Sans"/>
               </a:rPr>
-              <a:t>*Finalização</a:t>
+              <a:t>*+curiosidades</a:t>
             </a:r>
-            <a:endParaRPr b="0" lang="pt-BR" sz="1800" spc="-1" strike="noStrike">
-              <a:solidFill>
-                <a:srgbClr val="ffffff"/>
-              </a:solidFill>
-              <a:uFill>
-                <a:solidFill>
-                  <a:srgbClr val="ffffff"/>
-                </a:solidFill>
-              </a:uFill>
-              <a:latin typeface="Arial"/>
-            </a:endParaRPr>
+            <a:endParaRPr/>
           </a:p>
         </p:txBody>
       </p:sp>
@@ -5223,7 +3994,7 @@
 </file>
 
 <file path=ppt/slides/slide12.xml><?xml version="1.0" encoding="utf-8"?>
-<p:sld xmlns:a="http://schemas.openxmlformats.org/drawingml/2006/main" xmlns:p="http://schemas.openxmlformats.org/presentationml/2006/main" xmlns:r="http://schemas.openxmlformats.org/officeDocument/2006/relationships" xmlns:p14="http://schemas.microsoft.com/office/powerpoint/2010/main" xmlns:p15="http://schemas.microsoft.com/office/powerpoint/2012/main" xmlns:mc="http://schemas.openxmlformats.org/markup-compatibility/2006">
+<p:sld xmlns:a="http://schemas.openxmlformats.org/drawingml/2006/main" xmlns:p="http://schemas.openxmlformats.org/presentationml/2006/main" xmlns:r="http://schemas.openxmlformats.org/officeDocument/2006/relationships">
   <p:cSld>
     <p:spTree>
       <p:nvGrpSpPr>
@@ -5241,14 +4012,14 @@
       </p:grpSpPr>
       <p:sp>
         <p:nvSpPr>
-          <p:cNvPr id="115" name="CustomShape 1"/>
+          <p:cNvPr id="116" name="CustomShape 1"/>
           <p:cNvSpPr/>
           <p:nvPr/>
         </p:nvSpPr>
         <p:spPr>
           <a:xfrm>
-            <a:off x="3049560" y="576000"/>
-            <a:ext cx="6094440" cy="3656160"/>
+            <a:off x="2133720" y="685800"/>
+            <a:ext cx="6094080" cy="3655800"/>
           </a:xfrm>
           <a:prstGeom prst="rect">
             <a:avLst/>
@@ -5267,56 +4038,38 @@
         <p:txBody>
           <a:bodyPr lIns="90000" rIns="90000" tIns="45000" bIns="45000" anchor="ctr"/>
           <a:p>
-            <a:pPr marL="274320" indent="-254520">
+            <a:pPr>
               <a:lnSpc>
                 <a:spcPct val="100000"/>
               </a:lnSpc>
-              <a:buClr>
-                <a:srgbClr val="ffffff"/>
-              </a:buClr>
               <a:buSzPct val="60000"/>
               <a:buFont typeface="Wingdings" charset="2"/>
               <a:buChar char=""/>
             </a:pPr>
             <a:r>
-              <a:rPr b="0" lang="pt-BR" sz="2100" spc="-1" strike="noStrike">
+              <a:rPr lang="pt-BR" sz="2100" strike="noStrike">
                 <a:solidFill>
                   <a:srgbClr val="ffffff"/>
                 </a:solidFill>
-                <a:uFill>
-                  <a:solidFill>
-                    <a:srgbClr val="ffffff"/>
-                  </a:solidFill>
-                </a:uFill>
                 <a:latin typeface="Palatino Linotype"/>
                 <a:ea typeface="DejaVu Sans"/>
               </a:rPr>
-              <a:t>Tumblr &gt; Facebook</a:t>
+              <a:t>Talvez após o escândalo do Facebook algumas pessoas migrem para o Tumblr / Twitter, aumentando a visibilidade dessas redes sociais diferentes e mudando um pouco a rotina, deste monopólio que o Facebook tem se tornado</a:t>
             </a:r>
-            <a:endParaRPr b="0" lang="pt-BR" sz="1800" spc="-1" strike="noStrike">
-              <a:solidFill>
-                <a:srgbClr val="ffffff"/>
-              </a:solidFill>
-              <a:uFill>
-                <a:solidFill>
-                  <a:srgbClr val="ffffff"/>
-                </a:solidFill>
-              </a:uFill>
-              <a:latin typeface="Arial"/>
-            </a:endParaRPr>
-          </a:p>
-        </p:txBody>
-      </p:sp>
-      <p:sp>
-        <p:nvSpPr>
-          <p:cNvPr id="116" name="CustomShape 2"/>
+            <a:endParaRPr/>
+          </a:p>
+        </p:txBody>
+      </p:sp>
+      <p:sp>
+        <p:nvSpPr>
+          <p:cNvPr id="117" name="CustomShape 2"/>
           <p:cNvSpPr/>
           <p:nvPr/>
         </p:nvSpPr>
         <p:spPr>
           <a:xfrm>
             <a:off x="777240" y="4876920"/>
-            <a:ext cx="7542360" cy="912960"/>
+            <a:ext cx="7542000" cy="912600"/>
           </a:xfrm>
           <a:prstGeom prst="rect">
             <a:avLst/>
@@ -5332,6 +4085,27 @@
           <a:effectRef idx="0"/>
           <a:fontRef idx="minor"/>
         </p:style>
+        <p:txBody>
+          <a:bodyPr lIns="90000" rIns="90000" tIns="45000" bIns="45000" anchor="b"/>
+          <a:p>
+            <a:pPr>
+              <a:lnSpc>
+                <a:spcPct val="100000"/>
+              </a:lnSpc>
+            </a:pPr>
+            <a:r>
+              <a:rPr lang="pt-BR" sz="4900" strike="noStrike">
+                <a:solidFill>
+                  <a:srgbClr val="ffffff"/>
+                </a:solidFill>
+                <a:latin typeface="Palatino Linotype"/>
+                <a:ea typeface="DejaVu Sans"/>
+              </a:rPr>
+              <a:t>*Finalização</a:t>
+            </a:r>
+            <a:endParaRPr/>
+          </a:p>
+        </p:txBody>
       </p:sp>
     </p:spTree>
   </p:cSld>
@@ -5365,8 +4139,8 @@
 </p:sld>
 </file>
 
-<file path=ppt/slides/slide2.xml><?xml version="1.0" encoding="utf-8"?>
-<p:sld xmlns:a="http://schemas.openxmlformats.org/drawingml/2006/main" xmlns:p="http://schemas.openxmlformats.org/presentationml/2006/main" xmlns:r="http://schemas.openxmlformats.org/officeDocument/2006/relationships" xmlns:p14="http://schemas.microsoft.com/office/powerpoint/2010/main" xmlns:p15="http://schemas.microsoft.com/office/powerpoint/2012/main" xmlns:mc="http://schemas.openxmlformats.org/markup-compatibility/2006">
+<file path=ppt/slides/slide13.xml><?xml version="1.0" encoding="utf-8"?>
+<p:sld xmlns:a="http://schemas.openxmlformats.org/drawingml/2006/main" xmlns:p="http://schemas.openxmlformats.org/presentationml/2006/main" xmlns:r="http://schemas.openxmlformats.org/officeDocument/2006/relationships">
   <p:cSld>
     <p:spTree>
       <p:nvGrpSpPr>
@@ -5384,14 +4158,14 @@
       </p:grpSpPr>
       <p:sp>
         <p:nvSpPr>
-          <p:cNvPr id="91" name="CustomShape 1"/>
+          <p:cNvPr id="118" name="CustomShape 1"/>
           <p:cNvSpPr/>
           <p:nvPr/>
         </p:nvSpPr>
         <p:spPr>
           <a:xfrm>
-            <a:off x="1331640" y="548640"/>
-            <a:ext cx="6824520" cy="4895280"/>
+            <a:off x="2041920" y="808200"/>
+            <a:ext cx="6094080" cy="3655800"/>
           </a:xfrm>
           <a:prstGeom prst="rect">
             <a:avLst/>
@@ -5414,46 +4188,34 @@
               <a:lnSpc>
                 <a:spcPct val="100000"/>
               </a:lnSpc>
+              <a:buSzPct val="60000"/>
+              <a:buFont typeface="Wingdings" charset="2"/>
+              <a:buChar char=""/>
             </a:pPr>
             <a:r>
-              <a:rPr b="0" lang="pt-BR" sz="2100" spc="-1" strike="noStrike">
+              <a:rPr lang="pt-BR" sz="4000" strike="noStrike">
                 <a:solidFill>
                   <a:srgbClr val="ffffff"/>
                 </a:solidFill>
-                <a:uFill>
-                  <a:solidFill>
-                    <a:srgbClr val="ffffff"/>
-                  </a:solidFill>
-                </a:uFill>
                 <a:latin typeface="Palatino Linotype"/>
                 <a:ea typeface="DejaVu Sans"/>
               </a:rPr>
-              <a:t>*Tumblr é uma plataforma de blogging que permite aos usuários publicarem textos, imagens, vídeo, links, citações, áudio e "diálogos". A maioria dos posts feitos no Tumblr são textos curtos, mas a plataforma não chega a ser um sistema de microblog, estando em uma categoria intermediária entre os blogs de formato convencional Wordpress ou Blogger e o microblog Twitter. David decidiu fazer um intercâmbio para o Japão, época em que ele melhorou os seus conhecimentos sobre programação. Aos 21, ele voltou para os Estados Unidos e trabalhou em algumas empresas relacionadas à tecnologia, como a UrbanBaby e a CNET</a:t>
+              <a:t>Tumblr &gt; Facebook</a:t>
             </a:r>
-            <a:endParaRPr b="0" lang="pt-BR" sz="1800" spc="-1" strike="noStrike">
-              <a:solidFill>
-                <a:srgbClr val="ffffff"/>
-              </a:solidFill>
-              <a:uFill>
-                <a:solidFill>
-                  <a:srgbClr val="ffffff"/>
-                </a:solidFill>
-              </a:uFill>
-              <a:latin typeface="Arial"/>
-            </a:endParaRPr>
-          </a:p>
-        </p:txBody>
-      </p:sp>
-      <p:sp>
-        <p:nvSpPr>
-          <p:cNvPr id="92" name="CustomShape 2"/>
+            <a:endParaRPr/>
+          </a:p>
+        </p:txBody>
+      </p:sp>
+      <p:sp>
+        <p:nvSpPr>
+          <p:cNvPr id="119" name="CustomShape 2"/>
           <p:cNvSpPr/>
           <p:nvPr/>
         </p:nvSpPr>
         <p:spPr>
           <a:xfrm>
-            <a:off x="777240" y="5805360"/>
-            <a:ext cx="7542360" cy="934560"/>
+            <a:off x="777240" y="4876920"/>
+            <a:ext cx="7542000" cy="912600"/>
           </a:xfrm>
           <a:prstGeom prst="rect">
             <a:avLst/>
@@ -5469,8 +4231,103 @@
           <a:effectRef idx="0"/>
           <a:fontRef idx="minor"/>
         </p:style>
-        <p:txBody>
-          <a:bodyPr lIns="90000" rIns="90000" tIns="45000" bIns="45000" anchor="b"/>
+      </p:sp>
+      <p:sp>
+        <p:nvSpPr>
+          <p:cNvPr id="120" name="TextShape 3"/>
+          <p:cNvSpPr txBox="1"/>
+          <p:nvPr/>
+        </p:nvSpPr>
+        <p:spPr>
+          <a:xfrm>
+            <a:off x="2630880" y="2039040"/>
+            <a:ext cx="180720" cy="657720"/>
+          </a:xfrm>
+          <a:prstGeom prst="rect">
+            <a:avLst/>
+          </a:prstGeom>
+          <a:noFill/>
+          <a:ln>
+            <a:noFill/>
+          </a:ln>
+        </p:spPr>
+      </p:sp>
+    </p:spTree>
+  </p:cSld>
+  <p:timing>
+    <p:tnLst>
+      <p:par>
+        <p:cTn id="25" dur="indefinite" restart="never" nodeType="tmRoot">
+          <p:childTnLst>
+            <p:seq>
+              <p:cTn id="26" nodeType="mainSeq"/>
+              <p:prevCondLst>
+                <p:cond delay="0" evt="onPrev">
+                  <p:tgtEl>
+                    <p:sldTgt/>
+                  </p:tgtEl>
+                </p:cond>
+              </p:prevCondLst>
+              <p:nextCondLst>
+                <p:cond delay="0" evt="onNext">
+                  <p:tgtEl>
+                    <p:sldTgt/>
+                  </p:tgtEl>
+                </p:cond>
+              </p:nextCondLst>
+            </p:seq>
+          </p:childTnLst>
+        </p:cTn>
+      </p:par>
+    </p:tnLst>
+  </p:timing>
+</p:sld>
+</file>
+
+<file path=ppt/slides/slide2.xml><?xml version="1.0" encoding="utf-8"?>
+<p:sld xmlns:a="http://schemas.openxmlformats.org/drawingml/2006/main" xmlns:p="http://schemas.openxmlformats.org/presentationml/2006/main" xmlns:r="http://schemas.openxmlformats.org/officeDocument/2006/relationships">
+  <p:cSld>
+    <p:spTree>
+      <p:nvGrpSpPr>
+        <p:cNvPr id="1" name=""/>
+        <p:cNvGrpSpPr/>
+        <p:nvPr/>
+      </p:nvGrpSpPr>
+      <p:grpSpPr>
+        <a:xfrm>
+          <a:off x="0" y="0"/>
+          <a:ext cx="0" cy="0"/>
+          <a:chOff x="0" y="0"/>
+          <a:chExt cx="0" cy="0"/>
+        </a:xfrm>
+      </p:grpSpPr>
+      <p:sp>
+        <p:nvSpPr>
+          <p:cNvPr id="91" name="CustomShape 1"/>
+          <p:cNvSpPr/>
+          <p:nvPr/>
+        </p:nvSpPr>
+        <p:spPr>
+          <a:xfrm>
+            <a:off x="1331640" y="548640"/>
+            <a:ext cx="6824160" cy="4894920"/>
+          </a:xfrm>
+          <a:prstGeom prst="rect">
+            <a:avLst/>
+          </a:prstGeom>
+          <a:noFill/>
+          <a:ln>
+            <a:noFill/>
+          </a:ln>
+        </p:spPr>
+        <p:style>
+          <a:lnRef idx="0"/>
+          <a:fillRef idx="0"/>
+          <a:effectRef idx="0"/>
+          <a:fontRef idx="minor"/>
+        </p:style>
+        <p:txBody>
+          <a:bodyPr lIns="90000" rIns="90000" tIns="45000" bIns="45000" anchor="ctr"/>
           <a:p>
             <a:pPr>
               <a:lnSpc>
@@ -5478,31 +4335,63 @@
               </a:lnSpc>
             </a:pPr>
             <a:r>
-              <a:rPr b="0" lang="pt-BR" sz="4900" spc="-1" strike="noStrike">
+              <a:rPr lang="pt-BR" sz="2100" strike="noStrike">
                 <a:solidFill>
                   <a:srgbClr val="ffffff"/>
                 </a:solidFill>
-                <a:uFill>
-                  <a:solidFill>
-                    <a:srgbClr val="ffffff"/>
-                  </a:solidFill>
-                </a:uFill>
+                <a:latin typeface="Palatino Linotype"/>
+                <a:ea typeface="DejaVu Sans"/>
+              </a:rPr>
+              <a:t>*Tumblr é uma plataforma de blogging que permite aos usuários publicarem textos, imagens, vídeo, links, citações, áudio e "diálogos". A maioria dos posts feitos no Tumblr são textos curtos, mas a plataforma não chega a ser um sistema de microblog, estando em uma categoria intermediária entre os blogs de formato convencional Wordpress ou Blogger e o microblog Twitter.</a:t>
+            </a:r>
+            <a:endParaRPr/>
+          </a:p>
+        </p:txBody>
+      </p:sp>
+      <p:sp>
+        <p:nvSpPr>
+          <p:cNvPr id="92" name="CustomShape 2"/>
+          <p:cNvSpPr/>
+          <p:nvPr/>
+        </p:nvSpPr>
+        <p:spPr>
+          <a:xfrm>
+            <a:off x="777240" y="5805360"/>
+            <a:ext cx="7542000" cy="934200"/>
+          </a:xfrm>
+          <a:prstGeom prst="rect">
+            <a:avLst/>
+          </a:prstGeom>
+          <a:noFill/>
+          <a:ln>
+            <a:noFill/>
+          </a:ln>
+        </p:spPr>
+        <p:style>
+          <a:lnRef idx="0"/>
+          <a:fillRef idx="0"/>
+          <a:effectRef idx="0"/>
+          <a:fontRef idx="minor"/>
+        </p:style>
+        <p:txBody>
+          <a:bodyPr lIns="90000" rIns="90000" tIns="45000" bIns="45000" anchor="b"/>
+          <a:p>
+            <a:pPr>
+              <a:lnSpc>
+                <a:spcPct val="100000"/>
+              </a:lnSpc>
+            </a:pPr>
+            <a:r>
+              <a:rPr lang="pt-BR" sz="4900" strike="noStrike">
+                <a:solidFill>
+                  <a:srgbClr val="ffffff"/>
+                </a:solidFill>
                 <a:latin typeface="Palatino Linotype"/>
                 <a:ea typeface="DejaVu Sans"/>
               </a:rPr>
               <a:t>*O que é Tumblr</a:t>
             </a:r>
-            <a:endParaRPr b="0" lang="pt-BR" sz="1800" spc="-1" strike="noStrike">
-              <a:solidFill>
-                <a:srgbClr val="ffffff"/>
-              </a:solidFill>
-              <a:uFill>
-                <a:solidFill>
-                  <a:srgbClr val="ffffff"/>
-                </a:solidFill>
-              </a:uFill>
-              <a:latin typeface="Arial"/>
-            </a:endParaRPr>
+            <a:endParaRPr/>
           </a:p>
         </p:txBody>
       </p:sp>
@@ -5539,7 +4428,7 @@
 </file>
 
 <file path=ppt/slides/slide3.xml><?xml version="1.0" encoding="utf-8"?>
-<p:sld xmlns:a="http://schemas.openxmlformats.org/drawingml/2006/main" xmlns:p="http://schemas.openxmlformats.org/presentationml/2006/main" xmlns:r="http://schemas.openxmlformats.org/officeDocument/2006/relationships" xmlns:p14="http://schemas.microsoft.com/office/powerpoint/2010/main" xmlns:p15="http://schemas.microsoft.com/office/powerpoint/2012/main" xmlns:mc="http://schemas.openxmlformats.org/markup-compatibility/2006">
+<p:sld xmlns:a="http://schemas.openxmlformats.org/drawingml/2006/main" xmlns:p="http://schemas.openxmlformats.org/presentationml/2006/main" xmlns:r="http://schemas.openxmlformats.org/officeDocument/2006/relationships">
   <p:cSld>
     <p:spTree>
       <p:nvGrpSpPr>
@@ -5564,7 +4453,7 @@
         <p:spPr>
           <a:xfrm>
             <a:off x="2133720" y="685800"/>
-            <a:ext cx="6094440" cy="3656160"/>
+            <a:ext cx="6094080" cy="3655800"/>
           </a:xfrm>
           <a:prstGeom prst="rect">
             <a:avLst/>
@@ -5583,58 +4472,35 @@
         <p:txBody>
           <a:bodyPr lIns="90000" rIns="90000" tIns="45000" bIns="45000" anchor="ctr"/>
           <a:p>
-            <a:pPr marL="274320" indent="-254520">
+            <a:pPr>
               <a:lnSpc>
                 <a:spcPct val="100000"/>
               </a:lnSpc>
-              <a:buClr>
-                <a:srgbClr val="ffffff"/>
-              </a:buClr>
               <a:buSzPct val="60000"/>
               <a:buFont typeface="Wingdings" charset="2"/>
               <a:buChar char=""/>
             </a:pPr>
             <a:r>
-              <a:rPr b="0" lang="pt-BR" sz="2100" spc="-1" strike="noStrike">
+              <a:rPr lang="pt-BR" sz="2100" strike="noStrike">
                 <a:solidFill>
                   <a:srgbClr val="ffffff"/>
                 </a:solidFill>
-                <a:uFill>
-                  <a:solidFill>
-                    <a:srgbClr val="ffffff"/>
-                  </a:solidFill>
-                </a:uFill>
                 <a:latin typeface="Palatino Linotype"/>
                 <a:ea typeface="DejaVu Sans"/>
               </a:rPr>
               <a:t> </a:t>
             </a:r>
             <a:r>
-              <a:rPr b="0" lang="pt-BR" sz="2100" spc="-1" strike="noStrike">
+              <a:rPr lang="pt-BR" sz="2100" strike="noStrike">
                 <a:solidFill>
                   <a:srgbClr val="ffffff"/>
                 </a:solidFill>
-                <a:uFill>
-                  <a:solidFill>
-                    <a:srgbClr val="ffffff"/>
-                  </a:solidFill>
-                </a:uFill>
                 <a:latin typeface="Palatino Linotype"/>
                 <a:ea typeface="DejaVu Sans"/>
               </a:rPr>
               <a:t>David decidiu fazer um intercâmbio para o Japão, época em que ele melhorou os seus conhecimentos sobre programação. Aos 21, ele voltou para os Estados Unidos e trabalhou em algumas empresas relacionadas à tecnologia, como a UrbanBaby e a CNET</a:t>
             </a:r>
-            <a:endParaRPr b="0" lang="pt-BR" sz="1800" spc="-1" strike="noStrike">
-              <a:solidFill>
-                <a:srgbClr val="ffffff"/>
-              </a:solidFill>
-              <a:uFill>
-                <a:solidFill>
-                  <a:srgbClr val="ffffff"/>
-                </a:solidFill>
-              </a:uFill>
-              <a:latin typeface="Arial"/>
-            </a:endParaRPr>
+            <a:endParaRPr/>
           </a:p>
         </p:txBody>
       </p:sp>
@@ -5647,7 +4513,7 @@
         <p:spPr>
           <a:xfrm>
             <a:off x="777240" y="4876920"/>
-            <a:ext cx="7542360" cy="912960"/>
+            <a:ext cx="7542000" cy="912600"/>
           </a:xfrm>
           <a:prstGeom prst="rect">
             <a:avLst/>
@@ -5663,6 +4529,50 @@
           <a:effectRef idx="0"/>
           <a:fontRef idx="minor"/>
         </p:style>
+      </p:sp>
+      <p:sp>
+        <p:nvSpPr>
+          <p:cNvPr id="95" name="TextShape 3"/>
+          <p:cNvSpPr txBox="1"/>
+          <p:nvPr/>
+        </p:nvSpPr>
+        <p:spPr>
+          <a:xfrm>
+            <a:off x="360000" y="5832000"/>
+            <a:ext cx="7704000" cy="1119240"/>
+          </a:xfrm>
+          <a:prstGeom prst="rect">
+            <a:avLst/>
+          </a:prstGeom>
+          <a:noFill/>
+          <a:ln>
+            <a:noFill/>
+          </a:ln>
+        </p:spPr>
+        <p:txBody>
+          <a:bodyPr lIns="90000" rIns="90000" tIns="45000" bIns="45000"/>
+          <a:p>
+            <a:r>
+              <a:rPr lang="pt-BR" sz="6000">
+                <a:latin typeface="Arial"/>
+              </a:rPr>
+              <a:t>  </a:t>
+            </a:r>
+            <a:r>
+              <a:rPr lang="pt-BR" sz="6000">
+                <a:latin typeface="Palatino Linotype"/>
+              </a:rPr>
+              <a:t>*</a:t>
+            </a:r>
+            <a:r>
+              <a:rPr lang="pt-BR" sz="4800">
+                <a:latin typeface="Palatino Linotype"/>
+              </a:rPr>
+              <a:t>Historia</a:t>
+            </a:r>
+            <a:endParaRPr/>
+          </a:p>
+        </p:txBody>
       </p:sp>
     </p:spTree>
   </p:cSld>
@@ -5697,7 +4607,7 @@
 </file>
 
 <file path=ppt/slides/slide4.xml><?xml version="1.0" encoding="utf-8"?>
-<p:sld xmlns:a="http://schemas.openxmlformats.org/drawingml/2006/main" xmlns:p="http://schemas.openxmlformats.org/presentationml/2006/main" xmlns:r="http://schemas.openxmlformats.org/officeDocument/2006/relationships" xmlns:p14="http://schemas.microsoft.com/office/powerpoint/2010/main" xmlns:p15="http://schemas.microsoft.com/office/powerpoint/2012/main" xmlns:mc="http://schemas.openxmlformats.org/markup-compatibility/2006">
+<p:sld xmlns:a="http://schemas.openxmlformats.org/drawingml/2006/main" xmlns:p="http://schemas.openxmlformats.org/presentationml/2006/main" xmlns:r="http://schemas.openxmlformats.org/officeDocument/2006/relationships">
   <p:cSld>
     <p:spTree>
       <p:nvGrpSpPr>
@@ -5715,14 +4625,14 @@
       </p:grpSpPr>
       <p:sp>
         <p:nvSpPr>
-          <p:cNvPr id="95" name="CustomShape 1"/>
+          <p:cNvPr id="96" name="CustomShape 1"/>
           <p:cNvSpPr/>
           <p:nvPr/>
         </p:nvSpPr>
         <p:spPr>
           <a:xfrm>
             <a:off x="1115640" y="620640"/>
-            <a:ext cx="7112520" cy="4895280"/>
+            <a:ext cx="7112160" cy="4894920"/>
           </a:xfrm>
           <a:prstGeom prst="rect">
             <a:avLst/>
@@ -5741,170 +4651,38 @@
         <p:txBody>
           <a:bodyPr lIns="90000" rIns="90000" tIns="45000" bIns="45000" anchor="ctr"/>
           <a:p>
-            <a:pPr marL="274320" indent="-254520">
+            <a:pPr>
               <a:lnSpc>
                 <a:spcPct val="100000"/>
               </a:lnSpc>
-              <a:buClr>
-                <a:srgbClr val="ffffff"/>
-              </a:buClr>
               <a:buSzPct val="60000"/>
               <a:buFont typeface="Wingdings" charset="2"/>
               <a:buChar char=""/>
             </a:pPr>
             <a:r>
-              <a:rPr b="0" lang="pt-BR" sz="2100" spc="-1" strike="noStrike">
+              <a:rPr lang="pt-BR" strike="noStrike">
                 <a:solidFill>
                   <a:srgbClr val="ffffff"/>
                 </a:solidFill>
-                <a:uFill>
-                  <a:solidFill>
-                    <a:srgbClr val="ffffff"/>
-                  </a:solidFill>
-                </a:uFill>
                 <a:latin typeface="Palatino Linotype"/>
                 <a:ea typeface="DejaVu Sans"/>
               </a:rPr>
-              <a:t>A plataforma foi inicialmente desenvolvida em 1992 pelo francês Thomas Müller. O Tumblr foi depois fundado, comercialmente, em 2007 por David Karp e Marco Arment.[2] Setenta e cinco mil blogueiros que utilizavam outros sistemas logo mudaram para a plataforma, e desde então o serviço recebeu mais de 3 milhões de usuários. Em 2009, adquiriu o aplicativo "Tumblerette" para iPhone, criado por Jeff Rock e Garrett Ross.[3] Em 17 de março de 2010, foi anunciado que o site estaria acessível a partir de então em smartphones BlackBerry através de um aplicativo criado por Mobelux. Em 17 de abril de 2010, o aplicativo foi disponibilizado no BlackBerry App World. Atualmente já existe disponível também o aplicativo para aparelhos com Android e Windows Phone.</a:t>
+              <a:t>A plataforma foi inicialmente desenvolvida em 1992 pelo francês Thomas Müller. O Tumblr foi depois fundado, comercialmente, em 2007 por David Karp e Marco Arment. Setenta e cinco mil blogueiros que utilizavam outros sistemas logo mudaram para a plataforma, e desde então o serviço recebeu mais de 3 milhões de usuários. Em 2009, adquiriu o aplicativo "Tumblerette" para iPhone, criado por Jeff Rock e Garrett Ross. Em 17 de março de 2010, foi anunciado que o site estaria acessível a partir de então em smartphones BlackBerry através de um aplicativo criado por Mobelux. Em 17 de abril de 2010, o aplicativo foi disponibilizado no BlackBerry App World. Atualmente já existe disponível também o aplicativo para aparelhos com Android e Windows Phone.</a:t>
             </a:r>
-            <a:endParaRPr b="0" lang="pt-BR" sz="1800" spc="-1" strike="noStrike">
-              <a:solidFill>
-                <a:srgbClr val="ffffff"/>
-              </a:solidFill>
-              <a:uFill>
-                <a:solidFill>
-                  <a:srgbClr val="ffffff"/>
-                </a:solidFill>
-              </a:uFill>
-              <a:latin typeface="Arial"/>
-            </a:endParaRPr>
-          </a:p>
-          <a:p>
-            <a:pPr>
-              <a:lnSpc>
-                <a:spcPct val="100000"/>
-              </a:lnSpc>
-            </a:pPr>
-            <a:endParaRPr b="0" lang="pt-BR" sz="1800" spc="-1" strike="noStrike">
-              <a:solidFill>
-                <a:srgbClr val="ffffff"/>
-              </a:solidFill>
-              <a:uFill>
-                <a:solidFill>
-                  <a:srgbClr val="ffffff"/>
-                </a:solidFill>
-              </a:uFill>
-              <a:latin typeface="Arial"/>
-            </a:endParaRPr>
-          </a:p>
-          <a:p>
-            <a:pPr marL="274320" indent="-254520">
-              <a:lnSpc>
-                <a:spcPct val="100000"/>
-              </a:lnSpc>
-              <a:buClr>
-                <a:srgbClr val="ffffff"/>
-              </a:buClr>
-              <a:buSzPct val="60000"/>
-              <a:buFont typeface="Wingdings" charset="2"/>
-              <a:buChar char=""/>
-            </a:pPr>
-            <a:r>
-              <a:rPr b="0" lang="pt-BR" sz="2100" spc="-1" strike="noStrike">
-                <a:solidFill>
-                  <a:srgbClr val="ffffff"/>
-                </a:solidFill>
-                <a:uFill>
-                  <a:solidFill>
-                    <a:srgbClr val="ffffff"/>
-                  </a:solidFill>
-                </a:uFill>
-                <a:latin typeface="Palatino Linotype"/>
-                <a:ea typeface="DejaVu Sans"/>
-              </a:rPr>
-              <a:t>Em 18 de maio de 2011, o Tumblr contabilizava mais de 4,2 bilhões de publicações e aproximadamente 19 milhões de blogs.[4] No começo de junho de 2011 o visual da Dashboard ganhou várias novas funcionalidades e um novo design, como responder mensagens de modo particular[5] (a resposta pode ser vista apenas pelo usuário que perguntou dentro de sua "Inbox") e alguns painéis de configurações foram mudados de lugar para que se tornasse mais fácil e prático.</a:t>
-            </a:r>
-            <a:endParaRPr b="0" lang="pt-BR" sz="1800" spc="-1" strike="noStrike">
-              <a:solidFill>
-                <a:srgbClr val="ffffff"/>
-              </a:solidFill>
-              <a:uFill>
-                <a:solidFill>
-                  <a:srgbClr val="ffffff"/>
-                </a:solidFill>
-              </a:uFill>
-              <a:latin typeface="Arial"/>
-            </a:endParaRPr>
-          </a:p>
-          <a:p>
-            <a:pPr>
-              <a:lnSpc>
-                <a:spcPct val="100000"/>
-              </a:lnSpc>
-            </a:pPr>
-            <a:endParaRPr b="0" lang="pt-BR" sz="1800" spc="-1" strike="noStrike">
-              <a:solidFill>
-                <a:srgbClr val="ffffff"/>
-              </a:solidFill>
-              <a:uFill>
-                <a:solidFill>
-                  <a:srgbClr val="ffffff"/>
-                </a:solidFill>
-              </a:uFill>
-              <a:latin typeface="Arial"/>
-            </a:endParaRPr>
-          </a:p>
-          <a:p>
-            <a:pPr marL="274320" indent="-254520">
-              <a:lnSpc>
-                <a:spcPct val="100000"/>
-              </a:lnSpc>
-              <a:buClr>
-                <a:srgbClr val="ffffff"/>
-              </a:buClr>
-              <a:buSzPct val="60000"/>
-              <a:buFont typeface="Wingdings" charset="2"/>
-              <a:buChar char=""/>
-            </a:pPr>
-            <a:r>
-              <a:rPr b="0" lang="pt-BR" sz="2100" spc="-1" strike="noStrike">
-                <a:solidFill>
-                  <a:srgbClr val="ffffff"/>
-                </a:solidFill>
-                <a:uFill>
-                  <a:solidFill>
-                    <a:srgbClr val="ffffff"/>
-                  </a:solidFill>
-                </a:uFill>
-                <a:latin typeface="Palatino Linotype"/>
-                <a:ea typeface="DejaVu Sans"/>
-              </a:rPr>
-              <a:t>No dia 9 de setembro de 2011, o site alcançou a marca de 10 bilhões de posts exclusivos (sem contar reblogs). O feito foi comemorado com uma chuva de confetes na Dashboard. Para quem perdeu a cena, ela pode ser revista no YouTube. Foi comprado pelo Yahoo! em maio de 2013, por US$ 1,1 bilhão</a:t>
-            </a:r>
-            <a:endParaRPr b="0" lang="pt-BR" sz="1800" spc="-1" strike="noStrike">
-              <a:solidFill>
-                <a:srgbClr val="ffffff"/>
-              </a:solidFill>
-              <a:uFill>
-                <a:solidFill>
-                  <a:srgbClr val="ffffff"/>
-                </a:solidFill>
-              </a:uFill>
-              <a:latin typeface="Arial"/>
-            </a:endParaRPr>
-          </a:p>
-        </p:txBody>
-      </p:sp>
-      <p:sp>
-        <p:nvSpPr>
-          <p:cNvPr id="96" name="CustomShape 2"/>
+            <a:endParaRPr/>
+          </a:p>
+        </p:txBody>
+      </p:sp>
+      <p:sp>
+        <p:nvSpPr>
+          <p:cNvPr id="97" name="CustomShape 2"/>
           <p:cNvSpPr/>
           <p:nvPr/>
         </p:nvSpPr>
         <p:spPr>
           <a:xfrm>
             <a:off x="777240" y="5805360"/>
-            <a:ext cx="7542360" cy="934560"/>
+            <a:ext cx="7542000" cy="934200"/>
           </a:xfrm>
           <a:prstGeom prst="rect">
             <a:avLst/>
@@ -5929,31 +4707,16 @@
               </a:lnSpc>
             </a:pPr>
             <a:r>
-              <a:rPr b="0" lang="pt-BR" sz="4900" spc="-1" strike="noStrike">
+              <a:rPr lang="pt-BR" sz="4900" strike="noStrike">
                 <a:solidFill>
                   <a:srgbClr val="ffffff"/>
                 </a:solidFill>
-                <a:uFill>
-                  <a:solidFill>
-                    <a:srgbClr val="ffffff"/>
-                  </a:solidFill>
-                </a:uFill>
                 <a:latin typeface="Palatino Linotype"/>
                 <a:ea typeface="DejaVu Sans"/>
               </a:rPr>
               <a:t>*História</a:t>
             </a:r>
-            <a:endParaRPr b="0" lang="pt-BR" sz="1800" spc="-1" strike="noStrike">
-              <a:solidFill>
-                <a:srgbClr val="ffffff"/>
-              </a:solidFill>
-              <a:uFill>
-                <a:solidFill>
-                  <a:srgbClr val="ffffff"/>
-                </a:solidFill>
-              </a:uFill>
-              <a:latin typeface="Arial"/>
-            </a:endParaRPr>
+            <a:endParaRPr/>
           </a:p>
         </p:txBody>
       </p:sp>
@@ -5990,7 +4753,7 @@
 </file>
 
 <file path=ppt/slides/slide5.xml><?xml version="1.0" encoding="utf-8"?>
-<p:sld xmlns:a="http://schemas.openxmlformats.org/drawingml/2006/main" xmlns:p="http://schemas.openxmlformats.org/presentationml/2006/main" xmlns:r="http://schemas.openxmlformats.org/officeDocument/2006/relationships" xmlns:p14="http://schemas.microsoft.com/office/powerpoint/2010/main" xmlns:p15="http://schemas.microsoft.com/office/powerpoint/2012/main" xmlns:mc="http://schemas.openxmlformats.org/markup-compatibility/2006">
+<p:sld xmlns:a="http://schemas.openxmlformats.org/drawingml/2006/main" xmlns:p="http://schemas.openxmlformats.org/presentationml/2006/main" xmlns:r="http://schemas.openxmlformats.org/officeDocument/2006/relationships">
   <p:cSld>
     <p:spTree>
       <p:nvGrpSpPr>
@@ -6008,14 +4771,14 @@
       </p:grpSpPr>
       <p:sp>
         <p:nvSpPr>
-          <p:cNvPr id="97" name="CustomShape 1"/>
+          <p:cNvPr id="98" name="CustomShape 1"/>
           <p:cNvSpPr/>
           <p:nvPr/>
         </p:nvSpPr>
         <p:spPr>
           <a:xfrm>
-            <a:off x="2133720" y="685800"/>
-            <a:ext cx="6094440" cy="3656160"/>
+            <a:off x="1115640" y="620640"/>
+            <a:ext cx="7112160" cy="4894920"/>
           </a:xfrm>
           <a:prstGeom prst="rect">
             <a:avLst/>
@@ -6034,290 +4797,86 @@
         <p:txBody>
           <a:bodyPr lIns="90000" rIns="90000" tIns="45000" bIns="45000" anchor="ctr"/>
           <a:p>
-            <a:pPr marL="274320" indent="-254520">
+            <a:pPr>
               <a:lnSpc>
                 <a:spcPct val="100000"/>
               </a:lnSpc>
-              <a:buClr>
-                <a:srgbClr val="ffffff"/>
-              </a:buClr>
+              <a:buSzPct val="60000"/>
+              <a:buFont typeface="Wingdings" charset="2"/>
+              <a:buChar char=""/>
+            </a:pPr>
+            <a:endParaRPr/>
+          </a:p>
+          <a:p>
+            <a:pPr>
+              <a:lnSpc>
+                <a:spcPct val="100000"/>
+              </a:lnSpc>
+            </a:pPr>
+            <a:endParaRPr/>
+          </a:p>
+          <a:p>
+            <a:pPr>
+              <a:lnSpc>
+                <a:spcPct val="100000"/>
+              </a:lnSpc>
               <a:buSzPct val="60000"/>
               <a:buFont typeface="Wingdings" charset="2"/>
               <a:buChar char=""/>
             </a:pPr>
             <a:r>
-              <a:rPr b="0" lang="pt-BR" sz="2100" spc="-1" strike="noStrike">
+              <a:rPr lang="pt-BR" strike="noStrike">
                 <a:solidFill>
                   <a:srgbClr val="ffffff"/>
                 </a:solidFill>
-                <a:uFill>
-                  <a:solidFill>
-                    <a:srgbClr val="ffffff"/>
-                  </a:solidFill>
-                </a:uFill>
                 <a:latin typeface="Palatino Linotype"/>
                 <a:ea typeface="DejaVu Sans"/>
               </a:rPr>
-              <a:t>Fundo preto no tumblr</a:t>
+              <a:t>Em 18 de maio de 2011, o Tumblr contabilizava mais de 4,2 bilhões de publicações e aproximadamente 19 milhões de blogs. No começo de junho de 2011 o visual da Dashboard ganhou várias novas funcionalidades e um novo design, como responder mensagens de modo particular (a resposta pode ser vista apenas pelo usuário que perguntou dentro de sua "Inbox") e alguns painéis de configurações foram mudados de lugar para que se tornasse mais fácil e prático.</a:t>
             </a:r>
-            <a:endParaRPr b="0" lang="pt-BR" sz="1800" spc="-1" strike="noStrike">
-              <a:solidFill>
-                <a:srgbClr val="ffffff"/>
-              </a:solidFill>
-              <a:uFill>
-                <a:solidFill>
-                  <a:srgbClr val="ffffff"/>
-                </a:solidFill>
-              </a:uFill>
-              <a:latin typeface="Arial"/>
-            </a:endParaRPr>
-          </a:p>
-          <a:p>
-            <a:pPr marL="274320" indent="-254520">
+            <a:endParaRPr/>
+          </a:p>
+          <a:p>
+            <a:pPr>
               <a:lnSpc>
                 <a:spcPct val="100000"/>
               </a:lnSpc>
-              <a:buClr>
-                <a:srgbClr val="ffffff"/>
-              </a:buClr>
+            </a:pPr>
+            <a:endParaRPr/>
+          </a:p>
+          <a:p>
+            <a:pPr>
+              <a:lnSpc>
+                <a:spcPct val="100000"/>
+              </a:lnSpc>
               <a:buSzPct val="60000"/>
               <a:buFont typeface="Wingdings" charset="2"/>
               <a:buChar char=""/>
             </a:pPr>
             <a:r>
-              <a:rPr b="0" lang="pt-BR" sz="2100" spc="-1" strike="noStrike">
+              <a:rPr lang="pt-BR" strike="noStrike">
                 <a:solidFill>
                   <a:srgbClr val="ffffff"/>
                 </a:solidFill>
-                <a:uFill>
-                  <a:solidFill>
-                    <a:srgbClr val="ffffff"/>
-                  </a:solidFill>
-                </a:uFill>
                 <a:latin typeface="Palatino Linotype"/>
                 <a:ea typeface="DejaVu Sans"/>
               </a:rPr>
-              <a:t> </a:t>
+              <a:t>No dia 9 de setembro de 2011, o site alcançou a marca de 10 bilhões de posts exclusivos (sem contar reblogs). O feito foi comemorado com uma chuva de confetes na Dashboard. Para quem perdeu a cena, ela pode ser revista no YouTube. Foi comprado pelo Yahoo! em maio de 2013, por US$ 1,1 bilhão</a:t>
             </a:r>
-            <a:endParaRPr b="0" lang="pt-BR" sz="1800" spc="-1" strike="noStrike">
-              <a:solidFill>
-                <a:srgbClr val="ffffff"/>
-              </a:solidFill>
-              <a:uFill>
-                <a:solidFill>
-                  <a:srgbClr val="ffffff"/>
-                </a:solidFill>
-              </a:uFill>
-              <a:latin typeface="Arial"/>
-            </a:endParaRPr>
-          </a:p>
-          <a:p>
-            <a:pPr marL="274320" indent="-254520">
-              <a:lnSpc>
-                <a:spcPct val="100000"/>
-              </a:lnSpc>
-              <a:buClr>
-                <a:srgbClr val="ffffff"/>
-              </a:buClr>
-              <a:buSzPct val="60000"/>
-              <a:buFont typeface="Wingdings" charset="2"/>
-              <a:buChar char=""/>
-            </a:pPr>
-            <a:r>
-              <a:rPr b="0" lang="pt-BR" sz="2100" spc="-1" strike="noStrike">
-                <a:solidFill>
-                  <a:srgbClr val="ffffff"/>
-                </a:solidFill>
-                <a:uFill>
-                  <a:solidFill>
-                    <a:srgbClr val="ffffff"/>
-                  </a:solidFill>
-                </a:uFill>
-                <a:latin typeface="Palatino Linotype"/>
-                <a:ea typeface="DejaVu Sans"/>
-              </a:rPr>
-              <a:t>Imagens bonitas pra colocar de papel de parede</a:t>
-            </a:r>
-            <a:endParaRPr b="0" lang="pt-BR" sz="1800" spc="-1" strike="noStrike">
-              <a:solidFill>
-                <a:srgbClr val="ffffff"/>
-              </a:solidFill>
-              <a:uFill>
-                <a:solidFill>
-                  <a:srgbClr val="ffffff"/>
-                </a:solidFill>
-              </a:uFill>
-              <a:latin typeface="Arial"/>
-            </a:endParaRPr>
-          </a:p>
-          <a:p>
-            <a:pPr marL="274320" indent="-254520">
-              <a:lnSpc>
-                <a:spcPct val="100000"/>
-              </a:lnSpc>
-              <a:buClr>
-                <a:srgbClr val="ffffff"/>
-              </a:buClr>
-              <a:buSzPct val="60000"/>
-              <a:buFont typeface="Wingdings" charset="2"/>
-              <a:buChar char=""/>
-            </a:pPr>
-            <a:r>
-              <a:rPr b="0" lang="pt-BR" sz="2100" spc="-1" strike="noStrike">
-                <a:solidFill>
-                  <a:srgbClr val="ffffff"/>
-                </a:solidFill>
-                <a:uFill>
-                  <a:solidFill>
-                    <a:srgbClr val="ffffff"/>
-                  </a:solidFill>
-                </a:uFill>
-                <a:latin typeface="Palatino Linotype"/>
-                <a:ea typeface="DejaVu Sans"/>
-              </a:rPr>
-              <a:t> </a:t>
-            </a:r>
-            <a:endParaRPr b="0" lang="pt-BR" sz="1800" spc="-1" strike="noStrike">
-              <a:solidFill>
-                <a:srgbClr val="ffffff"/>
-              </a:solidFill>
-              <a:uFill>
-                <a:solidFill>
-                  <a:srgbClr val="ffffff"/>
-                </a:solidFill>
-              </a:uFill>
-              <a:latin typeface="Arial"/>
-            </a:endParaRPr>
-          </a:p>
-          <a:p>
-            <a:pPr marL="274320" indent="-254520">
-              <a:lnSpc>
-                <a:spcPct val="100000"/>
-              </a:lnSpc>
-              <a:buClr>
-                <a:srgbClr val="ffffff"/>
-              </a:buClr>
-              <a:buSzPct val="60000"/>
-              <a:buFont typeface="Wingdings" charset="2"/>
-              <a:buChar char=""/>
-            </a:pPr>
-            <a:r>
-              <a:rPr b="0" lang="pt-BR" sz="2100" spc="-1" strike="noStrike">
-                <a:solidFill>
-                  <a:srgbClr val="ffffff"/>
-                </a:solidFill>
-                <a:uFill>
-                  <a:solidFill>
-                    <a:srgbClr val="ffffff"/>
-                  </a:solidFill>
-                </a:uFill>
-                <a:latin typeface="Palatino Linotype"/>
-                <a:ea typeface="DejaVu Sans"/>
-              </a:rPr>
-              <a:t>Pessoas legais postando coisas legais</a:t>
-            </a:r>
-            <a:endParaRPr b="0" lang="pt-BR" sz="1800" spc="-1" strike="noStrike">
-              <a:solidFill>
-                <a:srgbClr val="ffffff"/>
-              </a:solidFill>
-              <a:uFill>
-                <a:solidFill>
-                  <a:srgbClr val="ffffff"/>
-                </a:solidFill>
-              </a:uFill>
-              <a:latin typeface="Arial"/>
-            </a:endParaRPr>
-          </a:p>
-          <a:p>
-            <a:pPr marL="274320" indent="-254520">
-              <a:lnSpc>
-                <a:spcPct val="100000"/>
-              </a:lnSpc>
-              <a:buClr>
-                <a:srgbClr val="ffffff"/>
-              </a:buClr>
-              <a:buSzPct val="60000"/>
-              <a:buFont typeface="Wingdings" charset="2"/>
-              <a:buChar char=""/>
-            </a:pPr>
-            <a:r>
-              <a:rPr b="0" lang="pt-BR" sz="2100" spc="-1" strike="noStrike">
-                <a:solidFill>
-                  <a:srgbClr val="ffffff"/>
-                </a:solidFill>
-                <a:uFill>
-                  <a:solidFill>
-                    <a:srgbClr val="ffffff"/>
-                  </a:solidFill>
-                </a:uFill>
-                <a:latin typeface="Palatino Linotype"/>
-                <a:ea typeface="DejaVu Sans"/>
-              </a:rPr>
-              <a:t> </a:t>
-            </a:r>
-            <a:endParaRPr b="0" lang="pt-BR" sz="1800" spc="-1" strike="noStrike">
-              <a:solidFill>
-                <a:srgbClr val="ffffff"/>
-              </a:solidFill>
-              <a:uFill>
-                <a:solidFill>
-                  <a:srgbClr val="ffffff"/>
-                </a:solidFill>
-              </a:uFill>
-              <a:latin typeface="Arial"/>
-            </a:endParaRPr>
-          </a:p>
-          <a:p>
-            <a:pPr marL="274320" indent="-254520">
-              <a:lnSpc>
-                <a:spcPct val="100000"/>
-              </a:lnSpc>
-              <a:buClr>
-                <a:srgbClr val="ffffff"/>
-              </a:buClr>
-              <a:buSzPct val="60000"/>
-              <a:buFont typeface="Wingdings" charset="2"/>
-              <a:buChar char=""/>
-            </a:pPr>
-            <a:r>
-              <a:rPr b="0" lang="pt-BR" sz="2100" spc="-1" strike="noStrike">
-                <a:solidFill>
-                  <a:srgbClr val="ffffff"/>
-                </a:solidFill>
-                <a:uFill>
-                  <a:solidFill>
-                    <a:srgbClr val="ffffff"/>
-                  </a:solidFill>
-                </a:uFill>
-                <a:latin typeface="Palatino Linotype"/>
-                <a:ea typeface="DejaVu Sans"/>
-              </a:rPr>
-              <a:t>Praticamente não tem noticias falsas e chatas e também não tem tantos anuncios como facebook</a:t>
-            </a:r>
-            <a:endParaRPr b="0" lang="pt-BR" sz="1800" spc="-1" strike="noStrike">
-              <a:solidFill>
-                <a:srgbClr val="ffffff"/>
-              </a:solidFill>
-              <a:uFill>
-                <a:solidFill>
-                  <a:srgbClr val="ffffff"/>
-                </a:solidFill>
-              </a:uFill>
-              <a:latin typeface="Arial"/>
-            </a:endParaRPr>
-          </a:p>
-        </p:txBody>
-      </p:sp>
-      <p:sp>
-        <p:nvSpPr>
-          <p:cNvPr id="98" name="CustomShape 2"/>
+            <a:endParaRPr/>
+          </a:p>
+        </p:txBody>
+      </p:sp>
+      <p:sp>
+        <p:nvSpPr>
+          <p:cNvPr id="99" name="CustomShape 2"/>
           <p:cNvSpPr/>
           <p:nvPr/>
         </p:nvSpPr>
         <p:spPr>
           <a:xfrm>
-            <a:off x="777240" y="4876920"/>
-            <a:ext cx="7542360" cy="912960"/>
+            <a:off x="777240" y="5805360"/>
+            <a:ext cx="7542000" cy="934200"/>
           </a:xfrm>
           <a:prstGeom prst="rect">
             <a:avLst/>
@@ -6342,31 +4901,16 @@
               </a:lnSpc>
             </a:pPr>
             <a:r>
-              <a:rPr b="0" lang="pt-BR" sz="4900" spc="-1" strike="noStrike">
+              <a:rPr lang="pt-BR" sz="4900" strike="noStrike">
                 <a:solidFill>
                   <a:srgbClr val="ffffff"/>
                 </a:solidFill>
-                <a:uFill>
-                  <a:solidFill>
-                    <a:srgbClr val="ffffff"/>
-                  </a:solidFill>
-                </a:uFill>
                 <a:latin typeface="Palatino Linotype"/>
                 <a:ea typeface="DejaVu Sans"/>
               </a:rPr>
-              <a:t>*Vantagens do tumblr</a:t>
+              <a:t>*História</a:t>
             </a:r>
-            <a:endParaRPr b="0" lang="pt-BR" sz="1800" spc="-1" strike="noStrike">
-              <a:solidFill>
-                <a:srgbClr val="ffffff"/>
-              </a:solidFill>
-              <a:uFill>
-                <a:solidFill>
-                  <a:srgbClr val="ffffff"/>
-                </a:solidFill>
-              </a:uFill>
-              <a:latin typeface="Arial"/>
-            </a:endParaRPr>
+            <a:endParaRPr/>
           </a:p>
         </p:txBody>
       </p:sp>
@@ -6403,7 +4947,7 @@
 </file>
 
 <file path=ppt/slides/slide6.xml><?xml version="1.0" encoding="utf-8"?>
-<p:sld xmlns:a="http://schemas.openxmlformats.org/drawingml/2006/main" xmlns:p="http://schemas.openxmlformats.org/presentationml/2006/main" xmlns:r="http://schemas.openxmlformats.org/officeDocument/2006/relationships" xmlns:p14="http://schemas.microsoft.com/office/powerpoint/2010/main" xmlns:p15="http://schemas.microsoft.com/office/powerpoint/2012/main" xmlns:mc="http://schemas.openxmlformats.org/markup-compatibility/2006">
+<p:sld xmlns:a="http://schemas.openxmlformats.org/drawingml/2006/main" xmlns:p="http://schemas.openxmlformats.org/presentationml/2006/main" xmlns:r="http://schemas.openxmlformats.org/officeDocument/2006/relationships">
   <p:cSld>
     <p:spTree>
       <p:nvGrpSpPr>
@@ -6421,14 +4965,14 @@
       </p:grpSpPr>
       <p:sp>
         <p:nvSpPr>
-          <p:cNvPr id="99" name="CustomShape 1"/>
+          <p:cNvPr id="100" name="CustomShape 1"/>
           <p:cNvSpPr/>
           <p:nvPr/>
         </p:nvSpPr>
         <p:spPr>
           <a:xfrm>
             <a:off x="2133720" y="685800"/>
-            <a:ext cx="6094440" cy="3656160"/>
+            <a:ext cx="6094080" cy="3655800"/>
           </a:xfrm>
           <a:prstGeom prst="rect">
             <a:avLst/>
@@ -6447,290 +4991,101 @@
         <p:txBody>
           <a:bodyPr lIns="90000" rIns="90000" tIns="45000" bIns="45000" anchor="ctr"/>
           <a:p>
-            <a:pPr marL="274320" indent="-254520">
+            <a:pPr>
               <a:lnSpc>
                 <a:spcPct val="100000"/>
               </a:lnSpc>
-              <a:buClr>
-                <a:srgbClr val="ffffff"/>
-              </a:buClr>
               <a:buSzPct val="60000"/>
               <a:buFont typeface="Wingdings" charset="2"/>
               <a:buChar char=""/>
             </a:pPr>
             <a:r>
-              <a:rPr b="0" lang="pt-BR" sz="2100" spc="-1" strike="noStrike">
+              <a:rPr lang="pt-BR" sz="2000" strike="noStrike">
                 <a:solidFill>
                   <a:srgbClr val="ffffff"/>
                 </a:solidFill>
-                <a:uFill>
-                  <a:solidFill>
-                    <a:srgbClr val="ffffff"/>
-                  </a:solidFill>
-                </a:uFill>
                 <a:latin typeface="Palatino Linotype"/>
                 <a:ea typeface="DejaVu Sans"/>
               </a:rPr>
-              <a:t>Tumblr é quase igual o facebook, só que diferente</a:t>
+              <a:t>Fundo preto no Tumblr </a:t>
             </a:r>
-            <a:endParaRPr b="0" lang="pt-BR" sz="1800" spc="-1" strike="noStrike">
-              <a:solidFill>
-                <a:srgbClr val="ffffff"/>
-              </a:solidFill>
-              <a:uFill>
-                <a:solidFill>
-                  <a:srgbClr val="ffffff"/>
-                </a:solidFill>
-              </a:uFill>
-              <a:latin typeface="Arial"/>
-            </a:endParaRPr>
-          </a:p>
-          <a:p>
-            <a:pPr marL="274320" indent="-254520">
+            <a:endParaRPr/>
+          </a:p>
+          <a:p>
+            <a:pPr>
               <a:lnSpc>
                 <a:spcPct val="100000"/>
               </a:lnSpc>
-              <a:buClr>
-                <a:srgbClr val="ffffff"/>
-              </a:buClr>
               <a:buSzPct val="60000"/>
               <a:buFont typeface="Wingdings" charset="2"/>
               <a:buChar char=""/>
             </a:pPr>
             <a:r>
-              <a:rPr b="0" lang="pt-BR" sz="2100" spc="-1" strike="noStrike">
+              <a:rPr lang="pt-BR" sz="2000" strike="noStrike">
                 <a:solidFill>
                   <a:srgbClr val="ffffff"/>
                 </a:solidFill>
-                <a:uFill>
-                  <a:solidFill>
-                    <a:srgbClr val="ffffff"/>
-                  </a:solidFill>
-                </a:uFill>
                 <a:latin typeface="Palatino Linotype"/>
                 <a:ea typeface="DejaVu Sans"/>
               </a:rPr>
-              <a:t> </a:t>
+              <a:t>Imagens bonitas pra colocar de papel de parede </a:t>
             </a:r>
-            <a:endParaRPr b="0" lang="pt-BR" sz="1800" spc="-1" strike="noStrike">
-              <a:solidFill>
-                <a:srgbClr val="ffffff"/>
-              </a:solidFill>
-              <a:uFill>
-                <a:solidFill>
-                  <a:srgbClr val="ffffff"/>
-                </a:solidFill>
-              </a:uFill>
-              <a:latin typeface="Arial"/>
-            </a:endParaRPr>
-          </a:p>
-          <a:p>
-            <a:pPr marL="274320" indent="-254520">
+            <a:endParaRPr/>
+          </a:p>
+          <a:p>
+            <a:pPr>
               <a:lnSpc>
                 <a:spcPct val="100000"/>
               </a:lnSpc>
-              <a:buClr>
-                <a:srgbClr val="ffffff"/>
-              </a:buClr>
               <a:buSzPct val="60000"/>
               <a:buFont typeface="Wingdings" charset="2"/>
               <a:buChar char=""/>
             </a:pPr>
             <a:r>
-              <a:rPr b="0" lang="pt-BR" sz="2100" spc="-1" strike="noStrike">
+              <a:rPr lang="pt-BR" sz="2000" strike="noStrike">
                 <a:solidFill>
                   <a:srgbClr val="ffffff"/>
                 </a:solidFill>
-                <a:uFill>
-                  <a:solidFill>
-                    <a:srgbClr val="ffffff"/>
-                  </a:solidFill>
-                </a:uFill>
                 <a:latin typeface="Palatino Linotype"/>
                 <a:ea typeface="DejaVu Sans"/>
               </a:rPr>
-              <a:t>Simples e prático e estiloso ao mesmo tempo</a:t>
+              <a:t>Pessoas legais postando coisas legais</a:t>
             </a:r>
-            <a:endParaRPr b="0" lang="pt-BR" sz="1800" spc="-1" strike="noStrike">
-              <a:solidFill>
-                <a:srgbClr val="ffffff"/>
-              </a:solidFill>
-              <a:uFill>
-                <a:solidFill>
-                  <a:srgbClr val="ffffff"/>
-                </a:solidFill>
-              </a:uFill>
-              <a:latin typeface="Arial"/>
-            </a:endParaRPr>
-          </a:p>
-          <a:p>
-            <a:pPr marL="274320" indent="-254520">
+            <a:endParaRPr/>
+          </a:p>
+          <a:p>
+            <a:pPr>
               <a:lnSpc>
                 <a:spcPct val="100000"/>
               </a:lnSpc>
-              <a:buClr>
-                <a:srgbClr val="ffffff"/>
-              </a:buClr>
               <a:buSzPct val="60000"/>
               <a:buFont typeface="Wingdings" charset="2"/>
               <a:buChar char=""/>
             </a:pPr>
             <a:r>
-              <a:rPr b="0" lang="pt-BR" sz="2100" spc="-1" strike="noStrike">
+              <a:rPr lang="pt-BR" sz="2000" strike="noStrike">
                 <a:solidFill>
                   <a:srgbClr val="ffffff"/>
                 </a:solidFill>
-                <a:uFill>
-                  <a:solidFill>
-                    <a:srgbClr val="ffffff"/>
-                  </a:solidFill>
-                </a:uFill>
                 <a:latin typeface="Palatino Linotype"/>
                 <a:ea typeface="DejaVu Sans"/>
               </a:rPr>
-              <a:t> </a:t>
+              <a:t>Praticamente não tem noticias falsas e chatas e também não tem tantos anúncios como Facebook</a:t>
             </a:r>
-            <a:endParaRPr b="0" lang="pt-BR" sz="1800" spc="-1" strike="noStrike">
-              <a:solidFill>
-                <a:srgbClr val="ffffff"/>
-              </a:solidFill>
-              <a:uFill>
-                <a:solidFill>
-                  <a:srgbClr val="ffffff"/>
-                </a:solidFill>
-              </a:uFill>
-              <a:latin typeface="Arial"/>
-            </a:endParaRPr>
-          </a:p>
-          <a:p>
-            <a:pPr marL="274320" indent="-254520">
-              <a:lnSpc>
-                <a:spcPct val="100000"/>
-              </a:lnSpc>
-              <a:buClr>
-                <a:srgbClr val="ffffff"/>
-              </a:buClr>
-              <a:buSzPct val="60000"/>
-              <a:buFont typeface="Wingdings" charset="2"/>
-              <a:buChar char=""/>
-            </a:pPr>
-            <a:r>
-              <a:rPr b="0" lang="pt-BR" sz="2100" spc="-1" strike="noStrike">
-                <a:solidFill>
-                  <a:srgbClr val="ffffff"/>
-                </a:solidFill>
-                <a:uFill>
-                  <a:solidFill>
-                    <a:srgbClr val="ffffff"/>
-                  </a:solidFill>
-                </a:uFill>
-                <a:latin typeface="Palatino Linotype"/>
-                <a:ea typeface="DejaVu Sans"/>
-              </a:rPr>
-              <a:t>Vários fotógrafos e artistas postam seu trabalho no tumblr, freelancers etc…</a:t>
-            </a:r>
-            <a:endParaRPr b="0" lang="pt-BR" sz="1800" spc="-1" strike="noStrike">
-              <a:solidFill>
-                <a:srgbClr val="ffffff"/>
-              </a:solidFill>
-              <a:uFill>
-                <a:solidFill>
-                  <a:srgbClr val="ffffff"/>
-                </a:solidFill>
-              </a:uFill>
-              <a:latin typeface="Arial"/>
-            </a:endParaRPr>
-          </a:p>
-          <a:p>
-            <a:pPr marL="274320" indent="-254520">
-              <a:lnSpc>
-                <a:spcPct val="100000"/>
-              </a:lnSpc>
-              <a:buClr>
-                <a:srgbClr val="ffffff"/>
-              </a:buClr>
-              <a:buSzPct val="60000"/>
-              <a:buFont typeface="Wingdings" charset="2"/>
-              <a:buChar char=""/>
-            </a:pPr>
-            <a:r>
-              <a:rPr b="0" lang="pt-BR" sz="2100" spc="-1" strike="noStrike">
-                <a:solidFill>
-                  <a:srgbClr val="ffffff"/>
-                </a:solidFill>
-                <a:uFill>
-                  <a:solidFill>
-                    <a:srgbClr val="ffffff"/>
-                  </a:solidFill>
-                </a:uFill>
-                <a:latin typeface="Palatino Linotype"/>
-                <a:ea typeface="DejaVu Sans"/>
-              </a:rPr>
-              <a:t> </a:t>
-            </a:r>
-            <a:endParaRPr b="0" lang="pt-BR" sz="1800" spc="-1" strike="noStrike">
-              <a:solidFill>
-                <a:srgbClr val="ffffff"/>
-              </a:solidFill>
-              <a:uFill>
-                <a:solidFill>
-                  <a:srgbClr val="ffffff"/>
-                </a:solidFill>
-              </a:uFill>
-              <a:latin typeface="Arial"/>
-            </a:endParaRPr>
-          </a:p>
-          <a:p>
-            <a:pPr marL="274320" indent="-254520">
-              <a:lnSpc>
-                <a:spcPct val="100000"/>
-              </a:lnSpc>
-              <a:buClr>
-                <a:srgbClr val="ffffff"/>
-              </a:buClr>
-              <a:buSzPct val="60000"/>
-              <a:buFont typeface="Wingdings" charset="2"/>
-              <a:buChar char=""/>
-            </a:pPr>
-            <a:r>
-              <a:rPr b="0" lang="pt-BR" sz="2100" spc="-1" strike="noStrike">
-                <a:solidFill>
-                  <a:srgbClr val="ffffff"/>
-                </a:solidFill>
-                <a:uFill>
-                  <a:solidFill>
-                    <a:srgbClr val="ffffff"/>
-                  </a:solidFill>
-                </a:uFill>
-                <a:latin typeface="Palatino Linotype"/>
-                <a:ea typeface="DejaVu Sans"/>
-              </a:rPr>
-              <a:t>o que faz da rede social um lugar perfeito para achar imagens.</a:t>
-            </a:r>
-            <a:endParaRPr b="0" lang="pt-BR" sz="1800" spc="-1" strike="noStrike">
-              <a:solidFill>
-                <a:srgbClr val="ffffff"/>
-              </a:solidFill>
-              <a:uFill>
-                <a:solidFill>
-                  <a:srgbClr val="ffffff"/>
-                </a:solidFill>
-              </a:uFill>
-              <a:latin typeface="Arial"/>
-            </a:endParaRPr>
-          </a:p>
-        </p:txBody>
-      </p:sp>
-      <p:sp>
-        <p:nvSpPr>
-          <p:cNvPr id="100" name="CustomShape 2"/>
+            <a:endParaRPr/>
+          </a:p>
+        </p:txBody>
+      </p:sp>
+      <p:sp>
+        <p:nvSpPr>
+          <p:cNvPr id="101" name="CustomShape 2"/>
           <p:cNvSpPr/>
           <p:nvPr/>
         </p:nvSpPr>
         <p:spPr>
           <a:xfrm>
             <a:off x="777240" y="4876920"/>
-            <a:ext cx="7542360" cy="912960"/>
+            <a:ext cx="7542000" cy="912600"/>
           </a:xfrm>
           <a:prstGeom prst="rect">
             <a:avLst/>
@@ -6755,31 +5110,16 @@
               </a:lnSpc>
             </a:pPr>
             <a:r>
-              <a:rPr b="0" lang="pt-BR" sz="4900" spc="-1" strike="noStrike">
+              <a:rPr lang="pt-BR" sz="4900" strike="noStrike">
                 <a:solidFill>
                   <a:srgbClr val="ffffff"/>
                 </a:solidFill>
-                <a:uFill>
-                  <a:solidFill>
-                    <a:srgbClr val="ffffff"/>
-                  </a:solidFill>
-                </a:uFill>
                 <a:latin typeface="Palatino Linotype"/>
                 <a:ea typeface="DejaVu Sans"/>
               </a:rPr>
-              <a:t>*Como funciona o tumblr</a:t>
+              <a:t>*Vantagens do Tumblr</a:t>
             </a:r>
-            <a:endParaRPr b="0" lang="pt-BR" sz="1800" spc="-1" strike="noStrike">
-              <a:solidFill>
-                <a:srgbClr val="ffffff"/>
-              </a:solidFill>
-              <a:uFill>
-                <a:solidFill>
-                  <a:srgbClr val="ffffff"/>
-                </a:solidFill>
-              </a:uFill>
-              <a:latin typeface="Arial"/>
-            </a:endParaRPr>
+            <a:endParaRPr/>
           </a:p>
         </p:txBody>
       </p:sp>
@@ -6816,7 +5156,7 @@
 </file>
 
 <file path=ppt/slides/slide7.xml><?xml version="1.0" encoding="utf-8"?>
-<p:sld xmlns:a="http://schemas.openxmlformats.org/drawingml/2006/main" xmlns:p="http://schemas.openxmlformats.org/presentationml/2006/main" xmlns:r="http://schemas.openxmlformats.org/officeDocument/2006/relationships" xmlns:p14="http://schemas.microsoft.com/office/powerpoint/2010/main" xmlns:p15="http://schemas.microsoft.com/office/powerpoint/2012/main" xmlns:mc="http://schemas.openxmlformats.org/markup-compatibility/2006">
+<p:sld xmlns:a="http://schemas.openxmlformats.org/drawingml/2006/main" xmlns:p="http://schemas.openxmlformats.org/presentationml/2006/main" xmlns:r="http://schemas.openxmlformats.org/officeDocument/2006/relationships">
   <p:cSld>
     <p:spTree>
       <p:nvGrpSpPr>
@@ -6832,144 +5172,186 @@
           <a:chExt cx="0" cy="0"/>
         </a:xfrm>
       </p:grpSpPr>
-      <p:pic>
-        <p:nvPicPr>
-          <p:cNvPr id="101" name="" descr=""/>
-          <p:cNvPicPr/>
+      <p:sp>
+        <p:nvSpPr>
+          <p:cNvPr id="102" name="CustomShape 1"/>
+          <p:cNvSpPr/>
           <p:nvPr/>
-        </p:nvPicPr>
-        <p:blipFill>
-          <a:blip r:embed="rId1"/>
-          <a:stretch/>
-        </p:blipFill>
-        <p:spPr>
-          <a:xfrm>
-            <a:off x="360" y="2160000"/>
-            <a:ext cx="4427640" cy="2952000"/>
-          </a:xfrm>
-          <a:prstGeom prst="rect">
-            <a:avLst/>
-          </a:prstGeom>
+        </p:nvSpPr>
+        <p:spPr>
+          <a:xfrm>
+            <a:off x="2133720" y="685800"/>
+            <a:ext cx="6094080" cy="3655800"/>
+          </a:xfrm>
+          <a:prstGeom prst="rect">
+            <a:avLst/>
+          </a:prstGeom>
+          <a:noFill/>
           <a:ln>
             <a:noFill/>
           </a:ln>
         </p:spPr>
-      </p:pic>
-      <p:pic>
-        <p:nvPicPr>
-          <p:cNvPr id="102" name="" descr=""/>
-          <p:cNvPicPr/>
+        <p:style>
+          <a:lnRef idx="0"/>
+          <a:fillRef idx="0"/>
+          <a:effectRef idx="0"/>
+          <a:fontRef idx="minor"/>
+        </p:style>
+        <p:txBody>
+          <a:bodyPr lIns="90000" rIns="90000" tIns="45000" bIns="45000" anchor="ctr"/>
+          <a:p>
+            <a:pPr>
+              <a:lnSpc>
+                <a:spcPct val="100000"/>
+              </a:lnSpc>
+              <a:buSzPct val="60000"/>
+              <a:buFont typeface="Wingdings" charset="2"/>
+              <a:buChar char=""/>
+            </a:pPr>
+            <a:r>
+              <a:rPr lang="pt-BR" sz="2000" strike="noStrike">
+                <a:solidFill>
+                  <a:srgbClr val="ffffff"/>
+                </a:solidFill>
+                <a:latin typeface="Palatino Linotype"/>
+                <a:ea typeface="DejaVu Sans"/>
+              </a:rPr>
+              <a:t>Tumblr é quase igual ao Facebook, só que diferente</a:t>
+            </a:r>
+            <a:endParaRPr/>
+          </a:p>
+          <a:p>
+            <a:pPr>
+              <a:lnSpc>
+                <a:spcPct val="100000"/>
+              </a:lnSpc>
+              <a:buSzPct val="60000"/>
+              <a:buFont typeface="Wingdings" charset="2"/>
+              <a:buChar char=""/>
+            </a:pPr>
+            <a:r>
+              <a:rPr lang="pt-BR" sz="2000" strike="noStrike">
+                <a:solidFill>
+                  <a:srgbClr val="ffffff"/>
+                </a:solidFill>
+                <a:latin typeface="Palatino Linotype"/>
+                <a:ea typeface="DejaVu Sans"/>
+              </a:rPr>
+              <a:t>Simples e prático e estiloso ao mesmo tempo</a:t>
+            </a:r>
+            <a:endParaRPr/>
+          </a:p>
+          <a:p>
+            <a:pPr>
+              <a:lnSpc>
+                <a:spcPct val="100000"/>
+              </a:lnSpc>
+              <a:buSzPct val="60000"/>
+              <a:buFont typeface="Wingdings" charset="2"/>
+              <a:buChar char=""/>
+            </a:pPr>
+            <a:r>
+              <a:rPr lang="pt-BR" sz="2000" strike="noStrike">
+                <a:solidFill>
+                  <a:srgbClr val="ffffff"/>
+                </a:solidFill>
+                <a:latin typeface="Palatino Linotype"/>
+                <a:ea typeface="DejaVu Sans"/>
+              </a:rPr>
+              <a:t>Vários fotógrafos e artistas postam seu trabalho no Tumblr, </a:t>
+            </a:r>
+            <a:r>
+              <a:rPr i="1" lang="pt-BR" sz="2000" strike="noStrike">
+                <a:solidFill>
+                  <a:srgbClr val="ffffff"/>
+                </a:solidFill>
+                <a:latin typeface="Palatino Linotype"/>
+                <a:ea typeface="DejaVu Sans"/>
+              </a:rPr>
+              <a:t>freelancers</a:t>
+            </a:r>
+            <a:r>
+              <a:rPr lang="pt-BR" sz="2000" strike="noStrike">
+                <a:solidFill>
+                  <a:srgbClr val="ffffff"/>
+                </a:solidFill>
+                <a:latin typeface="Palatino Linotype"/>
+                <a:ea typeface="DejaVu Sans"/>
+              </a:rPr>
+              <a:t> etc…</a:t>
+            </a:r>
+            <a:endParaRPr/>
+          </a:p>
+          <a:p>
+            <a:pPr>
+              <a:lnSpc>
+                <a:spcPct val="100000"/>
+              </a:lnSpc>
+              <a:buSzPct val="60000"/>
+              <a:buFont typeface="Wingdings" charset="2"/>
+              <a:buChar char=""/>
+            </a:pPr>
+            <a:r>
+              <a:rPr lang="pt-BR" sz="2000" strike="noStrike">
+                <a:solidFill>
+                  <a:srgbClr val="ffffff"/>
+                </a:solidFill>
+                <a:latin typeface="Palatino Linotype"/>
+                <a:ea typeface="DejaVu Sans"/>
+              </a:rPr>
+              <a:t>o que faz da rede social um lugar perfeito para achar imagens</a:t>
+            </a:r>
+            <a:endParaRPr/>
+          </a:p>
+        </p:txBody>
+      </p:sp>
+      <p:sp>
+        <p:nvSpPr>
+          <p:cNvPr id="103" name="CustomShape 2"/>
+          <p:cNvSpPr/>
           <p:nvPr/>
-        </p:nvPicPr>
-        <p:blipFill>
-          <a:blip r:embed="rId2"/>
-          <a:stretch/>
-        </p:blipFill>
-        <p:spPr>
-          <a:xfrm>
-            <a:off x="1485720" y="0"/>
-            <a:ext cx="5298840" cy="3312000"/>
-          </a:xfrm>
-          <a:prstGeom prst="rect">
-            <a:avLst/>
-          </a:prstGeom>
+        </p:nvSpPr>
+        <p:spPr>
+          <a:xfrm>
+            <a:off x="777240" y="4876920"/>
+            <a:ext cx="7542000" cy="912600"/>
+          </a:xfrm>
+          <a:prstGeom prst="rect">
+            <a:avLst/>
+          </a:prstGeom>
+          <a:noFill/>
           <a:ln>
             <a:noFill/>
           </a:ln>
         </p:spPr>
-      </p:pic>
-      <p:pic>
-        <p:nvPicPr>
-          <p:cNvPr id="103" name="" descr=""/>
-          <p:cNvPicPr/>
-          <p:nvPr/>
-        </p:nvPicPr>
-        <p:blipFill>
-          <a:blip r:embed="rId3"/>
-          <a:stretch/>
-        </p:blipFill>
-        <p:spPr>
-          <a:xfrm>
-            <a:off x="27000" y="22320"/>
-            <a:ext cx="2466000" cy="3289680"/>
-          </a:xfrm>
-          <a:prstGeom prst="rect">
-            <a:avLst/>
-          </a:prstGeom>
-          <a:ln>
-            <a:noFill/>
-          </a:ln>
-        </p:spPr>
-      </p:pic>
-      <p:pic>
-        <p:nvPicPr>
-          <p:cNvPr id="104" name="" descr=""/>
-          <p:cNvPicPr/>
-          <p:nvPr/>
-        </p:nvPicPr>
-        <p:blipFill>
-          <a:blip r:embed="rId4"/>
-          <a:stretch/>
-        </p:blipFill>
-        <p:spPr>
-          <a:xfrm>
-            <a:off x="5832000" y="0"/>
-            <a:ext cx="3312000" cy="3312000"/>
-          </a:xfrm>
-          <a:prstGeom prst="rect">
-            <a:avLst/>
-          </a:prstGeom>
-          <a:ln>
-            <a:noFill/>
-          </a:ln>
-        </p:spPr>
-      </p:pic>
-      <p:pic>
-        <p:nvPicPr>
-          <p:cNvPr id="105" name="" descr=""/>
-          <p:cNvPicPr/>
-          <p:nvPr/>
-        </p:nvPicPr>
-        <p:blipFill>
-          <a:blip r:embed="rId5"/>
-          <a:stretch/>
-        </p:blipFill>
-        <p:spPr>
-          <a:xfrm>
-            <a:off x="0" y="4212720"/>
-            <a:ext cx="4320000" cy="2699280"/>
-          </a:xfrm>
-          <a:prstGeom prst="rect">
-            <a:avLst/>
-          </a:prstGeom>
-          <a:ln>
-            <a:noFill/>
-          </a:ln>
-        </p:spPr>
-      </p:pic>
-      <p:pic>
-        <p:nvPicPr>
-          <p:cNvPr id="106" name="" descr=""/>
-          <p:cNvPicPr/>
-          <p:nvPr/>
-        </p:nvPicPr>
-        <p:blipFill>
-          <a:blip r:embed="rId6"/>
-          <a:stretch/>
-        </p:blipFill>
-        <p:spPr>
-          <a:xfrm>
-            <a:off x="4320000" y="3257640"/>
-            <a:ext cx="5757120" cy="3654360"/>
-          </a:xfrm>
-          <a:prstGeom prst="rect">
-            <a:avLst/>
-          </a:prstGeom>
-          <a:ln>
-            <a:noFill/>
-          </a:ln>
-        </p:spPr>
-      </p:pic>
+        <p:style>
+          <a:lnRef idx="0"/>
+          <a:fillRef idx="0"/>
+          <a:effectRef idx="0"/>
+          <a:fontRef idx="minor"/>
+        </p:style>
+        <p:txBody>
+          <a:bodyPr lIns="90000" rIns="90000" tIns="45000" bIns="45000" anchor="b"/>
+          <a:p>
+            <a:pPr>
+              <a:lnSpc>
+                <a:spcPct val="100000"/>
+              </a:lnSpc>
+            </a:pPr>
+            <a:r>
+              <a:rPr lang="pt-BR" sz="4900" strike="noStrike">
+                <a:solidFill>
+                  <a:srgbClr val="ffffff"/>
+                </a:solidFill>
+                <a:latin typeface="Palatino Linotype"/>
+                <a:ea typeface="DejaVu Sans"/>
+              </a:rPr>
+              <a:t>*Como funciona o tumblr</a:t>
+            </a:r>
+            <a:endParaRPr/>
+          </a:p>
+        </p:txBody>
+      </p:sp>
     </p:spTree>
   </p:cSld>
   <p:timing>
@@ -7003,7 +5385,7 @@
 </file>
 
 <file path=ppt/slides/slide8.xml><?xml version="1.0" encoding="utf-8"?>
-<p:sld xmlns:a="http://schemas.openxmlformats.org/drawingml/2006/main" xmlns:p="http://schemas.openxmlformats.org/presentationml/2006/main" xmlns:r="http://schemas.openxmlformats.org/officeDocument/2006/relationships" xmlns:p14="http://schemas.microsoft.com/office/powerpoint/2010/main" xmlns:p15="http://schemas.microsoft.com/office/powerpoint/2012/main" xmlns:mc="http://schemas.openxmlformats.org/markup-compatibility/2006">
+<p:sld xmlns:a="http://schemas.openxmlformats.org/drawingml/2006/main" xmlns:p="http://schemas.openxmlformats.org/presentationml/2006/main" xmlns:r="http://schemas.openxmlformats.org/officeDocument/2006/relationships">
   <p:cSld>
     <p:spTree>
       <p:nvGrpSpPr>
@@ -7019,292 +5401,144 @@
           <a:chExt cx="0" cy="0"/>
         </a:xfrm>
       </p:grpSpPr>
-      <p:sp>
-        <p:nvSpPr>
-          <p:cNvPr id="107" name="CustomShape 1"/>
-          <p:cNvSpPr/>
+      <p:pic>
+        <p:nvPicPr>
+          <p:cNvPr id="104" name="" descr=""/>
+          <p:cNvPicPr/>
           <p:nvPr/>
-        </p:nvSpPr>
-        <p:spPr>
-          <a:xfrm>
-            <a:off x="2133720" y="685800"/>
-            <a:ext cx="6094440" cy="3656160"/>
-          </a:xfrm>
-          <a:prstGeom prst="rect">
-            <a:avLst/>
-          </a:prstGeom>
-          <a:noFill/>
+        </p:nvPicPr>
+        <p:blipFill>
+          <a:blip r:embed="rId1"/>
+          <a:stretch/>
+        </p:blipFill>
+        <p:spPr>
+          <a:xfrm>
+            <a:off x="360" y="2160000"/>
+            <a:ext cx="4427280" cy="2951640"/>
+          </a:xfrm>
+          <a:prstGeom prst="rect">
+            <a:avLst/>
+          </a:prstGeom>
           <a:ln>
             <a:noFill/>
           </a:ln>
         </p:spPr>
-        <p:style>
-          <a:lnRef idx="0"/>
-          <a:fillRef idx="0"/>
-          <a:effectRef idx="0"/>
-          <a:fontRef idx="minor"/>
-        </p:style>
-        <p:txBody>
-          <a:bodyPr lIns="90000" rIns="90000" tIns="45000" bIns="45000" anchor="ctr"/>
-          <a:p>
-            <a:pPr marL="274320" indent="-254520">
-              <a:lnSpc>
-                <a:spcPct val="100000"/>
-              </a:lnSpc>
-              <a:buClr>
-                <a:srgbClr val="ffffff"/>
-              </a:buClr>
-              <a:buSzPct val="60000"/>
-              <a:buFont typeface="Wingdings" charset="2"/>
-              <a:buChar char=""/>
-            </a:pPr>
-            <a:r>
-              <a:rPr b="0" lang="pt-BR" sz="2100" spc="-1" strike="noStrike">
-                <a:solidFill>
-                  <a:srgbClr val="ffffff"/>
-                </a:solidFill>
-                <a:uFill>
-                  <a:solidFill>
-                    <a:srgbClr val="ffffff"/>
-                  </a:solidFill>
-                </a:uFill>
-                <a:latin typeface="Palatino Linotype"/>
-                <a:ea typeface="DejaVu Sans"/>
-              </a:rPr>
-              <a:t>Seu criador deixou os estudos para terminar sua ideia</a:t>
-            </a:r>
-            <a:endParaRPr b="0" lang="pt-BR" sz="1800" spc="-1" strike="noStrike">
-              <a:solidFill>
-                <a:srgbClr val="ffffff"/>
-              </a:solidFill>
-              <a:uFill>
-                <a:solidFill>
-                  <a:srgbClr val="ffffff"/>
-                </a:solidFill>
-              </a:uFill>
-              <a:latin typeface="Arial"/>
-            </a:endParaRPr>
-          </a:p>
-          <a:p>
-            <a:pPr marL="274320" indent="-254520">
-              <a:lnSpc>
-                <a:spcPct val="100000"/>
-              </a:lnSpc>
-              <a:buClr>
-                <a:srgbClr val="ffffff"/>
-              </a:buClr>
-              <a:buSzPct val="60000"/>
-              <a:buFont typeface="Wingdings" charset="2"/>
-              <a:buChar char=""/>
-            </a:pPr>
-            <a:r>
-              <a:rPr b="0" lang="pt-BR" sz="2100" spc="-1" strike="noStrike">
-                <a:solidFill>
-                  <a:srgbClr val="ffffff"/>
-                </a:solidFill>
-                <a:uFill>
-                  <a:solidFill>
-                    <a:srgbClr val="ffffff"/>
-                  </a:solidFill>
-                </a:uFill>
-                <a:latin typeface="Palatino Linotype"/>
-                <a:ea typeface="DejaVu Sans"/>
-              </a:rPr>
-              <a:t> </a:t>
-            </a:r>
-            <a:endParaRPr b="0" lang="pt-BR" sz="1800" spc="-1" strike="noStrike">
-              <a:solidFill>
-                <a:srgbClr val="ffffff"/>
-              </a:solidFill>
-              <a:uFill>
-                <a:solidFill>
-                  <a:srgbClr val="ffffff"/>
-                </a:solidFill>
-              </a:uFill>
-              <a:latin typeface="Arial"/>
-            </a:endParaRPr>
-          </a:p>
-          <a:p>
-            <a:pPr marL="274320" indent="-254520">
-              <a:lnSpc>
-                <a:spcPct val="100000"/>
-              </a:lnSpc>
-              <a:buClr>
-                <a:srgbClr val="ffffff"/>
-              </a:buClr>
-              <a:buSzPct val="60000"/>
-              <a:buFont typeface="Wingdings" charset="2"/>
-              <a:buChar char=""/>
-            </a:pPr>
-            <a:r>
-              <a:rPr b="0" lang="pt-BR" sz="2100" spc="-1" strike="noStrike">
-                <a:solidFill>
-                  <a:srgbClr val="ffffff"/>
-                </a:solidFill>
-                <a:uFill>
-                  <a:solidFill>
-                    <a:srgbClr val="ffffff"/>
-                  </a:solidFill>
-                </a:uFill>
-                <a:latin typeface="Palatino Linotype"/>
-                <a:ea typeface="DejaVu Sans"/>
-              </a:rPr>
-              <a:t>Tumblr usa machine learning para dar recomendações de outros blogs/pessoas para você seguir</a:t>
-            </a:r>
-            <a:endParaRPr b="0" lang="pt-BR" sz="1800" spc="-1" strike="noStrike">
-              <a:solidFill>
-                <a:srgbClr val="ffffff"/>
-              </a:solidFill>
-              <a:uFill>
-                <a:solidFill>
-                  <a:srgbClr val="ffffff"/>
-                </a:solidFill>
-              </a:uFill>
-              <a:latin typeface="Arial"/>
-            </a:endParaRPr>
-          </a:p>
-          <a:p>
-            <a:pPr marL="274320" indent="-254520">
-              <a:lnSpc>
-                <a:spcPct val="100000"/>
-              </a:lnSpc>
-              <a:buClr>
-                <a:srgbClr val="ffffff"/>
-              </a:buClr>
-              <a:buSzPct val="60000"/>
-              <a:buFont typeface="Wingdings" charset="2"/>
-              <a:buChar char=""/>
-            </a:pPr>
-            <a:r>
-              <a:rPr b="0" lang="pt-BR" sz="2100" spc="-1" strike="noStrike">
-                <a:solidFill>
-                  <a:srgbClr val="ffffff"/>
-                </a:solidFill>
-                <a:uFill>
-                  <a:solidFill>
-                    <a:srgbClr val="ffffff"/>
-                  </a:solidFill>
-                </a:uFill>
-                <a:latin typeface="Palatino Linotype"/>
-                <a:ea typeface="DejaVu Sans"/>
-              </a:rPr>
-              <a:t> </a:t>
-            </a:r>
-            <a:endParaRPr b="0" lang="pt-BR" sz="1800" spc="-1" strike="noStrike">
-              <a:solidFill>
-                <a:srgbClr val="ffffff"/>
-              </a:solidFill>
-              <a:uFill>
-                <a:solidFill>
-                  <a:srgbClr val="ffffff"/>
-                </a:solidFill>
-              </a:uFill>
-              <a:latin typeface="Arial"/>
-            </a:endParaRPr>
-          </a:p>
-          <a:p>
-            <a:pPr marL="274320" indent="-254520">
-              <a:lnSpc>
-                <a:spcPct val="100000"/>
-              </a:lnSpc>
-              <a:buClr>
-                <a:srgbClr val="ffffff"/>
-              </a:buClr>
-              <a:buSzPct val="60000"/>
-              <a:buFont typeface="Wingdings" charset="2"/>
-              <a:buChar char=""/>
-            </a:pPr>
-            <a:r>
-              <a:rPr b="0" lang="pt-BR" sz="2100" spc="-1" strike="noStrike">
-                <a:solidFill>
-                  <a:srgbClr val="ffffff"/>
-                </a:solidFill>
-                <a:uFill>
-                  <a:solidFill>
-                    <a:srgbClr val="ffffff"/>
-                  </a:solidFill>
-                </a:uFill>
-                <a:latin typeface="Palatino Linotype"/>
-                <a:ea typeface="DejaVu Sans"/>
-              </a:rPr>
-              <a:t> </a:t>
-            </a:r>
-            <a:endParaRPr b="0" lang="pt-BR" sz="1800" spc="-1" strike="noStrike">
-              <a:solidFill>
-                <a:srgbClr val="ffffff"/>
-              </a:solidFill>
-              <a:uFill>
-                <a:solidFill>
-                  <a:srgbClr val="ffffff"/>
-                </a:solidFill>
-              </a:uFill>
-              <a:latin typeface="Arial"/>
-            </a:endParaRPr>
-          </a:p>
-        </p:txBody>
-      </p:sp>
-      <p:sp>
-        <p:nvSpPr>
-          <p:cNvPr id="108" name="CustomShape 2"/>
-          <p:cNvSpPr/>
+      </p:pic>
+      <p:pic>
+        <p:nvPicPr>
+          <p:cNvPr id="105" name="" descr=""/>
+          <p:cNvPicPr/>
           <p:nvPr/>
-        </p:nvSpPr>
-        <p:spPr>
-          <a:xfrm>
-            <a:off x="777240" y="4876920"/>
-            <a:ext cx="7542360" cy="912960"/>
-          </a:xfrm>
-          <a:prstGeom prst="rect">
-            <a:avLst/>
-          </a:prstGeom>
-          <a:noFill/>
+        </p:nvPicPr>
+        <p:blipFill>
+          <a:blip r:embed="rId2"/>
+          <a:stretch/>
+        </p:blipFill>
+        <p:spPr>
+          <a:xfrm>
+            <a:off x="1485720" y="0"/>
+            <a:ext cx="5298480" cy="3311640"/>
+          </a:xfrm>
+          <a:prstGeom prst="rect">
+            <a:avLst/>
+          </a:prstGeom>
           <a:ln>
             <a:noFill/>
           </a:ln>
         </p:spPr>
-        <p:style>
-          <a:lnRef idx="0"/>
-          <a:fillRef idx="0"/>
-          <a:effectRef idx="0"/>
-          <a:fontRef idx="minor"/>
-        </p:style>
-        <p:txBody>
-          <a:bodyPr lIns="90000" rIns="90000" tIns="45000" bIns="45000" anchor="b"/>
-          <a:p>
-            <a:pPr>
-              <a:lnSpc>
-                <a:spcPct val="100000"/>
-              </a:lnSpc>
-            </a:pPr>
-            <a:r>
-              <a:rPr b="0" lang="pt-BR" sz="4900" spc="-1" strike="noStrike">
-                <a:solidFill>
-                  <a:srgbClr val="ffffff"/>
-                </a:solidFill>
-                <a:uFill>
-                  <a:solidFill>
-                    <a:srgbClr val="ffffff"/>
-                  </a:solidFill>
-                </a:uFill>
-                <a:latin typeface="Palatino Linotype"/>
-                <a:ea typeface="DejaVu Sans"/>
-              </a:rPr>
-              <a:t>*curiosidades sobre o tumblr e seu criador</a:t>
-            </a:r>
-            <a:endParaRPr b="0" lang="pt-BR" sz="1800" spc="-1" strike="noStrike">
-              <a:solidFill>
-                <a:srgbClr val="ffffff"/>
-              </a:solidFill>
-              <a:uFill>
-                <a:solidFill>
-                  <a:srgbClr val="ffffff"/>
-                </a:solidFill>
-              </a:uFill>
-              <a:latin typeface="Arial"/>
-            </a:endParaRPr>
-          </a:p>
-        </p:txBody>
-      </p:sp>
+      </p:pic>
+      <p:pic>
+        <p:nvPicPr>
+          <p:cNvPr id="106" name="" descr=""/>
+          <p:cNvPicPr/>
+          <p:nvPr/>
+        </p:nvPicPr>
+        <p:blipFill>
+          <a:blip r:embed="rId3"/>
+          <a:stretch/>
+        </p:blipFill>
+        <p:spPr>
+          <a:xfrm>
+            <a:off x="-9000" y="22320"/>
+            <a:ext cx="2465640" cy="3289320"/>
+          </a:xfrm>
+          <a:prstGeom prst="rect">
+            <a:avLst/>
+          </a:prstGeom>
+          <a:ln>
+            <a:noFill/>
+          </a:ln>
+        </p:spPr>
+      </p:pic>
+      <p:pic>
+        <p:nvPicPr>
+          <p:cNvPr id="107" name="" descr=""/>
+          <p:cNvPicPr/>
+          <p:nvPr/>
+        </p:nvPicPr>
+        <p:blipFill>
+          <a:blip r:embed="rId4"/>
+          <a:stretch/>
+        </p:blipFill>
+        <p:spPr>
+          <a:xfrm>
+            <a:off x="5832000" y="0"/>
+            <a:ext cx="3311640" cy="3311640"/>
+          </a:xfrm>
+          <a:prstGeom prst="rect">
+            <a:avLst/>
+          </a:prstGeom>
+          <a:ln>
+            <a:noFill/>
+          </a:ln>
+        </p:spPr>
+      </p:pic>
+      <p:pic>
+        <p:nvPicPr>
+          <p:cNvPr id="108" name="" descr=""/>
+          <p:cNvPicPr/>
+          <p:nvPr/>
+        </p:nvPicPr>
+        <p:blipFill>
+          <a:blip r:embed="rId5"/>
+          <a:stretch/>
+        </p:blipFill>
+        <p:spPr>
+          <a:xfrm>
+            <a:off x="0" y="4212720"/>
+            <a:ext cx="4319640" cy="2698920"/>
+          </a:xfrm>
+          <a:prstGeom prst="rect">
+            <a:avLst/>
+          </a:prstGeom>
+          <a:ln>
+            <a:noFill/>
+          </a:ln>
+        </p:spPr>
+      </p:pic>
+      <p:pic>
+        <p:nvPicPr>
+          <p:cNvPr id="109" name="" descr=""/>
+          <p:cNvPicPr/>
+          <p:nvPr/>
+        </p:nvPicPr>
+        <p:blipFill>
+          <a:blip r:embed="rId6"/>
+          <a:stretch/>
+        </p:blipFill>
+        <p:spPr>
+          <a:xfrm>
+            <a:off x="4320000" y="3293640"/>
+            <a:ext cx="5756760" cy="3654000"/>
+          </a:xfrm>
+          <a:prstGeom prst="rect">
+            <a:avLst/>
+          </a:prstGeom>
+          <a:ln>
+            <a:noFill/>
+          </a:ln>
+        </p:spPr>
+      </p:pic>
     </p:spTree>
   </p:cSld>
   <p:timing>
@@ -7338,7 +5572,7 @@
 </file>
 
 <file path=ppt/slides/slide9.xml><?xml version="1.0" encoding="utf-8"?>
-<p:sld xmlns:a="http://schemas.openxmlformats.org/drawingml/2006/main" xmlns:p="http://schemas.openxmlformats.org/presentationml/2006/main" xmlns:r="http://schemas.openxmlformats.org/officeDocument/2006/relationships" xmlns:p14="http://schemas.microsoft.com/office/powerpoint/2010/main" xmlns:p15="http://schemas.microsoft.com/office/powerpoint/2012/main" xmlns:mc="http://schemas.openxmlformats.org/markup-compatibility/2006">
+<p:sld xmlns:a="http://schemas.openxmlformats.org/drawingml/2006/main" xmlns:p="http://schemas.openxmlformats.org/presentationml/2006/main" xmlns:r="http://schemas.openxmlformats.org/officeDocument/2006/relationships">
   <p:cSld>
     <p:spTree>
       <p:nvGrpSpPr>
@@ -7356,14 +5590,14 @@
       </p:grpSpPr>
       <p:sp>
         <p:nvSpPr>
-          <p:cNvPr id="109" name="CustomShape 1"/>
+          <p:cNvPr id="110" name="CustomShape 1"/>
           <p:cNvSpPr/>
           <p:nvPr/>
         </p:nvSpPr>
         <p:spPr>
           <a:xfrm>
             <a:off x="2133720" y="685800"/>
-            <a:ext cx="6094440" cy="3656160"/>
+            <a:ext cx="6094080" cy="3655800"/>
           </a:xfrm>
           <a:prstGeom prst="rect">
             <a:avLst/>
@@ -7382,56 +5616,59 @@
         <p:txBody>
           <a:bodyPr lIns="90000" rIns="90000" tIns="45000" bIns="45000" anchor="ctr"/>
           <a:p>
-            <a:pPr marL="274320" indent="-254520">
+            <a:pPr>
               <a:lnSpc>
                 <a:spcPct val="100000"/>
               </a:lnSpc>
-              <a:buClr>
-                <a:srgbClr val="ffffff"/>
-              </a:buClr>
               <a:buSzPct val="60000"/>
               <a:buFont typeface="Wingdings" charset="2"/>
               <a:buChar char=""/>
             </a:pPr>
             <a:r>
-              <a:rPr b="0" lang="pt-BR" sz="2100" spc="-1" strike="noStrike">
+              <a:rPr lang="pt-BR" sz="2100" strike="noStrike">
                 <a:solidFill>
                   <a:srgbClr val="ffffff"/>
                 </a:solidFill>
-                <a:uFill>
-                  <a:solidFill>
-                    <a:srgbClr val="ffffff"/>
-                  </a:solidFill>
-                </a:uFill>
                 <a:latin typeface="Palatino Linotype"/>
                 <a:ea typeface="DejaVu Sans"/>
               </a:rPr>
-              <a:t>Os gifs começaram a ganhar fama no tumblr junto com os blogs, e os criadores de conteúdo tendo uma chance de expor seu trabalho nessa plataforma. (ainda que hoje em dia existem outras plataformas para isso como dribbble, Imgur entre outros.)</a:t>
+              <a:t>Seu criador deixou os estudos para terminar sua ideia</a:t>
             </a:r>
-            <a:endParaRPr b="0" lang="pt-BR" sz="1800" spc="-1" strike="noStrike">
-              <a:solidFill>
-                <a:srgbClr val="ffffff"/>
-              </a:solidFill>
-              <a:uFill>
+            <a:endParaRPr/>
+          </a:p>
+          <a:p>
+            <a:pPr>
+              <a:lnSpc>
+                <a:spcPct val="100000"/>
+              </a:lnSpc>
+              <a:buSzPct val="60000"/>
+              <a:buFont typeface="Wingdings" charset="2"/>
+              <a:buChar char=""/>
+            </a:pPr>
+            <a:r>
+              <a:rPr lang="pt-BR" sz="2100" strike="noStrike">
                 <a:solidFill>
                   <a:srgbClr val="ffffff"/>
                 </a:solidFill>
-              </a:uFill>
-              <a:latin typeface="Arial"/>
-            </a:endParaRPr>
-          </a:p>
-        </p:txBody>
-      </p:sp>
-      <p:sp>
-        <p:nvSpPr>
-          <p:cNvPr id="110" name="CustomShape 2"/>
+                <a:latin typeface="Palatino Linotype"/>
+                <a:ea typeface="DejaVu Sans"/>
+              </a:rPr>
+              <a:t>Tumblr usa machine learning para fazer recomendações de outros blogs/pessoas para você seguir </a:t>
+            </a:r>
+            <a:endParaRPr/>
+          </a:p>
+        </p:txBody>
+      </p:sp>
+      <p:sp>
+        <p:nvSpPr>
+          <p:cNvPr id="111" name="CustomShape 2"/>
           <p:cNvSpPr/>
           <p:nvPr/>
         </p:nvSpPr>
         <p:spPr>
           <a:xfrm>
             <a:off x="777240" y="4876920"/>
-            <a:ext cx="7542360" cy="912960"/>
+            <a:ext cx="7542000" cy="912600"/>
           </a:xfrm>
           <a:prstGeom prst="rect">
             <a:avLst/>
@@ -7456,31 +5693,16 @@
               </a:lnSpc>
             </a:pPr>
             <a:r>
-              <a:rPr b="0" lang="pt-BR" sz="4900" spc="-1" strike="noStrike">
+              <a:rPr lang="pt-BR" sz="4900" strike="noStrike">
                 <a:solidFill>
                   <a:srgbClr val="ffffff"/>
                 </a:solidFill>
-                <a:uFill>
-                  <a:solidFill>
-                    <a:srgbClr val="ffffff"/>
-                  </a:solidFill>
-                </a:uFill>
                 <a:latin typeface="Palatino Linotype"/>
                 <a:ea typeface="DejaVu Sans"/>
               </a:rPr>
-              <a:t>*+curiosidades</a:t>
+              <a:t>*Curiosidades sobre o Tumblr e seu criador</a:t>
             </a:r>
-            <a:endParaRPr b="0" lang="pt-BR" sz="1800" spc="-1" strike="noStrike">
-              <a:solidFill>
-                <a:srgbClr val="ffffff"/>
-              </a:solidFill>
-              <a:uFill>
-                <a:solidFill>
-                  <a:srgbClr val="ffffff"/>
-                </a:solidFill>
-              </a:uFill>
-              <a:latin typeface="Arial"/>
-            </a:endParaRPr>
+            <a:endParaRPr/>
           </a:p>
         </p:txBody>
       </p:sp>
